--- a/static/img/products/s2e_module/WIZ505SR-RP/HW/Document/WIZ505SR-RP Photo.pptx
+++ b/static/img/products/s2e_module/WIZ505SR-RP/HW/Document/WIZ505SR-RP Photo.pptx
@@ -6256,7 +6256,7 @@
             </a:extLst>
           </p:cNvPr>
           <p:cNvPicPr>
-            <a:picLocks noChangeAspect="1"/>
+            <a:picLocks noGrp="1" noRot="1" noChangeAspect="1" noMove="1" noResize="1" noEditPoints="1" noAdjustHandles="1" noChangeArrowheads="1" noChangeShapeType="1" noCrop="1"/>
           </p:cNvPicPr>
           <p:nvPr/>
         </p:nvPicPr>
@@ -7075,8 +7075,8 @@
         </p:nvSpPr>
         <p:spPr>
           <a:xfrm>
-            <a:off x="70338" y="1844677"/>
-            <a:ext cx="2380762" cy="2962273"/>
+            <a:off x="3637238" y="953616"/>
+            <a:ext cx="2941235" cy="2962273"/>
           </a:xfrm>
           <a:prstGeom prst="roundRect">
             <a:avLst/>
@@ -7137,8 +7137,8 @@
         </p:nvSpPr>
         <p:spPr>
           <a:xfrm>
-            <a:off x="1114988" y="1863194"/>
-            <a:ext cx="531223" cy="338554"/>
+            <a:off x="4916358" y="958172"/>
+            <a:ext cx="656282" cy="338554"/>
           </a:xfrm>
           <a:prstGeom prst="rect">
             <a:avLst/>
@@ -7159,12 +7159,12 @@
           </a:p>
         </p:txBody>
       </p:sp>
-      <p:sp>
-        <p:nvSpPr>
-          <p:cNvPr id="63" name="사각형: 둥근 모서리 62">
-            <a:extLst>
-              <a:ext uri="{FF2B5EF4-FFF2-40B4-BE49-F238E27FC236}">
-                <a16:creationId xmlns:a16="http://schemas.microsoft.com/office/drawing/2014/main" id="{EEA67554-BBF9-5DAF-FE3E-CB51845A4CB9}"/>
+      <p:sp useBgFill="1">
+        <p:nvSpPr>
+          <p:cNvPr id="136" name="사각형: 둥근 모서리 135">
+            <a:extLst>
+              <a:ext uri="{FF2B5EF4-FFF2-40B4-BE49-F238E27FC236}">
+                <a16:creationId xmlns:a16="http://schemas.microsoft.com/office/drawing/2014/main" id="{71AEBE02-6177-A80D-8E64-4EA84FE54F1B}"/>
               </a:ext>
             </a:extLst>
           </p:cNvPr>
@@ -7173,8 +7173,933 @@
         </p:nvSpPr>
         <p:spPr>
           <a:xfrm>
-            <a:off x="140257" y="2551180"/>
-            <a:ext cx="1089051" cy="336855"/>
+            <a:off x="5737860" y="5046784"/>
+            <a:ext cx="716280" cy="298939"/>
+          </a:xfrm>
+          <a:prstGeom prst="roundRect">
+            <a:avLst/>
+          </a:prstGeom>
+          <a:ln w="28575">
+            <a:solidFill>
+              <a:schemeClr val="tx1"/>
+            </a:solidFill>
+          </a:ln>
+        </p:spPr>
+        <p:style>
+          <a:lnRef idx="2">
+            <a:schemeClr val="accent1">
+              <a:shade val="50000"/>
+            </a:schemeClr>
+          </a:lnRef>
+          <a:fillRef idx="1">
+            <a:schemeClr val="accent1"/>
+          </a:fillRef>
+          <a:effectRef idx="0">
+            <a:schemeClr val="accent1"/>
+          </a:effectRef>
+          <a:fontRef idx="minor">
+            <a:schemeClr val="lt1"/>
+          </a:fontRef>
+        </p:style>
+        <p:txBody>
+          <a:bodyPr rtlCol="0" anchor="ctr"/>
+          <a:lstStyle/>
+          <a:p>
+            <a:pPr algn="ctr"/>
+            <a:endParaRPr lang="ko-KR" altLang="en-US"/>
+          </a:p>
+        </p:txBody>
+      </p:sp>
+      <p:sp useBgFill="1">
+        <p:nvSpPr>
+          <p:cNvPr id="137" name="사각형: 둥근 모서리 136">
+            <a:extLst>
+              <a:ext uri="{FF2B5EF4-FFF2-40B4-BE49-F238E27FC236}">
+                <a16:creationId xmlns:a16="http://schemas.microsoft.com/office/drawing/2014/main" id="{12D03429-FC86-2654-BA5B-EE0D81C4F3D2}"/>
+              </a:ext>
+            </a:extLst>
+          </p:cNvPr>
+          <p:cNvSpPr/>
+          <p:nvPr/>
+        </p:nvSpPr>
+        <p:spPr>
+          <a:xfrm>
+            <a:off x="5737860" y="5345723"/>
+            <a:ext cx="1981786" cy="369277"/>
+          </a:xfrm>
+          <a:prstGeom prst="roundRect">
+            <a:avLst/>
+          </a:prstGeom>
+          <a:ln w="28575">
+            <a:solidFill>
+              <a:schemeClr val="tx1"/>
+            </a:solidFill>
+          </a:ln>
+        </p:spPr>
+        <p:style>
+          <a:lnRef idx="2">
+            <a:schemeClr val="accent1">
+              <a:shade val="50000"/>
+            </a:schemeClr>
+          </a:lnRef>
+          <a:fillRef idx="1">
+            <a:schemeClr val="accent1"/>
+          </a:fillRef>
+          <a:effectRef idx="0">
+            <a:schemeClr val="accent1"/>
+          </a:effectRef>
+          <a:fontRef idx="minor">
+            <a:schemeClr val="lt1"/>
+          </a:fontRef>
+        </p:style>
+        <p:txBody>
+          <a:bodyPr rtlCol="0" anchor="ctr"/>
+          <a:lstStyle/>
+          <a:p>
+            <a:pPr algn="ctr"/>
+            <a:endParaRPr lang="ko-KR" altLang="en-US"/>
+          </a:p>
+        </p:txBody>
+      </p:sp>
+      <p:cxnSp>
+        <p:nvCxnSpPr>
+          <p:cNvPr id="148" name="직선 화살표 연결선 147">
+            <a:extLst>
+              <a:ext uri="{FF2B5EF4-FFF2-40B4-BE49-F238E27FC236}">
+                <a16:creationId xmlns:a16="http://schemas.microsoft.com/office/drawing/2014/main" id="{AAEB7056-3958-4AC2-D75E-E4587DA81646}"/>
+              </a:ext>
+            </a:extLst>
+          </p:cNvPr>
+          <p:cNvCxnSpPr>
+            <a:cxnSpLocks/>
+          </p:cNvCxnSpPr>
+          <p:nvPr/>
+        </p:nvCxnSpPr>
+        <p:spPr>
+          <a:xfrm flipH="1">
+            <a:off x="3406140" y="2996752"/>
+            <a:ext cx="231098" cy="0"/>
+          </a:xfrm>
+          <a:prstGeom prst="straightConnector1">
+            <a:avLst/>
+          </a:prstGeom>
+          <a:ln w="28575">
+            <a:solidFill>
+              <a:schemeClr val="tx1"/>
+            </a:solidFill>
+            <a:tailEnd type="triangle"/>
+          </a:ln>
+        </p:spPr>
+        <p:style>
+          <a:lnRef idx="1">
+            <a:schemeClr val="accent1"/>
+          </a:lnRef>
+          <a:fillRef idx="0">
+            <a:schemeClr val="accent1"/>
+          </a:fillRef>
+          <a:effectRef idx="0">
+            <a:schemeClr val="accent1"/>
+          </a:effectRef>
+          <a:fontRef idx="minor">
+            <a:schemeClr val="tx1"/>
+          </a:fontRef>
+        </p:style>
+      </p:cxnSp>
+      <p:sp>
+        <p:nvSpPr>
+          <p:cNvPr id="157" name="사각형: 둥근 모서리 156">
+            <a:extLst>
+              <a:ext uri="{FF2B5EF4-FFF2-40B4-BE49-F238E27FC236}">
+                <a16:creationId xmlns:a16="http://schemas.microsoft.com/office/drawing/2014/main" id="{0CD571EE-C8B9-EFD8-4BAF-D4716ED4656A}"/>
+              </a:ext>
+            </a:extLst>
+          </p:cNvPr>
+          <p:cNvSpPr/>
+          <p:nvPr/>
+        </p:nvSpPr>
+        <p:spPr>
+          <a:xfrm>
+            <a:off x="7125903" y="3809614"/>
+            <a:ext cx="1584960" cy="1161133"/>
+          </a:xfrm>
+          <a:prstGeom prst="roundRect">
+            <a:avLst/>
+          </a:prstGeom>
+          <a:solidFill>
+            <a:schemeClr val="bg1">
+              <a:lumMod val="85000"/>
+              <a:alpha val="63000"/>
+            </a:schemeClr>
+          </a:solidFill>
+          <a:ln w="19050">
+            <a:solidFill>
+              <a:schemeClr val="tx1"/>
+            </a:solidFill>
+            <a:prstDash val="sysDash"/>
+          </a:ln>
+        </p:spPr>
+        <p:style>
+          <a:lnRef idx="2">
+            <a:schemeClr val="accent1">
+              <a:shade val="50000"/>
+            </a:schemeClr>
+          </a:lnRef>
+          <a:fillRef idx="1">
+            <a:schemeClr val="accent1"/>
+          </a:fillRef>
+          <a:effectRef idx="0">
+            <a:schemeClr val="accent1"/>
+          </a:effectRef>
+          <a:fontRef idx="minor">
+            <a:schemeClr val="lt1"/>
+          </a:fontRef>
+        </p:style>
+        <p:txBody>
+          <a:bodyPr rtlCol="0" anchor="ctr"/>
+          <a:lstStyle/>
+          <a:p>
+            <a:pPr algn="ctr"/>
+            <a:endParaRPr lang="ko-KR" altLang="en-US" dirty="0"/>
+          </a:p>
+        </p:txBody>
+      </p:sp>
+      <p:sp>
+        <p:nvSpPr>
+          <p:cNvPr id="158" name="TextBox 157">
+            <a:extLst>
+              <a:ext uri="{FF2B5EF4-FFF2-40B4-BE49-F238E27FC236}">
+                <a16:creationId xmlns:a16="http://schemas.microsoft.com/office/drawing/2014/main" id="{D0D72763-3A69-E353-D287-05D721F125E4}"/>
+              </a:ext>
+            </a:extLst>
+          </p:cNvPr>
+          <p:cNvSpPr txBox="1"/>
+          <p:nvPr/>
+        </p:nvSpPr>
+        <p:spPr>
+          <a:xfrm>
+            <a:off x="7733031" y="3804287"/>
+            <a:ext cx="419063" cy="369204"/>
+          </a:xfrm>
+          <a:prstGeom prst="rect">
+            <a:avLst/>
+          </a:prstGeom>
+          <a:noFill/>
+        </p:spPr>
+        <p:txBody>
+          <a:bodyPr wrap="square" rtlCol="0">
+            <a:spAutoFit/>
+          </a:bodyPr>
+          <a:lstStyle/>
+          <a:p>
+            <a:r>
+              <a:rPr lang="en-US" altLang="ko-KR" b="1" dirty="0"/>
+              <a:t>J3</a:t>
+            </a:r>
+          </a:p>
+        </p:txBody>
+      </p:sp>
+      <p:sp>
+        <p:nvSpPr>
+          <p:cNvPr id="159" name="사각형: 둥근 모서리 158">
+            <a:extLst>
+              <a:ext uri="{FF2B5EF4-FFF2-40B4-BE49-F238E27FC236}">
+                <a16:creationId xmlns:a16="http://schemas.microsoft.com/office/drawing/2014/main" id="{17222C05-175C-6635-AEC8-E0CCA2CE6F16}"/>
+              </a:ext>
+            </a:extLst>
+          </p:cNvPr>
+          <p:cNvSpPr/>
+          <p:nvPr/>
+        </p:nvSpPr>
+        <p:spPr>
+          <a:xfrm>
+            <a:off x="7254400" y="4474716"/>
+            <a:ext cx="1312837" cy="336855"/>
+          </a:xfrm>
+          <a:prstGeom prst="roundRect">
+            <a:avLst/>
+          </a:prstGeom>
+          <a:solidFill>
+            <a:schemeClr val="tx1"/>
+          </a:solidFill>
+          <a:ln w="19050">
+            <a:solidFill>
+              <a:schemeClr val="tx1"/>
+            </a:solidFill>
+          </a:ln>
+        </p:spPr>
+        <p:style>
+          <a:lnRef idx="2">
+            <a:schemeClr val="accent1">
+              <a:shade val="50000"/>
+            </a:schemeClr>
+          </a:lnRef>
+          <a:fillRef idx="1">
+            <a:schemeClr val="accent1"/>
+          </a:fillRef>
+          <a:effectRef idx="0">
+            <a:schemeClr val="accent1"/>
+          </a:effectRef>
+          <a:fontRef idx="minor">
+            <a:schemeClr val="lt1"/>
+          </a:fontRef>
+        </p:style>
+        <p:txBody>
+          <a:bodyPr rtlCol="0" anchor="ctr"/>
+          <a:lstStyle/>
+          <a:p>
+            <a:pPr algn="ctr"/>
+            <a:r>
+              <a:rPr lang="en-US" altLang="ko-KR" sz="1600" b="1" dirty="0"/>
+              <a:t>GND</a:t>
+            </a:r>
+            <a:endParaRPr lang="ko-KR" altLang="en-US" sz="1600" b="1" dirty="0"/>
+          </a:p>
+        </p:txBody>
+      </p:sp>
+      <p:sp>
+        <p:nvSpPr>
+          <p:cNvPr id="162" name="사각형: 둥근 모서리 161">
+            <a:extLst>
+              <a:ext uri="{FF2B5EF4-FFF2-40B4-BE49-F238E27FC236}">
+                <a16:creationId xmlns:a16="http://schemas.microsoft.com/office/drawing/2014/main" id="{8D432BBD-72B0-73EF-EBB3-341B40E0C0CB}"/>
+              </a:ext>
+            </a:extLst>
+          </p:cNvPr>
+          <p:cNvSpPr/>
+          <p:nvPr/>
+        </p:nvSpPr>
+        <p:spPr>
+          <a:xfrm>
+            <a:off x="7261968" y="4133973"/>
+            <a:ext cx="1312837" cy="336855"/>
+          </a:xfrm>
+          <a:prstGeom prst="roundRect">
+            <a:avLst/>
+          </a:prstGeom>
+          <a:solidFill>
+            <a:srgbClr val="0070C0"/>
+          </a:solidFill>
+          <a:ln w="19050">
+            <a:solidFill>
+              <a:schemeClr val="tx1"/>
+            </a:solidFill>
+          </a:ln>
+        </p:spPr>
+        <p:style>
+          <a:lnRef idx="2">
+            <a:schemeClr val="accent1">
+              <a:shade val="50000"/>
+            </a:schemeClr>
+          </a:lnRef>
+          <a:fillRef idx="1">
+            <a:schemeClr val="accent1"/>
+          </a:fillRef>
+          <a:effectRef idx="0">
+            <a:schemeClr val="accent1"/>
+          </a:effectRef>
+          <a:fontRef idx="minor">
+            <a:schemeClr val="lt1"/>
+          </a:fontRef>
+        </p:style>
+        <p:txBody>
+          <a:bodyPr rtlCol="0" anchor="ctr"/>
+          <a:lstStyle/>
+          <a:p>
+            <a:pPr algn="ctr"/>
+            <a:r>
+              <a:rPr lang="en-US" altLang="ko-KR" sz="1400" b="1" dirty="0"/>
+              <a:t>BOOTMODE</a:t>
+            </a:r>
+            <a:endParaRPr lang="ko-KR" altLang="en-US" b="1" dirty="0"/>
+          </a:p>
+        </p:txBody>
+      </p:sp>
+      <p:sp>
+        <p:nvSpPr>
+          <p:cNvPr id="164" name="타원 163">
+            <a:extLst>
+              <a:ext uri="{FF2B5EF4-FFF2-40B4-BE49-F238E27FC236}">
+                <a16:creationId xmlns:a16="http://schemas.microsoft.com/office/drawing/2014/main" id="{F52E7FB7-219B-2694-C2E3-9AF156C4DFC6}"/>
+              </a:ext>
+            </a:extLst>
+          </p:cNvPr>
+          <p:cNvSpPr/>
+          <p:nvPr/>
+        </p:nvSpPr>
+        <p:spPr>
+          <a:xfrm>
+            <a:off x="5892189" y="5170146"/>
+            <a:ext cx="139403" cy="136480"/>
+          </a:xfrm>
+          <a:prstGeom prst="ellipse">
+            <a:avLst/>
+          </a:prstGeom>
+          <a:solidFill>
+            <a:srgbClr val="0070C0"/>
+          </a:solidFill>
+          <a:ln>
+            <a:solidFill>
+              <a:srgbClr val="0070C0"/>
+            </a:solidFill>
+          </a:ln>
+        </p:spPr>
+        <p:style>
+          <a:lnRef idx="2">
+            <a:schemeClr val="accent1">
+              <a:shade val="50000"/>
+            </a:schemeClr>
+          </a:lnRef>
+          <a:fillRef idx="1">
+            <a:schemeClr val="accent1"/>
+          </a:fillRef>
+          <a:effectRef idx="0">
+            <a:schemeClr val="accent1"/>
+          </a:effectRef>
+          <a:fontRef idx="minor">
+            <a:schemeClr val="lt1"/>
+          </a:fontRef>
+        </p:style>
+        <p:txBody>
+          <a:bodyPr rtlCol="0" anchor="ctr"/>
+          <a:lstStyle/>
+          <a:p>
+            <a:pPr algn="ctr"/>
+            <a:endParaRPr lang="ko-KR" altLang="en-US"/>
+          </a:p>
+        </p:txBody>
+      </p:sp>
+      <p:sp>
+        <p:nvSpPr>
+          <p:cNvPr id="165" name="타원 164">
+            <a:extLst>
+              <a:ext uri="{FF2B5EF4-FFF2-40B4-BE49-F238E27FC236}">
+                <a16:creationId xmlns:a16="http://schemas.microsoft.com/office/drawing/2014/main" id="{EED810D7-C99C-EB36-98E8-5FF864C7E5F4}"/>
+              </a:ext>
+            </a:extLst>
+          </p:cNvPr>
+          <p:cNvSpPr/>
+          <p:nvPr/>
+        </p:nvSpPr>
+        <p:spPr>
+          <a:xfrm>
+            <a:off x="6196343" y="5170146"/>
+            <a:ext cx="139403" cy="136480"/>
+          </a:xfrm>
+          <a:prstGeom prst="ellipse">
+            <a:avLst/>
+          </a:prstGeom>
+          <a:solidFill>
+            <a:schemeClr val="tx1"/>
+          </a:solidFill>
+          <a:ln>
+            <a:solidFill>
+              <a:schemeClr val="tx1"/>
+            </a:solidFill>
+          </a:ln>
+        </p:spPr>
+        <p:style>
+          <a:lnRef idx="2">
+            <a:schemeClr val="accent1">
+              <a:shade val="50000"/>
+            </a:schemeClr>
+          </a:lnRef>
+          <a:fillRef idx="1">
+            <a:schemeClr val="accent1"/>
+          </a:fillRef>
+          <a:effectRef idx="0">
+            <a:schemeClr val="accent1"/>
+          </a:effectRef>
+          <a:fontRef idx="minor">
+            <a:schemeClr val="lt1"/>
+          </a:fontRef>
+        </p:style>
+        <p:txBody>
+          <a:bodyPr rtlCol="0" anchor="ctr"/>
+          <a:lstStyle/>
+          <a:p>
+            <a:pPr algn="ctr"/>
+            <a:endParaRPr lang="ko-KR" altLang="en-US"/>
+          </a:p>
+        </p:txBody>
+      </p:sp>
+      <p:sp>
+        <p:nvSpPr>
+          <p:cNvPr id="172" name="타원 171">
+            <a:extLst>
+              <a:ext uri="{FF2B5EF4-FFF2-40B4-BE49-F238E27FC236}">
+                <a16:creationId xmlns:a16="http://schemas.microsoft.com/office/drawing/2014/main" id="{F3ADFFB8-4127-E664-D2FA-8C8A29863EF5}"/>
+              </a:ext>
+            </a:extLst>
+          </p:cNvPr>
+          <p:cNvSpPr/>
+          <p:nvPr/>
+        </p:nvSpPr>
+        <p:spPr>
+          <a:xfrm>
+            <a:off x="5892189" y="5484146"/>
+            <a:ext cx="139403" cy="136480"/>
+          </a:xfrm>
+          <a:prstGeom prst="ellipse">
+            <a:avLst/>
+          </a:prstGeom>
+          <a:solidFill>
+            <a:srgbClr val="FF0000"/>
+          </a:solidFill>
+          <a:ln>
+            <a:noFill/>
+          </a:ln>
+        </p:spPr>
+        <p:style>
+          <a:lnRef idx="2">
+            <a:schemeClr val="accent1">
+              <a:shade val="50000"/>
+            </a:schemeClr>
+          </a:lnRef>
+          <a:fillRef idx="1">
+            <a:schemeClr val="accent1"/>
+          </a:fillRef>
+          <a:effectRef idx="0">
+            <a:schemeClr val="accent1"/>
+          </a:effectRef>
+          <a:fontRef idx="minor">
+            <a:schemeClr val="lt1"/>
+          </a:fontRef>
+        </p:style>
+        <p:txBody>
+          <a:bodyPr rtlCol="0" anchor="ctr"/>
+          <a:lstStyle/>
+          <a:p>
+            <a:pPr algn="ctr"/>
+            <a:endParaRPr lang="ko-KR" altLang="en-US"/>
+          </a:p>
+        </p:txBody>
+      </p:sp>
+      <p:sp>
+        <p:nvSpPr>
+          <p:cNvPr id="173" name="타원 172">
+            <a:extLst>
+              <a:ext uri="{FF2B5EF4-FFF2-40B4-BE49-F238E27FC236}">
+                <a16:creationId xmlns:a16="http://schemas.microsoft.com/office/drawing/2014/main" id="{98FCB7F2-026F-5573-804B-165414B8757B}"/>
+              </a:ext>
+            </a:extLst>
+          </p:cNvPr>
+          <p:cNvSpPr/>
+          <p:nvPr/>
+        </p:nvSpPr>
+        <p:spPr>
+          <a:xfrm>
+            <a:off x="6196343" y="5484146"/>
+            <a:ext cx="139403" cy="136480"/>
+          </a:xfrm>
+          <a:prstGeom prst="ellipse">
+            <a:avLst/>
+          </a:prstGeom>
+          <a:solidFill>
+            <a:srgbClr val="7030A0"/>
+          </a:solidFill>
+          <a:ln>
+            <a:noFill/>
+          </a:ln>
+        </p:spPr>
+        <p:style>
+          <a:lnRef idx="2">
+            <a:schemeClr val="accent1">
+              <a:shade val="50000"/>
+            </a:schemeClr>
+          </a:lnRef>
+          <a:fillRef idx="1">
+            <a:schemeClr val="accent1"/>
+          </a:fillRef>
+          <a:effectRef idx="0">
+            <a:schemeClr val="accent1"/>
+          </a:effectRef>
+          <a:fontRef idx="minor">
+            <a:schemeClr val="lt1"/>
+          </a:fontRef>
+        </p:style>
+        <p:txBody>
+          <a:bodyPr rtlCol="0" anchor="ctr"/>
+          <a:lstStyle/>
+          <a:p>
+            <a:pPr algn="ctr"/>
+            <a:endParaRPr lang="ko-KR" altLang="en-US"/>
+          </a:p>
+        </p:txBody>
+      </p:sp>
+      <p:sp>
+        <p:nvSpPr>
+          <p:cNvPr id="174" name="타원 173">
+            <a:extLst>
+              <a:ext uri="{FF2B5EF4-FFF2-40B4-BE49-F238E27FC236}">
+                <a16:creationId xmlns:a16="http://schemas.microsoft.com/office/drawing/2014/main" id="{9EE5588E-2B8C-3E3E-C758-3CF5A6CA3B9A}"/>
+              </a:ext>
+            </a:extLst>
+          </p:cNvPr>
+          <p:cNvSpPr/>
+          <p:nvPr/>
+        </p:nvSpPr>
+        <p:spPr>
+          <a:xfrm>
+            <a:off x="6501763" y="5484146"/>
+            <a:ext cx="139403" cy="136480"/>
+          </a:xfrm>
+          <a:prstGeom prst="ellipse">
+            <a:avLst/>
+          </a:prstGeom>
+          <a:solidFill>
+            <a:srgbClr val="7030A0"/>
+          </a:solidFill>
+          <a:ln>
+            <a:noFill/>
+          </a:ln>
+        </p:spPr>
+        <p:style>
+          <a:lnRef idx="2">
+            <a:schemeClr val="accent1">
+              <a:shade val="50000"/>
+            </a:schemeClr>
+          </a:lnRef>
+          <a:fillRef idx="1">
+            <a:schemeClr val="accent1"/>
+          </a:fillRef>
+          <a:effectRef idx="0">
+            <a:schemeClr val="accent1"/>
+          </a:effectRef>
+          <a:fontRef idx="minor">
+            <a:schemeClr val="lt1"/>
+          </a:fontRef>
+        </p:style>
+        <p:txBody>
+          <a:bodyPr rtlCol="0" anchor="ctr"/>
+          <a:lstStyle/>
+          <a:p>
+            <a:pPr algn="ctr"/>
+            <a:endParaRPr lang="ko-KR" altLang="en-US"/>
+          </a:p>
+        </p:txBody>
+      </p:sp>
+      <p:sp>
+        <p:nvSpPr>
+          <p:cNvPr id="175" name="타원 174">
+            <a:extLst>
+              <a:ext uri="{FF2B5EF4-FFF2-40B4-BE49-F238E27FC236}">
+                <a16:creationId xmlns:a16="http://schemas.microsoft.com/office/drawing/2014/main" id="{12108E43-6A75-D6A2-0B58-88F12CDBEF52}"/>
+              </a:ext>
+            </a:extLst>
+          </p:cNvPr>
+          <p:cNvSpPr/>
+          <p:nvPr/>
+        </p:nvSpPr>
+        <p:spPr>
+          <a:xfrm>
+            <a:off x="6805917" y="5484146"/>
+            <a:ext cx="139403" cy="136480"/>
+          </a:xfrm>
+          <a:prstGeom prst="ellipse">
+            <a:avLst/>
+          </a:prstGeom>
+          <a:solidFill>
+            <a:srgbClr val="7030A0"/>
+          </a:solidFill>
+          <a:ln>
+            <a:noFill/>
+          </a:ln>
+        </p:spPr>
+        <p:style>
+          <a:lnRef idx="2">
+            <a:schemeClr val="accent1">
+              <a:shade val="50000"/>
+            </a:schemeClr>
+          </a:lnRef>
+          <a:fillRef idx="1">
+            <a:schemeClr val="accent1"/>
+          </a:fillRef>
+          <a:effectRef idx="0">
+            <a:schemeClr val="accent1"/>
+          </a:effectRef>
+          <a:fontRef idx="minor">
+            <a:schemeClr val="lt1"/>
+          </a:fontRef>
+        </p:style>
+        <p:txBody>
+          <a:bodyPr rtlCol="0" anchor="ctr"/>
+          <a:lstStyle/>
+          <a:p>
+            <a:pPr algn="ctr"/>
+            <a:endParaRPr lang="ko-KR" altLang="en-US"/>
+          </a:p>
+        </p:txBody>
+      </p:sp>
+      <p:sp>
+        <p:nvSpPr>
+          <p:cNvPr id="176" name="타원 175">
+            <a:extLst>
+              <a:ext uri="{FF2B5EF4-FFF2-40B4-BE49-F238E27FC236}">
+                <a16:creationId xmlns:a16="http://schemas.microsoft.com/office/drawing/2014/main" id="{975DFC9B-2AF2-0D85-9631-88C25DF0387A}"/>
+              </a:ext>
+            </a:extLst>
+          </p:cNvPr>
+          <p:cNvSpPr/>
+          <p:nvPr/>
+        </p:nvSpPr>
+        <p:spPr>
+          <a:xfrm>
+            <a:off x="7099649" y="5484146"/>
+            <a:ext cx="139403" cy="136480"/>
+          </a:xfrm>
+          <a:prstGeom prst="ellipse">
+            <a:avLst/>
+          </a:prstGeom>
+          <a:solidFill>
+            <a:srgbClr val="7030A0"/>
+          </a:solidFill>
+          <a:ln>
+            <a:noFill/>
+          </a:ln>
+        </p:spPr>
+        <p:style>
+          <a:lnRef idx="2">
+            <a:schemeClr val="accent1">
+              <a:shade val="50000"/>
+            </a:schemeClr>
+          </a:lnRef>
+          <a:fillRef idx="1">
+            <a:schemeClr val="accent1"/>
+          </a:fillRef>
+          <a:effectRef idx="0">
+            <a:schemeClr val="accent1"/>
+          </a:effectRef>
+          <a:fontRef idx="minor">
+            <a:schemeClr val="lt1"/>
+          </a:fontRef>
+        </p:style>
+        <p:txBody>
+          <a:bodyPr rtlCol="0" anchor="ctr"/>
+          <a:lstStyle/>
+          <a:p>
+            <a:pPr algn="ctr"/>
+            <a:endParaRPr lang="ko-KR" altLang="en-US"/>
+          </a:p>
+        </p:txBody>
+      </p:sp>
+      <p:sp>
+        <p:nvSpPr>
+          <p:cNvPr id="177" name="타원 176">
+            <a:extLst>
+              <a:ext uri="{FF2B5EF4-FFF2-40B4-BE49-F238E27FC236}">
+                <a16:creationId xmlns:a16="http://schemas.microsoft.com/office/drawing/2014/main" id="{2BD102BB-5EB5-8D35-6D14-D79ECECC5D36}"/>
+              </a:ext>
+            </a:extLst>
+          </p:cNvPr>
+          <p:cNvSpPr/>
+          <p:nvPr/>
+        </p:nvSpPr>
+        <p:spPr>
+          <a:xfrm>
+            <a:off x="7403803" y="5484146"/>
+            <a:ext cx="139403" cy="136480"/>
+          </a:xfrm>
+          <a:prstGeom prst="ellipse">
+            <a:avLst/>
+          </a:prstGeom>
+          <a:solidFill>
+            <a:schemeClr val="tx1"/>
+          </a:solidFill>
+          <a:ln>
+            <a:noFill/>
+          </a:ln>
+        </p:spPr>
+        <p:style>
+          <a:lnRef idx="2">
+            <a:schemeClr val="accent1">
+              <a:shade val="50000"/>
+            </a:schemeClr>
+          </a:lnRef>
+          <a:fillRef idx="1">
+            <a:schemeClr val="accent1"/>
+          </a:fillRef>
+          <a:effectRef idx="0">
+            <a:schemeClr val="accent1"/>
+          </a:effectRef>
+          <a:fontRef idx="minor">
+            <a:schemeClr val="lt1"/>
+          </a:fontRef>
+        </p:style>
+        <p:txBody>
+          <a:bodyPr rtlCol="0" anchor="ctr"/>
+          <a:lstStyle/>
+          <a:p>
+            <a:pPr algn="ctr"/>
+            <a:endParaRPr lang="ko-KR" altLang="en-US"/>
+          </a:p>
+        </p:txBody>
+      </p:sp>
+      <p:cxnSp>
+        <p:nvCxnSpPr>
+          <p:cNvPr id="178" name="연결선: 꺾임 177">
+            <a:extLst>
+              <a:ext uri="{FF2B5EF4-FFF2-40B4-BE49-F238E27FC236}">
+                <a16:creationId xmlns:a16="http://schemas.microsoft.com/office/drawing/2014/main" id="{5E0C0CED-6C45-AA4E-A2BA-5FBFF3839BBD}"/>
+              </a:ext>
+            </a:extLst>
+          </p:cNvPr>
+          <p:cNvCxnSpPr>
+            <a:cxnSpLocks/>
+            <a:stCxn id="159" idx="1"/>
+            <a:endCxn id="165" idx="6"/>
+          </p:cNvCxnSpPr>
+          <p:nvPr/>
+        </p:nvCxnSpPr>
+        <p:spPr>
+          <a:xfrm rot="10800000" flipV="1">
+            <a:off x="6335746" y="4643144"/>
+            <a:ext cx="918654" cy="595242"/>
+          </a:xfrm>
+          <a:prstGeom prst="bentConnector3">
+            <a:avLst>
+              <a:gd name="adj1" fmla="val 107026"/>
+            </a:avLst>
+          </a:prstGeom>
+          <a:ln w="28575">
+            <a:solidFill>
+              <a:schemeClr val="tx1"/>
+            </a:solidFill>
+          </a:ln>
+        </p:spPr>
+        <p:style>
+          <a:lnRef idx="1">
+            <a:schemeClr val="accent1"/>
+          </a:lnRef>
+          <a:fillRef idx="0">
+            <a:schemeClr val="accent1"/>
+          </a:fillRef>
+          <a:effectRef idx="0">
+            <a:schemeClr val="accent1"/>
+          </a:effectRef>
+          <a:fontRef idx="minor">
+            <a:schemeClr val="tx1"/>
+          </a:fontRef>
+        </p:style>
+      </p:cxnSp>
+      <p:cxnSp>
+        <p:nvCxnSpPr>
+          <p:cNvPr id="179" name="연결선: 꺾임 178">
+            <a:extLst>
+              <a:ext uri="{FF2B5EF4-FFF2-40B4-BE49-F238E27FC236}">
+                <a16:creationId xmlns:a16="http://schemas.microsoft.com/office/drawing/2014/main" id="{DD32669A-9DDF-875C-B0D7-563E0E4FF52E}"/>
+              </a:ext>
+            </a:extLst>
+          </p:cNvPr>
+          <p:cNvCxnSpPr>
+            <a:cxnSpLocks/>
+            <a:stCxn id="162" idx="1"/>
+            <a:endCxn id="164" idx="0"/>
+          </p:cNvCxnSpPr>
+          <p:nvPr/>
+        </p:nvCxnSpPr>
+        <p:spPr>
+          <a:xfrm rot="10800000" flipV="1">
+            <a:off x="5961892" y="4302400"/>
+            <a:ext cx="1300077" cy="867745"/>
+          </a:xfrm>
+          <a:prstGeom prst="bentConnector2">
+            <a:avLst/>
+          </a:prstGeom>
+          <a:ln w="28575">
+            <a:solidFill>
+              <a:srgbClr val="0070C0"/>
+            </a:solidFill>
+          </a:ln>
+        </p:spPr>
+        <p:style>
+          <a:lnRef idx="1">
+            <a:schemeClr val="accent1"/>
+          </a:lnRef>
+          <a:fillRef idx="0">
+            <a:schemeClr val="accent1"/>
+          </a:fillRef>
+          <a:effectRef idx="0">
+            <a:schemeClr val="accent1"/>
+          </a:effectRef>
+          <a:fontRef idx="minor">
+            <a:schemeClr val="tx1"/>
+          </a:fontRef>
+        </p:style>
+      </p:cxnSp>
+      <p:sp>
+        <p:nvSpPr>
+          <p:cNvPr id="180" name="사각형: 둥근 모서리 179">
+            <a:extLst>
+              <a:ext uri="{FF2B5EF4-FFF2-40B4-BE49-F238E27FC236}">
+                <a16:creationId xmlns:a16="http://schemas.microsoft.com/office/drawing/2014/main" id="{002E8CF4-FE10-A27C-048F-5C03C4574DAA}"/>
+              </a:ext>
+            </a:extLst>
+          </p:cNvPr>
+          <p:cNvSpPr/>
+          <p:nvPr/>
+        </p:nvSpPr>
+        <p:spPr>
+          <a:xfrm>
+            <a:off x="3637239" y="4172821"/>
+            <a:ext cx="1575570" cy="2513567"/>
+          </a:xfrm>
+          <a:prstGeom prst="roundRect">
+            <a:avLst/>
+          </a:prstGeom>
+          <a:solidFill>
+            <a:schemeClr val="bg1">
+              <a:lumMod val="85000"/>
+              <a:alpha val="63000"/>
+            </a:schemeClr>
+          </a:solidFill>
+          <a:ln w="19050">
+            <a:solidFill>
+              <a:schemeClr val="tx1"/>
+            </a:solidFill>
+            <a:prstDash val="sysDash"/>
+          </a:ln>
+        </p:spPr>
+        <p:style>
+          <a:lnRef idx="2">
+            <a:schemeClr val="accent1">
+              <a:shade val="50000"/>
+            </a:schemeClr>
+          </a:lnRef>
+          <a:fillRef idx="1">
+            <a:schemeClr val="accent1"/>
+          </a:fillRef>
+          <a:effectRef idx="0">
+            <a:schemeClr val="accent1"/>
+          </a:effectRef>
+          <a:fontRef idx="minor">
+            <a:schemeClr val="lt1"/>
+          </a:fontRef>
+        </p:style>
+        <p:txBody>
+          <a:bodyPr rtlCol="0" anchor="ctr"/>
+          <a:lstStyle/>
+          <a:p>
+            <a:pPr algn="ctr"/>
+            <a:endParaRPr lang="ko-KR" altLang="en-US" dirty="0"/>
+          </a:p>
+        </p:txBody>
+      </p:sp>
+      <p:sp>
+        <p:nvSpPr>
+          <p:cNvPr id="187" name="사각형: 둥근 모서리 186">
+            <a:extLst>
+              <a:ext uri="{FF2B5EF4-FFF2-40B4-BE49-F238E27FC236}">
+                <a16:creationId xmlns:a16="http://schemas.microsoft.com/office/drawing/2014/main" id="{20C809F0-F79C-319B-D7C8-918032F1A77F}"/>
+              </a:ext>
+            </a:extLst>
+          </p:cNvPr>
+          <p:cNvSpPr/>
+          <p:nvPr/>
+        </p:nvSpPr>
+        <p:spPr>
+          <a:xfrm>
+            <a:off x="3767043" y="4876116"/>
+            <a:ext cx="1312837" cy="336855"/>
           </a:xfrm>
           <a:prstGeom prst="roundRect">
             <a:avLst/>
@@ -7210,19 +8135,19 @@
           <a:p>
             <a:pPr algn="ctr"/>
             <a:r>
-              <a:rPr lang="en-US" altLang="ko-KR" sz="1200" b="1" dirty="0"/>
-              <a:t>UART1_RX</a:t>
-            </a:r>
-            <a:endParaRPr lang="ko-KR" altLang="en-US" sz="1200" b="1" dirty="0"/>
-          </a:p>
-        </p:txBody>
-      </p:sp>
-      <p:sp>
-        <p:nvSpPr>
-          <p:cNvPr id="64" name="사각형: 둥근 모서리 63">
-            <a:extLst>
-              <a:ext uri="{FF2B5EF4-FFF2-40B4-BE49-F238E27FC236}">
-                <a16:creationId xmlns:a16="http://schemas.microsoft.com/office/drawing/2014/main" id="{4F7A2D78-EB11-EF5D-BB26-D1755C52C517}"/>
+              <a:rPr lang="en-US" altLang="ko-KR" sz="1600" b="1" dirty="0"/>
+              <a:t>UART0 TX</a:t>
+            </a:r>
+            <a:endParaRPr lang="ko-KR" altLang="en-US" sz="1600" b="1" dirty="0"/>
+          </a:p>
+        </p:txBody>
+      </p:sp>
+      <p:sp>
+        <p:nvSpPr>
+          <p:cNvPr id="188" name="사각형: 둥근 모서리 187">
+            <a:extLst>
+              <a:ext uri="{FF2B5EF4-FFF2-40B4-BE49-F238E27FC236}">
+                <a16:creationId xmlns:a16="http://schemas.microsoft.com/office/drawing/2014/main" id="{86398DAA-E5A9-C116-EBB5-3A4F79995818}"/>
               </a:ext>
             </a:extLst>
           </p:cNvPr>
@@ -7231,8 +8156,8 @@
         </p:nvSpPr>
         <p:spPr>
           <a:xfrm>
-            <a:off x="134385" y="2888034"/>
-            <a:ext cx="1100794" cy="336855"/>
+            <a:off x="3767043" y="5218558"/>
+            <a:ext cx="1312837" cy="336855"/>
           </a:xfrm>
           <a:prstGeom prst="roundRect">
             <a:avLst/>
@@ -7267,20 +8192,16 @@
           <a:lstStyle/>
           <a:p>
             <a:pPr algn="ctr"/>
-            <a:r>
-              <a:rPr lang="en-US" altLang="ko-KR" sz="1200" b="1" dirty="0"/>
-              <a:t>UART1_CTS</a:t>
-            </a:r>
-            <a:endParaRPr lang="ko-KR" altLang="en-US" sz="1200" b="1" dirty="0"/>
-          </a:p>
-        </p:txBody>
-      </p:sp>
-      <p:sp>
-        <p:nvSpPr>
-          <p:cNvPr id="65" name="사각형: 둥근 모서리 64">
-            <a:extLst>
-              <a:ext uri="{FF2B5EF4-FFF2-40B4-BE49-F238E27FC236}">
-                <a16:creationId xmlns:a16="http://schemas.microsoft.com/office/drawing/2014/main" id="{5ABA5878-98B8-F754-6A4E-C68BDA9FB5D6}"/>
+            <a:endParaRPr lang="ko-KR" altLang="en-US"/>
+          </a:p>
+        </p:txBody>
+      </p:sp>
+      <p:sp>
+        <p:nvSpPr>
+          <p:cNvPr id="189" name="사각형: 둥근 모서리 188">
+            <a:extLst>
+              <a:ext uri="{FF2B5EF4-FFF2-40B4-BE49-F238E27FC236}">
+                <a16:creationId xmlns:a16="http://schemas.microsoft.com/office/drawing/2014/main" id="{D4780102-0195-1BEB-B69A-2DF61B63A17C}"/>
               </a:ext>
             </a:extLst>
           </p:cNvPr>
@@ -7289,8 +8210,997 @@
         </p:nvSpPr>
         <p:spPr>
           <a:xfrm>
-            <a:off x="140026" y="2209388"/>
-            <a:ext cx="1089512" cy="336855"/>
+            <a:off x="3767043" y="5555414"/>
+            <a:ext cx="1312837" cy="336855"/>
+          </a:xfrm>
+          <a:prstGeom prst="roundRect">
+            <a:avLst/>
+          </a:prstGeom>
+          <a:solidFill>
+            <a:srgbClr val="7030A0"/>
+          </a:solidFill>
+          <a:ln w="19050">
+            <a:solidFill>
+              <a:schemeClr val="tx1"/>
+            </a:solidFill>
+          </a:ln>
+        </p:spPr>
+        <p:style>
+          <a:lnRef idx="2">
+            <a:schemeClr val="accent1">
+              <a:shade val="50000"/>
+            </a:schemeClr>
+          </a:lnRef>
+          <a:fillRef idx="1">
+            <a:schemeClr val="accent1"/>
+          </a:fillRef>
+          <a:effectRef idx="0">
+            <a:schemeClr val="accent1"/>
+          </a:effectRef>
+          <a:fontRef idx="minor">
+            <a:schemeClr val="lt1"/>
+          </a:fontRef>
+        </p:style>
+        <p:txBody>
+          <a:bodyPr rtlCol="0" anchor="ctr"/>
+          <a:lstStyle/>
+          <a:p>
+            <a:pPr algn="ctr"/>
+            <a:endParaRPr lang="ko-KR" altLang="en-US"/>
+          </a:p>
+        </p:txBody>
+      </p:sp>
+      <p:sp>
+        <p:nvSpPr>
+          <p:cNvPr id="190" name="사각형: 둥근 모서리 189">
+            <a:extLst>
+              <a:ext uri="{FF2B5EF4-FFF2-40B4-BE49-F238E27FC236}">
+                <a16:creationId xmlns:a16="http://schemas.microsoft.com/office/drawing/2014/main" id="{DE7350F2-C592-F32C-E2A1-C8271AA97067}"/>
+              </a:ext>
+            </a:extLst>
+          </p:cNvPr>
+          <p:cNvSpPr/>
+          <p:nvPr/>
+        </p:nvSpPr>
+        <p:spPr>
+          <a:xfrm>
+            <a:off x="3767043" y="5892269"/>
+            <a:ext cx="1312837" cy="336855"/>
+          </a:xfrm>
+          <a:prstGeom prst="roundRect">
+            <a:avLst/>
+          </a:prstGeom>
+          <a:solidFill>
+            <a:srgbClr val="7030A0"/>
+          </a:solidFill>
+          <a:ln w="19050">
+            <a:solidFill>
+              <a:schemeClr val="tx1"/>
+            </a:solidFill>
+          </a:ln>
+        </p:spPr>
+        <p:style>
+          <a:lnRef idx="2">
+            <a:schemeClr val="accent1">
+              <a:shade val="50000"/>
+            </a:schemeClr>
+          </a:lnRef>
+          <a:fillRef idx="1">
+            <a:schemeClr val="accent1"/>
+          </a:fillRef>
+          <a:effectRef idx="0">
+            <a:schemeClr val="accent1"/>
+          </a:effectRef>
+          <a:fontRef idx="minor">
+            <a:schemeClr val="lt1"/>
+          </a:fontRef>
+        </p:style>
+        <p:txBody>
+          <a:bodyPr rtlCol="0" anchor="ctr"/>
+          <a:lstStyle/>
+          <a:p>
+            <a:pPr algn="ctr"/>
+            <a:endParaRPr lang="ko-KR" altLang="en-US"/>
+          </a:p>
+        </p:txBody>
+      </p:sp>
+      <p:sp>
+        <p:nvSpPr>
+          <p:cNvPr id="191" name="사각형: 둥근 모서리 190">
+            <a:extLst>
+              <a:ext uri="{FF2B5EF4-FFF2-40B4-BE49-F238E27FC236}">
+                <a16:creationId xmlns:a16="http://schemas.microsoft.com/office/drawing/2014/main" id="{FDA7F3C1-1923-C993-7678-7ECBF12F174C}"/>
+              </a:ext>
+            </a:extLst>
+          </p:cNvPr>
+          <p:cNvSpPr/>
+          <p:nvPr/>
+        </p:nvSpPr>
+        <p:spPr>
+          <a:xfrm>
+            <a:off x="3767043" y="4534414"/>
+            <a:ext cx="1312837" cy="336855"/>
+          </a:xfrm>
+          <a:prstGeom prst="roundRect">
+            <a:avLst/>
+          </a:prstGeom>
+          <a:solidFill>
+            <a:srgbClr val="FF0000"/>
+          </a:solidFill>
+          <a:ln w="19050">
+            <a:solidFill>
+              <a:schemeClr val="tx1"/>
+            </a:solidFill>
+          </a:ln>
+        </p:spPr>
+        <p:style>
+          <a:lnRef idx="2">
+            <a:schemeClr val="accent1">
+              <a:shade val="50000"/>
+            </a:schemeClr>
+          </a:lnRef>
+          <a:fillRef idx="1">
+            <a:schemeClr val="accent1"/>
+          </a:fillRef>
+          <a:effectRef idx="0">
+            <a:schemeClr val="accent1"/>
+          </a:effectRef>
+          <a:fontRef idx="minor">
+            <a:schemeClr val="lt1"/>
+          </a:fontRef>
+        </p:style>
+        <p:txBody>
+          <a:bodyPr rtlCol="0" anchor="ctr"/>
+          <a:lstStyle/>
+          <a:p>
+            <a:pPr algn="ctr"/>
+            <a:r>
+              <a:rPr lang="en-US" altLang="ko-KR" sz="1600" b="1" dirty="0"/>
+              <a:t>3V3</a:t>
+            </a:r>
+            <a:endParaRPr lang="ko-KR" altLang="en-US" sz="1600" b="1" dirty="0"/>
+          </a:p>
+        </p:txBody>
+      </p:sp>
+      <p:sp>
+        <p:nvSpPr>
+          <p:cNvPr id="192" name="TextBox 191">
+            <a:extLst>
+              <a:ext uri="{FF2B5EF4-FFF2-40B4-BE49-F238E27FC236}">
+                <a16:creationId xmlns:a16="http://schemas.microsoft.com/office/drawing/2014/main" id="{BC5E0632-7E36-C366-43BC-BAD458DD5AB1}"/>
+              </a:ext>
+            </a:extLst>
+          </p:cNvPr>
+          <p:cNvSpPr txBox="1"/>
+          <p:nvPr/>
+        </p:nvSpPr>
+        <p:spPr>
+          <a:xfrm>
+            <a:off x="3837165" y="5227594"/>
+            <a:ext cx="1185261" cy="338554"/>
+          </a:xfrm>
+          <a:prstGeom prst="rect">
+            <a:avLst/>
+          </a:prstGeom>
+          <a:noFill/>
+        </p:spPr>
+        <p:txBody>
+          <a:bodyPr wrap="none" rtlCol="0">
+            <a:spAutoFit/>
+          </a:bodyPr>
+          <a:lstStyle/>
+          <a:p>
+            <a:r>
+              <a:rPr lang="en-US" altLang="ko-KR" sz="1600" b="1" dirty="0">
+                <a:solidFill>
+                  <a:srgbClr val="FFFFFF"/>
+                </a:solidFill>
+              </a:rPr>
+              <a:t>UART0 RX</a:t>
+            </a:r>
+            <a:endParaRPr lang="ko-KR" altLang="en-US" sz="1600" b="1" dirty="0">
+              <a:solidFill>
+                <a:srgbClr val="FFFFFF"/>
+              </a:solidFill>
+            </a:endParaRPr>
+          </a:p>
+        </p:txBody>
+      </p:sp>
+      <p:sp>
+        <p:nvSpPr>
+          <p:cNvPr id="193" name="TextBox 192">
+            <a:extLst>
+              <a:ext uri="{FF2B5EF4-FFF2-40B4-BE49-F238E27FC236}">
+                <a16:creationId xmlns:a16="http://schemas.microsoft.com/office/drawing/2014/main" id="{1DC44E68-2190-3702-0496-6AE6071A1440}"/>
+              </a:ext>
+            </a:extLst>
+          </p:cNvPr>
+          <p:cNvSpPr txBox="1"/>
+          <p:nvPr/>
+        </p:nvSpPr>
+        <p:spPr>
+          <a:xfrm>
+            <a:off x="4227641" y="4148273"/>
+            <a:ext cx="419063" cy="369204"/>
+          </a:xfrm>
+          <a:prstGeom prst="rect">
+            <a:avLst/>
+          </a:prstGeom>
+          <a:noFill/>
+        </p:spPr>
+        <p:txBody>
+          <a:bodyPr wrap="square" rtlCol="0">
+            <a:spAutoFit/>
+          </a:bodyPr>
+          <a:lstStyle/>
+          <a:p>
+            <a:r>
+              <a:rPr lang="en-US" altLang="ko-KR" b="1" dirty="0"/>
+              <a:t>J1</a:t>
+            </a:r>
+          </a:p>
+        </p:txBody>
+      </p:sp>
+      <p:sp>
+        <p:nvSpPr>
+          <p:cNvPr id="194" name="사각형: 둥근 모서리 193">
+            <a:extLst>
+              <a:ext uri="{FF2B5EF4-FFF2-40B4-BE49-F238E27FC236}">
+                <a16:creationId xmlns:a16="http://schemas.microsoft.com/office/drawing/2014/main" id="{B1ED7252-5D13-D37B-899C-E6C6D29E69C8}"/>
+              </a:ext>
+            </a:extLst>
+          </p:cNvPr>
+          <p:cNvSpPr/>
+          <p:nvPr/>
+        </p:nvSpPr>
+        <p:spPr>
+          <a:xfrm>
+            <a:off x="3763071" y="6226539"/>
+            <a:ext cx="1312837" cy="336855"/>
+          </a:xfrm>
+          <a:prstGeom prst="roundRect">
+            <a:avLst/>
+          </a:prstGeom>
+          <a:solidFill>
+            <a:srgbClr val="000000"/>
+          </a:solidFill>
+          <a:ln w="19050">
+            <a:solidFill>
+              <a:schemeClr val="tx1"/>
+            </a:solidFill>
+          </a:ln>
+        </p:spPr>
+        <p:style>
+          <a:lnRef idx="2">
+            <a:schemeClr val="accent1">
+              <a:shade val="50000"/>
+            </a:schemeClr>
+          </a:lnRef>
+          <a:fillRef idx="1">
+            <a:schemeClr val="accent1"/>
+          </a:fillRef>
+          <a:effectRef idx="0">
+            <a:schemeClr val="accent1"/>
+          </a:effectRef>
+          <a:fontRef idx="minor">
+            <a:schemeClr val="lt1"/>
+          </a:fontRef>
+        </p:style>
+        <p:txBody>
+          <a:bodyPr rtlCol="0" anchor="ctr"/>
+          <a:lstStyle/>
+          <a:p>
+            <a:pPr algn="ctr"/>
+            <a:endParaRPr lang="ko-KR" altLang="en-US"/>
+          </a:p>
+        </p:txBody>
+      </p:sp>
+      <p:sp>
+        <p:nvSpPr>
+          <p:cNvPr id="195" name="TextBox 194">
+            <a:extLst>
+              <a:ext uri="{FF2B5EF4-FFF2-40B4-BE49-F238E27FC236}">
+                <a16:creationId xmlns:a16="http://schemas.microsoft.com/office/drawing/2014/main" id="{790685FA-FA42-B0E2-A474-C1D073940E3A}"/>
+              </a:ext>
+            </a:extLst>
+          </p:cNvPr>
+          <p:cNvSpPr txBox="1"/>
+          <p:nvPr/>
+        </p:nvSpPr>
+        <p:spPr>
+          <a:xfrm>
+            <a:off x="4120418" y="6239539"/>
+            <a:ext cx="647934" cy="338554"/>
+          </a:xfrm>
+          <a:prstGeom prst="rect">
+            <a:avLst/>
+          </a:prstGeom>
+          <a:noFill/>
+        </p:spPr>
+        <p:txBody>
+          <a:bodyPr wrap="none" rtlCol="0">
+            <a:spAutoFit/>
+          </a:bodyPr>
+          <a:lstStyle/>
+          <a:p>
+            <a:r>
+              <a:rPr lang="en-US" altLang="ko-KR" sz="1600" b="1" dirty="0">
+                <a:solidFill>
+                  <a:srgbClr val="FFFFFF"/>
+                </a:solidFill>
+              </a:rPr>
+              <a:t>GND</a:t>
+            </a:r>
+            <a:endParaRPr lang="ko-KR" altLang="en-US" sz="1600" b="1" dirty="0">
+              <a:solidFill>
+                <a:srgbClr val="FFFFFF"/>
+              </a:solidFill>
+            </a:endParaRPr>
+          </a:p>
+        </p:txBody>
+      </p:sp>
+      <p:sp>
+        <p:nvSpPr>
+          <p:cNvPr id="196" name="TextBox 195">
+            <a:extLst>
+              <a:ext uri="{FF2B5EF4-FFF2-40B4-BE49-F238E27FC236}">
+                <a16:creationId xmlns:a16="http://schemas.microsoft.com/office/drawing/2014/main" id="{A7E99E02-AB6D-8257-11DA-60DAD1BD5960}"/>
+              </a:ext>
+            </a:extLst>
+          </p:cNvPr>
+          <p:cNvSpPr txBox="1"/>
+          <p:nvPr/>
+        </p:nvSpPr>
+        <p:spPr>
+          <a:xfrm>
+            <a:off x="3990160" y="5557600"/>
+            <a:ext cx="877163" cy="338554"/>
+          </a:xfrm>
+          <a:prstGeom prst="rect">
+            <a:avLst/>
+          </a:prstGeom>
+          <a:noFill/>
+        </p:spPr>
+        <p:txBody>
+          <a:bodyPr wrap="none" rtlCol="0">
+            <a:spAutoFit/>
+          </a:bodyPr>
+          <a:lstStyle/>
+          <a:p>
+            <a:r>
+              <a:rPr lang="en-US" altLang="ko-KR" sz="1600" b="1" dirty="0">
+                <a:solidFill>
+                  <a:srgbClr val="FFFFFF"/>
+                </a:solidFill>
+              </a:rPr>
+              <a:t>SWCLK</a:t>
+            </a:r>
+            <a:endParaRPr lang="ko-KR" altLang="en-US" sz="1600" b="1" dirty="0">
+              <a:solidFill>
+                <a:srgbClr val="FFFFFF"/>
+              </a:solidFill>
+            </a:endParaRPr>
+          </a:p>
+        </p:txBody>
+      </p:sp>
+      <p:sp>
+        <p:nvSpPr>
+          <p:cNvPr id="197" name="TextBox 196">
+            <a:extLst>
+              <a:ext uri="{FF2B5EF4-FFF2-40B4-BE49-F238E27FC236}">
+                <a16:creationId xmlns:a16="http://schemas.microsoft.com/office/drawing/2014/main" id="{FCD33DAA-C633-017B-A9E9-D4DA3C28CEFE}"/>
+              </a:ext>
+            </a:extLst>
+          </p:cNvPr>
+          <p:cNvSpPr txBox="1"/>
+          <p:nvPr/>
+        </p:nvSpPr>
+        <p:spPr>
+          <a:xfrm>
+            <a:off x="3999431" y="5884091"/>
+            <a:ext cx="881973" cy="338554"/>
+          </a:xfrm>
+          <a:prstGeom prst="rect">
+            <a:avLst/>
+          </a:prstGeom>
+          <a:noFill/>
+        </p:spPr>
+        <p:txBody>
+          <a:bodyPr wrap="none" rtlCol="0">
+            <a:spAutoFit/>
+          </a:bodyPr>
+          <a:lstStyle/>
+          <a:p>
+            <a:r>
+              <a:rPr lang="en-US" altLang="ko-KR" sz="1600" b="1" dirty="0">
+                <a:solidFill>
+                  <a:srgbClr val="FFFFFF"/>
+                </a:solidFill>
+              </a:rPr>
+              <a:t>SWDIO</a:t>
+            </a:r>
+            <a:endParaRPr lang="ko-KR" altLang="en-US" sz="1600" b="1" dirty="0">
+              <a:solidFill>
+                <a:srgbClr val="FFFFFF"/>
+              </a:solidFill>
+            </a:endParaRPr>
+          </a:p>
+        </p:txBody>
+      </p:sp>
+      <p:cxnSp>
+        <p:nvCxnSpPr>
+          <p:cNvPr id="198" name="연결선: 꺾임 197">
+            <a:extLst>
+              <a:ext uri="{FF2B5EF4-FFF2-40B4-BE49-F238E27FC236}">
+                <a16:creationId xmlns:a16="http://schemas.microsoft.com/office/drawing/2014/main" id="{96BEBD0A-C1F0-BCA0-D108-DBFDD3B8F82D}"/>
+              </a:ext>
+            </a:extLst>
+          </p:cNvPr>
+          <p:cNvCxnSpPr>
+            <a:cxnSpLocks/>
+            <a:stCxn id="172" idx="2"/>
+            <a:endCxn id="191" idx="3"/>
+          </p:cNvCxnSpPr>
+          <p:nvPr/>
+        </p:nvCxnSpPr>
+        <p:spPr>
+          <a:xfrm rot="10800000">
+            <a:off x="5079881" y="4702842"/>
+            <a:ext cx="812309" cy="849544"/>
+          </a:xfrm>
+          <a:prstGeom prst="bentConnector3">
+            <a:avLst>
+              <a:gd name="adj1" fmla="val 50000"/>
+            </a:avLst>
+          </a:prstGeom>
+          <a:ln w="28575">
+            <a:solidFill>
+              <a:srgbClr val="FF0000"/>
+            </a:solidFill>
+          </a:ln>
+        </p:spPr>
+        <p:style>
+          <a:lnRef idx="1">
+            <a:schemeClr val="accent1"/>
+          </a:lnRef>
+          <a:fillRef idx="0">
+            <a:schemeClr val="accent1"/>
+          </a:fillRef>
+          <a:effectRef idx="0">
+            <a:schemeClr val="accent1"/>
+          </a:effectRef>
+          <a:fontRef idx="minor">
+            <a:schemeClr val="tx1"/>
+          </a:fontRef>
+        </p:style>
+      </p:cxnSp>
+      <p:cxnSp>
+        <p:nvCxnSpPr>
+          <p:cNvPr id="199" name="연결선: 꺾임 198">
+            <a:extLst>
+              <a:ext uri="{FF2B5EF4-FFF2-40B4-BE49-F238E27FC236}">
+                <a16:creationId xmlns:a16="http://schemas.microsoft.com/office/drawing/2014/main" id="{00FEC096-C3BC-3152-A14C-DFD25A0E6610}"/>
+              </a:ext>
+            </a:extLst>
+          </p:cNvPr>
+          <p:cNvCxnSpPr>
+            <a:cxnSpLocks/>
+            <a:endCxn id="187" idx="3"/>
+          </p:cNvCxnSpPr>
+          <p:nvPr/>
+        </p:nvCxnSpPr>
+        <p:spPr>
+          <a:xfrm rot="16200000" flipV="1">
+            <a:off x="4906364" y="5218061"/>
+            <a:ext cx="676271" cy="329237"/>
+          </a:xfrm>
+          <a:prstGeom prst="bentConnector2">
+            <a:avLst/>
+          </a:prstGeom>
+          <a:ln w="28575">
+            <a:solidFill>
+              <a:srgbClr val="7030A0"/>
+            </a:solidFill>
+          </a:ln>
+        </p:spPr>
+        <p:style>
+          <a:lnRef idx="1">
+            <a:schemeClr val="accent1"/>
+          </a:lnRef>
+          <a:fillRef idx="0">
+            <a:schemeClr val="accent1"/>
+          </a:fillRef>
+          <a:effectRef idx="0">
+            <a:schemeClr val="accent1"/>
+          </a:effectRef>
+          <a:fontRef idx="minor">
+            <a:schemeClr val="tx1"/>
+          </a:fontRef>
+        </p:style>
+      </p:cxnSp>
+      <p:cxnSp>
+        <p:nvCxnSpPr>
+          <p:cNvPr id="200" name="연결선: 꺾임 199">
+            <a:extLst>
+              <a:ext uri="{FF2B5EF4-FFF2-40B4-BE49-F238E27FC236}">
+                <a16:creationId xmlns:a16="http://schemas.microsoft.com/office/drawing/2014/main" id="{D7F1C60C-1D87-B0F6-4651-42886FB1E40D}"/>
+              </a:ext>
+            </a:extLst>
+          </p:cNvPr>
+          <p:cNvCxnSpPr>
+            <a:cxnSpLocks/>
+          </p:cNvCxnSpPr>
+          <p:nvPr/>
+        </p:nvCxnSpPr>
+        <p:spPr>
+          <a:xfrm rot="16200000" flipV="1">
+            <a:off x="5006004" y="5446232"/>
+            <a:ext cx="419042" cy="271287"/>
+          </a:xfrm>
+          <a:prstGeom prst="bentConnector3">
+            <a:avLst>
+              <a:gd name="adj1" fmla="val 98870"/>
+            </a:avLst>
+          </a:prstGeom>
+          <a:ln w="28575">
+            <a:solidFill>
+              <a:srgbClr val="7030A0"/>
+            </a:solidFill>
+          </a:ln>
+        </p:spPr>
+        <p:style>
+          <a:lnRef idx="1">
+            <a:schemeClr val="accent1"/>
+          </a:lnRef>
+          <a:fillRef idx="0">
+            <a:schemeClr val="accent1"/>
+          </a:fillRef>
+          <a:effectRef idx="0">
+            <a:schemeClr val="accent1"/>
+          </a:effectRef>
+          <a:fontRef idx="minor">
+            <a:schemeClr val="tx1"/>
+          </a:fontRef>
+        </p:style>
+      </p:cxnSp>
+      <p:cxnSp>
+        <p:nvCxnSpPr>
+          <p:cNvPr id="201" name="연결선: 꺾임 200">
+            <a:extLst>
+              <a:ext uri="{FF2B5EF4-FFF2-40B4-BE49-F238E27FC236}">
+                <a16:creationId xmlns:a16="http://schemas.microsoft.com/office/drawing/2014/main" id="{219D18EC-E953-F730-D89D-EE16BA9C4044}"/>
+              </a:ext>
+            </a:extLst>
+          </p:cNvPr>
+          <p:cNvCxnSpPr>
+            <a:cxnSpLocks/>
+          </p:cNvCxnSpPr>
+          <p:nvPr/>
+        </p:nvCxnSpPr>
+        <p:spPr>
+          <a:xfrm rot="10800000">
+            <a:off x="5079884" y="5711769"/>
+            <a:ext cx="202582" cy="182192"/>
+          </a:xfrm>
+          <a:prstGeom prst="bentConnector3">
+            <a:avLst>
+              <a:gd name="adj1" fmla="val -7597"/>
+            </a:avLst>
+          </a:prstGeom>
+          <a:ln w="28575">
+            <a:solidFill>
+              <a:srgbClr val="7030A0"/>
+            </a:solidFill>
+          </a:ln>
+        </p:spPr>
+        <p:style>
+          <a:lnRef idx="1">
+            <a:schemeClr val="accent1"/>
+          </a:lnRef>
+          <a:fillRef idx="0">
+            <a:schemeClr val="accent1"/>
+          </a:fillRef>
+          <a:effectRef idx="0">
+            <a:schemeClr val="accent1"/>
+          </a:effectRef>
+          <a:fontRef idx="minor">
+            <a:schemeClr val="tx1"/>
+          </a:fontRef>
+        </p:style>
+      </p:cxnSp>
+      <p:cxnSp>
+        <p:nvCxnSpPr>
+          <p:cNvPr id="202" name="연결선: 꺾임 201">
+            <a:extLst>
+              <a:ext uri="{FF2B5EF4-FFF2-40B4-BE49-F238E27FC236}">
+                <a16:creationId xmlns:a16="http://schemas.microsoft.com/office/drawing/2014/main" id="{6677C477-E353-C980-1D61-C3B977BA5702}"/>
+              </a:ext>
+            </a:extLst>
+          </p:cNvPr>
+          <p:cNvCxnSpPr>
+            <a:cxnSpLocks/>
+          </p:cNvCxnSpPr>
+          <p:nvPr/>
+        </p:nvCxnSpPr>
+        <p:spPr>
+          <a:xfrm rot="10800000" flipV="1">
+            <a:off x="5409976" y="5620627"/>
+            <a:ext cx="856069" cy="87565"/>
+          </a:xfrm>
+          <a:prstGeom prst="bentConnector3">
+            <a:avLst>
+              <a:gd name="adj1" fmla="val -903"/>
+            </a:avLst>
+          </a:prstGeom>
+          <a:ln w="28575">
+            <a:solidFill>
+              <a:srgbClr val="7030A0"/>
+            </a:solidFill>
+          </a:ln>
+        </p:spPr>
+        <p:style>
+          <a:lnRef idx="1">
+            <a:schemeClr val="accent1"/>
+          </a:lnRef>
+          <a:fillRef idx="0">
+            <a:schemeClr val="accent1"/>
+          </a:fillRef>
+          <a:effectRef idx="0">
+            <a:schemeClr val="accent1"/>
+          </a:effectRef>
+          <a:fontRef idx="minor">
+            <a:schemeClr val="tx1"/>
+          </a:fontRef>
+        </p:style>
+      </p:cxnSp>
+      <p:cxnSp>
+        <p:nvCxnSpPr>
+          <p:cNvPr id="204" name="연결선: 꺾임 203">
+            <a:extLst>
+              <a:ext uri="{FF2B5EF4-FFF2-40B4-BE49-F238E27FC236}">
+                <a16:creationId xmlns:a16="http://schemas.microsoft.com/office/drawing/2014/main" id="{66FC56F8-1A7F-C585-ECFC-F616918D80FA}"/>
+              </a:ext>
+            </a:extLst>
+          </p:cNvPr>
+          <p:cNvCxnSpPr>
+            <a:cxnSpLocks/>
+          </p:cNvCxnSpPr>
+          <p:nvPr/>
+        </p:nvCxnSpPr>
+        <p:spPr>
+          <a:xfrm rot="10800000" flipV="1">
+            <a:off x="5335177" y="5644661"/>
+            <a:ext cx="1243297" cy="140807"/>
+          </a:xfrm>
+          <a:prstGeom prst="bentConnector3">
+            <a:avLst>
+              <a:gd name="adj1" fmla="val 1416"/>
+            </a:avLst>
+          </a:prstGeom>
+          <a:ln w="28575">
+            <a:solidFill>
+              <a:srgbClr val="7030A0"/>
+            </a:solidFill>
+          </a:ln>
+        </p:spPr>
+        <p:style>
+          <a:lnRef idx="1">
+            <a:schemeClr val="accent1"/>
+          </a:lnRef>
+          <a:fillRef idx="0">
+            <a:schemeClr val="accent1"/>
+          </a:fillRef>
+          <a:effectRef idx="0">
+            <a:schemeClr val="accent1"/>
+          </a:effectRef>
+          <a:fontRef idx="minor">
+            <a:schemeClr val="tx1"/>
+          </a:fontRef>
+        </p:style>
+      </p:cxnSp>
+      <p:cxnSp>
+        <p:nvCxnSpPr>
+          <p:cNvPr id="208" name="연결선: 꺾임 207">
+            <a:extLst>
+              <a:ext uri="{FF2B5EF4-FFF2-40B4-BE49-F238E27FC236}">
+                <a16:creationId xmlns:a16="http://schemas.microsoft.com/office/drawing/2014/main" id="{2BF563CC-A3F5-F13F-68B5-001621F5EEAE}"/>
+              </a:ext>
+            </a:extLst>
+          </p:cNvPr>
+          <p:cNvCxnSpPr>
+            <a:cxnSpLocks/>
+          </p:cNvCxnSpPr>
+          <p:nvPr/>
+        </p:nvCxnSpPr>
+        <p:spPr>
+          <a:xfrm rot="10800000" flipV="1">
+            <a:off x="5284116" y="5634436"/>
+            <a:ext cx="1609654" cy="269947"/>
+          </a:xfrm>
+          <a:prstGeom prst="bentConnector3">
+            <a:avLst>
+              <a:gd name="adj1" fmla="val 688"/>
+            </a:avLst>
+          </a:prstGeom>
+          <a:ln w="28575">
+            <a:solidFill>
+              <a:srgbClr val="7030A0"/>
+            </a:solidFill>
+          </a:ln>
+        </p:spPr>
+        <p:style>
+          <a:lnRef idx="1">
+            <a:schemeClr val="accent1"/>
+          </a:lnRef>
+          <a:fillRef idx="0">
+            <a:schemeClr val="accent1"/>
+          </a:fillRef>
+          <a:effectRef idx="0">
+            <a:schemeClr val="accent1"/>
+          </a:effectRef>
+          <a:fontRef idx="minor">
+            <a:schemeClr val="tx1"/>
+          </a:fontRef>
+        </p:style>
+      </p:cxnSp>
+      <p:cxnSp>
+        <p:nvCxnSpPr>
+          <p:cNvPr id="215" name="연결선: 꺾임 214">
+            <a:extLst>
+              <a:ext uri="{FF2B5EF4-FFF2-40B4-BE49-F238E27FC236}">
+                <a16:creationId xmlns:a16="http://schemas.microsoft.com/office/drawing/2014/main" id="{4260D3B4-3EDC-796A-82E2-6210E8F7F92E}"/>
+              </a:ext>
+            </a:extLst>
+          </p:cNvPr>
+          <p:cNvCxnSpPr>
+            <a:cxnSpLocks/>
+          </p:cNvCxnSpPr>
+          <p:nvPr/>
+        </p:nvCxnSpPr>
+        <p:spPr>
+          <a:xfrm rot="10800000" flipV="1">
+            <a:off x="5078235" y="5626478"/>
+            <a:ext cx="2100441" cy="412228"/>
+          </a:xfrm>
+          <a:prstGeom prst="bentConnector3">
+            <a:avLst>
+              <a:gd name="adj1" fmla="val 722"/>
+            </a:avLst>
+          </a:prstGeom>
+          <a:ln w="28575">
+            <a:solidFill>
+              <a:srgbClr val="7030A0"/>
+            </a:solidFill>
+          </a:ln>
+        </p:spPr>
+        <p:style>
+          <a:lnRef idx="1">
+            <a:schemeClr val="accent1"/>
+          </a:lnRef>
+          <a:fillRef idx="0">
+            <a:schemeClr val="accent1"/>
+          </a:fillRef>
+          <a:effectRef idx="0">
+            <a:schemeClr val="accent1"/>
+          </a:effectRef>
+          <a:fontRef idx="minor">
+            <a:schemeClr val="tx1"/>
+          </a:fontRef>
+        </p:style>
+      </p:cxnSp>
+      <p:cxnSp>
+        <p:nvCxnSpPr>
+          <p:cNvPr id="219" name="연결선: 꺾임 218">
+            <a:extLst>
+              <a:ext uri="{FF2B5EF4-FFF2-40B4-BE49-F238E27FC236}">
+                <a16:creationId xmlns:a16="http://schemas.microsoft.com/office/drawing/2014/main" id="{07DDD165-002A-36CC-5BEF-4EA6989D246C}"/>
+              </a:ext>
+            </a:extLst>
+          </p:cNvPr>
+          <p:cNvCxnSpPr>
+            <a:cxnSpLocks/>
+          </p:cNvCxnSpPr>
+          <p:nvPr/>
+        </p:nvCxnSpPr>
+        <p:spPr>
+          <a:xfrm rot="10800000" flipV="1">
+            <a:off x="5078237" y="5637011"/>
+            <a:ext cx="2417939" cy="736944"/>
+          </a:xfrm>
+          <a:prstGeom prst="bentConnector3">
+            <a:avLst>
+              <a:gd name="adj1" fmla="val 758"/>
+            </a:avLst>
+          </a:prstGeom>
+          <a:ln w="28575">
+            <a:solidFill>
+              <a:schemeClr val="tx1"/>
+            </a:solidFill>
+          </a:ln>
+        </p:spPr>
+        <p:style>
+          <a:lnRef idx="1">
+            <a:schemeClr val="accent1"/>
+          </a:lnRef>
+          <a:fillRef idx="0">
+            <a:schemeClr val="accent1"/>
+          </a:fillRef>
+          <a:effectRef idx="0">
+            <a:schemeClr val="accent1"/>
+          </a:effectRef>
+          <a:fontRef idx="minor">
+            <a:schemeClr val="tx1"/>
+          </a:fontRef>
+        </p:style>
+      </p:cxnSp>
+      <p:sp>
+        <p:nvSpPr>
+          <p:cNvPr id="229" name="TextBox 228">
+            <a:extLst>
+              <a:ext uri="{FF2B5EF4-FFF2-40B4-BE49-F238E27FC236}">
+                <a16:creationId xmlns:a16="http://schemas.microsoft.com/office/drawing/2014/main" id="{7642944A-D47C-D4FF-123A-8A95A971517B}"/>
+              </a:ext>
+            </a:extLst>
+          </p:cNvPr>
+          <p:cNvSpPr txBox="1"/>
+          <p:nvPr/>
+        </p:nvSpPr>
+        <p:spPr>
+          <a:xfrm>
+            <a:off x="9023989" y="6858000"/>
+            <a:ext cx="2367956" cy="369332"/>
+          </a:xfrm>
+          <a:prstGeom prst="rect">
+            <a:avLst/>
+          </a:prstGeom>
+          <a:noFill/>
+        </p:spPr>
+        <p:txBody>
+          <a:bodyPr wrap="none" rtlCol="0">
+            <a:spAutoFit/>
+          </a:bodyPr>
+          <a:lstStyle/>
+          <a:p>
+            <a:r>
+              <a:rPr lang="en-US" altLang="ko-KR" dirty="0"/>
+              <a:t>WIZ505SR-RP Pinout</a:t>
+            </a:r>
+            <a:endParaRPr lang="ko-KR" altLang="en-US" dirty="0"/>
+          </a:p>
+        </p:txBody>
+      </p:sp>
+      <p:sp>
+        <p:nvSpPr>
+          <p:cNvPr id="79" name="사각형: 둥근 모서리 78">
+            <a:extLst>
+              <a:ext uri="{FF2B5EF4-FFF2-40B4-BE49-F238E27FC236}">
+                <a16:creationId xmlns:a16="http://schemas.microsoft.com/office/drawing/2014/main" id="{D419F228-3F17-7941-9F3A-144D3CA17FCE}"/>
+              </a:ext>
+            </a:extLst>
+          </p:cNvPr>
+          <p:cNvSpPr/>
+          <p:nvPr/>
+        </p:nvSpPr>
+        <p:spPr>
+          <a:xfrm>
+            <a:off x="5141303" y="1367308"/>
+            <a:ext cx="1312837" cy="336855"/>
+          </a:xfrm>
+          <a:prstGeom prst="roundRect">
+            <a:avLst/>
+          </a:prstGeom>
+          <a:solidFill>
+            <a:srgbClr val="FF0000"/>
+          </a:solidFill>
+          <a:ln w="19050">
+            <a:solidFill>
+              <a:schemeClr val="tx1"/>
+            </a:solidFill>
+          </a:ln>
+        </p:spPr>
+        <p:style>
+          <a:lnRef idx="2">
+            <a:schemeClr val="accent1">
+              <a:shade val="50000"/>
+            </a:schemeClr>
+          </a:lnRef>
+          <a:fillRef idx="1">
+            <a:schemeClr val="accent1"/>
+          </a:fillRef>
+          <a:effectRef idx="0">
+            <a:schemeClr val="accent1"/>
+          </a:effectRef>
+          <a:fontRef idx="minor">
+            <a:schemeClr val="lt1"/>
+          </a:fontRef>
+        </p:style>
+        <p:txBody>
+          <a:bodyPr rtlCol="0" anchor="ctr"/>
+          <a:lstStyle/>
+          <a:p>
+            <a:pPr algn="ctr"/>
+            <a:r>
+              <a:rPr lang="en-US" altLang="ko-KR" sz="1600" b="1" dirty="0"/>
+              <a:t>3V3</a:t>
+            </a:r>
+            <a:endParaRPr lang="ko-KR" altLang="en-US" sz="1600" b="1" dirty="0"/>
+          </a:p>
+        </p:txBody>
+      </p:sp>
+      <p:sp>
+        <p:nvSpPr>
+          <p:cNvPr id="80" name="사각형: 둥근 모서리 79">
+            <a:extLst>
+              <a:ext uri="{FF2B5EF4-FFF2-40B4-BE49-F238E27FC236}">
+                <a16:creationId xmlns:a16="http://schemas.microsoft.com/office/drawing/2014/main" id="{41B069DC-5D9F-3571-124F-42E0ACD4D526}"/>
+              </a:ext>
+            </a:extLst>
+          </p:cNvPr>
+          <p:cNvSpPr/>
+          <p:nvPr/>
+        </p:nvSpPr>
+        <p:spPr>
+          <a:xfrm>
+            <a:off x="5141303" y="1697198"/>
+            <a:ext cx="1312837" cy="336855"/>
+          </a:xfrm>
+          <a:prstGeom prst="roundRect">
+            <a:avLst/>
+          </a:prstGeom>
+          <a:solidFill>
+            <a:srgbClr val="FF0000"/>
+          </a:solidFill>
+          <a:ln w="19050">
+            <a:solidFill>
+              <a:schemeClr val="tx1"/>
+            </a:solidFill>
+          </a:ln>
+        </p:spPr>
+        <p:style>
+          <a:lnRef idx="2">
+            <a:schemeClr val="accent1">
+              <a:shade val="50000"/>
+            </a:schemeClr>
+          </a:lnRef>
+          <a:fillRef idx="1">
+            <a:schemeClr val="accent1"/>
+          </a:fillRef>
+          <a:effectRef idx="0">
+            <a:schemeClr val="accent1"/>
+          </a:effectRef>
+          <a:fontRef idx="minor">
+            <a:schemeClr val="lt1"/>
+          </a:fontRef>
+        </p:style>
+        <p:txBody>
+          <a:bodyPr rtlCol="0" anchor="ctr"/>
+          <a:lstStyle/>
+          <a:p>
+            <a:pPr algn="ctr"/>
+            <a:r>
+              <a:rPr lang="en-US" altLang="ko-KR" sz="1600" b="1" dirty="0"/>
+              <a:t>3V3</a:t>
+            </a:r>
+            <a:endParaRPr lang="ko-KR" altLang="en-US" sz="1600" b="1" dirty="0"/>
+          </a:p>
+        </p:txBody>
+      </p:sp>
+      <p:sp>
+        <p:nvSpPr>
+          <p:cNvPr id="81" name="사각형: 둥근 모서리 80">
+            <a:extLst>
+              <a:ext uri="{FF2B5EF4-FFF2-40B4-BE49-F238E27FC236}">
+                <a16:creationId xmlns:a16="http://schemas.microsoft.com/office/drawing/2014/main" id="{CDB4ADDD-659A-B7ED-76B4-8080D8225BB3}"/>
+              </a:ext>
+            </a:extLst>
+          </p:cNvPr>
+          <p:cNvSpPr/>
+          <p:nvPr/>
+        </p:nvSpPr>
+        <p:spPr>
+          <a:xfrm>
+            <a:off x="5141303" y="2038745"/>
+            <a:ext cx="1312837" cy="336855"/>
           </a:xfrm>
           <a:prstGeom prst="roundRect">
             <a:avLst/>
@@ -7326,19 +9236,19 @@
           <a:p>
             <a:pPr algn="ctr"/>
             <a:r>
-              <a:rPr lang="en-US" altLang="ko-KR" sz="1200" b="1" dirty="0"/>
-              <a:t>RUN</a:t>
-            </a:r>
-            <a:endParaRPr lang="ko-KR" altLang="en-US" sz="1200" b="1" dirty="0"/>
-          </a:p>
-        </p:txBody>
-      </p:sp>
-      <p:sp>
-        <p:nvSpPr>
-          <p:cNvPr id="70" name="사각형: 둥근 모서리 69">
-            <a:extLst>
-              <a:ext uri="{FF2B5EF4-FFF2-40B4-BE49-F238E27FC236}">
-                <a16:creationId xmlns:a16="http://schemas.microsoft.com/office/drawing/2014/main" id="{48697080-CB4F-F4AF-A656-2577023AEFBA}"/>
+              <a:rPr lang="en-US" altLang="ko-KR" sz="1600" b="1" dirty="0"/>
+              <a:t>FACT RST</a:t>
+            </a:r>
+            <a:endParaRPr lang="ko-KR" altLang="en-US" sz="1600" b="1" dirty="0"/>
+          </a:p>
+        </p:txBody>
+      </p:sp>
+      <p:sp>
+        <p:nvSpPr>
+          <p:cNvPr id="82" name="사각형: 둥근 모서리 81">
+            <a:extLst>
+              <a:ext uri="{FF2B5EF4-FFF2-40B4-BE49-F238E27FC236}">
+                <a16:creationId xmlns:a16="http://schemas.microsoft.com/office/drawing/2014/main" id="{53C3EA24-6EE2-2367-6AE8-B988152F51A9}"/>
               </a:ext>
             </a:extLst>
           </p:cNvPr>
@@ -7347,8 +9257,182 @@
         </p:nvSpPr>
         <p:spPr>
           <a:xfrm>
-            <a:off x="134386" y="3554640"/>
-            <a:ext cx="1100793" cy="336855"/>
+            <a:off x="5141303" y="2371706"/>
+            <a:ext cx="1312837" cy="336855"/>
+          </a:xfrm>
+          <a:prstGeom prst="roundRect">
+            <a:avLst/>
+          </a:prstGeom>
+          <a:solidFill>
+            <a:srgbClr val="0070C0"/>
+          </a:solidFill>
+          <a:ln w="19050">
+            <a:solidFill>
+              <a:schemeClr val="tx1"/>
+            </a:solidFill>
+          </a:ln>
+        </p:spPr>
+        <p:style>
+          <a:lnRef idx="2">
+            <a:schemeClr val="accent1">
+              <a:shade val="50000"/>
+            </a:schemeClr>
+          </a:lnRef>
+          <a:fillRef idx="1">
+            <a:schemeClr val="accent1"/>
+          </a:fillRef>
+          <a:effectRef idx="0">
+            <a:schemeClr val="accent1"/>
+          </a:effectRef>
+          <a:fontRef idx="minor">
+            <a:schemeClr val="lt1"/>
+          </a:fontRef>
+        </p:style>
+        <p:txBody>
+          <a:bodyPr rtlCol="0" anchor="ctr"/>
+          <a:lstStyle/>
+          <a:p>
+            <a:pPr algn="ctr"/>
+            <a:r>
+              <a:rPr lang="en-US" altLang="ko-KR" sz="1600" b="1" dirty="0"/>
+              <a:t>HW TRIG</a:t>
+            </a:r>
+            <a:endParaRPr lang="ko-KR" altLang="en-US" sz="1600" b="1" dirty="0"/>
+          </a:p>
+        </p:txBody>
+      </p:sp>
+      <p:sp>
+        <p:nvSpPr>
+          <p:cNvPr id="83" name="사각형: 둥근 모서리 82">
+            <a:extLst>
+              <a:ext uri="{FF2B5EF4-FFF2-40B4-BE49-F238E27FC236}">
+                <a16:creationId xmlns:a16="http://schemas.microsoft.com/office/drawing/2014/main" id="{4A0DD553-BED2-7D7E-CD55-F27118F218E0}"/>
+              </a:ext>
+            </a:extLst>
+          </p:cNvPr>
+          <p:cNvSpPr/>
+          <p:nvPr/>
+        </p:nvSpPr>
+        <p:spPr>
+          <a:xfrm>
+            <a:off x="5146511" y="2706080"/>
+            <a:ext cx="1312837" cy="336855"/>
+          </a:xfrm>
+          <a:prstGeom prst="roundRect">
+            <a:avLst/>
+          </a:prstGeom>
+          <a:solidFill>
+            <a:srgbClr val="0070C0"/>
+          </a:solidFill>
+          <a:ln w="19050">
+            <a:solidFill>
+              <a:schemeClr val="tx1"/>
+            </a:solidFill>
+          </a:ln>
+        </p:spPr>
+        <p:style>
+          <a:lnRef idx="2">
+            <a:schemeClr val="accent1">
+              <a:shade val="50000"/>
+            </a:schemeClr>
+          </a:lnRef>
+          <a:fillRef idx="1">
+            <a:schemeClr val="accent1"/>
+          </a:fillRef>
+          <a:effectRef idx="0">
+            <a:schemeClr val="accent1"/>
+          </a:effectRef>
+          <a:fontRef idx="minor">
+            <a:schemeClr val="lt1"/>
+          </a:fontRef>
+        </p:style>
+        <p:txBody>
+          <a:bodyPr rtlCol="0" anchor="ctr"/>
+          <a:lstStyle/>
+          <a:p>
+            <a:pPr algn="ctr"/>
+            <a:r>
+              <a:rPr lang="en-US" altLang="ko-KR" sz="1600" b="1" dirty="0"/>
+              <a:t>BOOTSEL</a:t>
+            </a:r>
+            <a:endParaRPr lang="ko-KR" altLang="en-US" sz="1600" b="1" dirty="0"/>
+          </a:p>
+        </p:txBody>
+      </p:sp>
+      <p:sp>
+        <p:nvSpPr>
+          <p:cNvPr id="85" name="사각형: 둥근 모서리 84">
+            <a:extLst>
+              <a:ext uri="{FF2B5EF4-FFF2-40B4-BE49-F238E27FC236}">
+                <a16:creationId xmlns:a16="http://schemas.microsoft.com/office/drawing/2014/main" id="{86F3FBAD-970B-487C-05F7-6A7D6446A4C7}"/>
+              </a:ext>
+            </a:extLst>
+          </p:cNvPr>
+          <p:cNvSpPr/>
+          <p:nvPr/>
+        </p:nvSpPr>
+        <p:spPr>
+          <a:xfrm>
+            <a:off x="5141302" y="3047781"/>
+            <a:ext cx="1312837" cy="336855"/>
+          </a:xfrm>
+          <a:prstGeom prst="roundRect">
+            <a:avLst/>
+          </a:prstGeom>
+          <a:solidFill>
+            <a:schemeClr val="tx1"/>
+          </a:solidFill>
+          <a:ln w="19050">
+            <a:solidFill>
+              <a:schemeClr val="tx1"/>
+            </a:solidFill>
+          </a:ln>
+        </p:spPr>
+        <p:style>
+          <a:lnRef idx="2">
+            <a:schemeClr val="accent1">
+              <a:shade val="50000"/>
+            </a:schemeClr>
+          </a:lnRef>
+          <a:fillRef idx="1">
+            <a:schemeClr val="accent1"/>
+          </a:fillRef>
+          <a:effectRef idx="0">
+            <a:schemeClr val="accent1"/>
+          </a:effectRef>
+          <a:fontRef idx="minor">
+            <a:schemeClr val="lt1"/>
+          </a:fontRef>
+        </p:style>
+        <p:txBody>
+          <a:bodyPr rtlCol="0" anchor="ctr"/>
+          <a:lstStyle/>
+          <a:p>
+            <a:pPr algn="ctr"/>
+            <a:r>
+              <a:rPr lang="en-US" altLang="ko-KR" sz="1600" b="1" dirty="0"/>
+              <a:t>GND</a:t>
+            </a:r>
+            <a:endParaRPr lang="ko-KR" altLang="en-US" sz="1600" b="1" dirty="0"/>
+          </a:p>
+        </p:txBody>
+      </p:sp>
+      <p:sp>
+        <p:nvSpPr>
+          <p:cNvPr id="87" name="사각형: 둥근 모서리 86">
+            <a:extLst>
+              <a:ext uri="{FF2B5EF4-FFF2-40B4-BE49-F238E27FC236}">
+                <a16:creationId xmlns:a16="http://schemas.microsoft.com/office/drawing/2014/main" id="{DD38DC4B-2DEC-CAAE-0F49-48A1A060CF32}"/>
+              </a:ext>
+            </a:extLst>
+          </p:cNvPr>
+          <p:cNvSpPr/>
+          <p:nvPr/>
+        </p:nvSpPr>
+        <p:spPr>
+          <a:xfrm>
+            <a:off x="5141301" y="3387001"/>
+            <a:ext cx="1312837" cy="336855"/>
           </a:xfrm>
           <a:prstGeom prst="roundRect">
             <a:avLst/>
@@ -7383,20 +9467,60 @@
           <a:lstStyle/>
           <a:p>
             <a:pPr algn="ctr"/>
-            <a:r>
-              <a:rPr lang="en-US" altLang="ko-KR" sz="1200" b="1" dirty="0"/>
-              <a:t>UART1_RTS</a:t>
-            </a:r>
-            <a:endParaRPr lang="ko-KR" altLang="en-US" sz="1200" b="1" dirty="0"/>
-          </a:p>
-        </p:txBody>
-      </p:sp>
-      <p:sp>
-        <p:nvSpPr>
-          <p:cNvPr id="71" name="사각형: 둥근 모서리 70">
-            <a:extLst>
-              <a:ext uri="{FF2B5EF4-FFF2-40B4-BE49-F238E27FC236}">
-                <a16:creationId xmlns:a16="http://schemas.microsoft.com/office/drawing/2014/main" id="{948F9173-C647-93A8-DB2A-02FE03DD1972}"/>
+            <a:endParaRPr lang="ko-KR" altLang="en-US"/>
+          </a:p>
+        </p:txBody>
+      </p:sp>
+      <p:sp>
+        <p:nvSpPr>
+          <p:cNvPr id="88" name="TextBox 87">
+            <a:extLst>
+              <a:ext uri="{FF2B5EF4-FFF2-40B4-BE49-F238E27FC236}">
+                <a16:creationId xmlns:a16="http://schemas.microsoft.com/office/drawing/2014/main" id="{89F62B94-0E8B-8926-1C4D-98A44B6BADB7}"/>
+              </a:ext>
+            </a:extLst>
+          </p:cNvPr>
+          <p:cNvSpPr txBox="1"/>
+          <p:nvPr/>
+        </p:nvSpPr>
+        <p:spPr>
+          <a:xfrm>
+            <a:off x="5328094" y="3377309"/>
+            <a:ext cx="1019831" cy="338554"/>
+          </a:xfrm>
+          <a:prstGeom prst="rect">
+            <a:avLst/>
+          </a:prstGeom>
+          <a:noFill/>
+        </p:spPr>
+        <p:txBody>
+          <a:bodyPr wrap="none" rtlCol="0">
+            <a:spAutoFit/>
+          </a:bodyPr>
+          <a:lstStyle/>
+          <a:p>
+            <a:r>
+              <a:rPr lang="en-US" altLang="ko-KR" sz="1600" b="1" dirty="0">
+                <a:solidFill>
+                  <a:srgbClr val="FFFFFF"/>
+                </a:solidFill>
+              </a:rPr>
+              <a:t>USB_DM</a:t>
+            </a:r>
+            <a:endParaRPr lang="ko-KR" altLang="en-US" sz="1600" b="1" dirty="0">
+              <a:solidFill>
+                <a:srgbClr val="FFFFFF"/>
+              </a:solidFill>
+            </a:endParaRPr>
+          </a:p>
+        </p:txBody>
+      </p:sp>
+      <p:sp>
+        <p:nvSpPr>
+          <p:cNvPr id="89" name="사각형: 둥근 모서리 88">
+            <a:extLst>
+              <a:ext uri="{FF2B5EF4-FFF2-40B4-BE49-F238E27FC236}">
+                <a16:creationId xmlns:a16="http://schemas.microsoft.com/office/drawing/2014/main" id="{F548BCB0-648A-88FA-5B40-C390D6511461}"/>
               </a:ext>
             </a:extLst>
           </p:cNvPr>
@@ -7405,8 +9529,298 @@
         </p:nvSpPr>
         <p:spPr>
           <a:xfrm>
-            <a:off x="133794" y="3889907"/>
-            <a:ext cx="1101977" cy="336855"/>
+            <a:off x="3796922" y="1372219"/>
+            <a:ext cx="1312837" cy="336855"/>
+          </a:xfrm>
+          <a:prstGeom prst="roundRect">
+            <a:avLst/>
+          </a:prstGeom>
+          <a:solidFill>
+            <a:srgbClr val="0070C0"/>
+          </a:solidFill>
+          <a:ln w="19050">
+            <a:solidFill>
+              <a:schemeClr val="tx1"/>
+            </a:solidFill>
+          </a:ln>
+        </p:spPr>
+        <p:style>
+          <a:lnRef idx="2">
+            <a:schemeClr val="accent1">
+              <a:shade val="50000"/>
+            </a:schemeClr>
+          </a:lnRef>
+          <a:fillRef idx="1">
+            <a:schemeClr val="accent1"/>
+          </a:fillRef>
+          <a:effectRef idx="0">
+            <a:schemeClr val="accent1"/>
+          </a:effectRef>
+          <a:fontRef idx="minor">
+            <a:schemeClr val="lt1"/>
+          </a:fontRef>
+        </p:style>
+        <p:txBody>
+          <a:bodyPr rtlCol="0" anchor="ctr"/>
+          <a:lstStyle/>
+          <a:p>
+            <a:pPr algn="ctr"/>
+            <a:r>
+              <a:rPr lang="en-US" altLang="ko-KR" sz="1600" b="1" dirty="0"/>
+              <a:t>RUN</a:t>
+            </a:r>
+            <a:endParaRPr lang="ko-KR" altLang="en-US" sz="1600" b="1" dirty="0"/>
+          </a:p>
+        </p:txBody>
+      </p:sp>
+      <p:sp>
+        <p:nvSpPr>
+          <p:cNvPr id="90" name="사각형: 둥근 모서리 89">
+            <a:extLst>
+              <a:ext uri="{FF2B5EF4-FFF2-40B4-BE49-F238E27FC236}">
+                <a16:creationId xmlns:a16="http://schemas.microsoft.com/office/drawing/2014/main" id="{E0779E53-E575-A793-0D88-2B6A2B16852B}"/>
+              </a:ext>
+            </a:extLst>
+          </p:cNvPr>
+          <p:cNvSpPr/>
+          <p:nvPr/>
+        </p:nvSpPr>
+        <p:spPr>
+          <a:xfrm>
+            <a:off x="3796922" y="1702109"/>
+            <a:ext cx="1312837" cy="336855"/>
+          </a:xfrm>
+          <a:prstGeom prst="roundRect">
+            <a:avLst/>
+          </a:prstGeom>
+          <a:solidFill>
+            <a:srgbClr val="7030A0"/>
+          </a:solidFill>
+          <a:ln w="19050">
+            <a:solidFill>
+              <a:schemeClr val="tx1"/>
+            </a:solidFill>
+          </a:ln>
+        </p:spPr>
+        <p:style>
+          <a:lnRef idx="2">
+            <a:schemeClr val="accent1">
+              <a:shade val="50000"/>
+            </a:schemeClr>
+          </a:lnRef>
+          <a:fillRef idx="1">
+            <a:schemeClr val="accent1"/>
+          </a:fillRef>
+          <a:effectRef idx="0">
+            <a:schemeClr val="accent1"/>
+          </a:effectRef>
+          <a:fontRef idx="minor">
+            <a:schemeClr val="lt1"/>
+          </a:fontRef>
+        </p:style>
+        <p:txBody>
+          <a:bodyPr rtlCol="0" anchor="ctr"/>
+          <a:lstStyle/>
+          <a:p>
+            <a:pPr algn="ctr"/>
+            <a:r>
+              <a:rPr lang="en-US" altLang="ko-KR" sz="1600" b="1" dirty="0"/>
+              <a:t>UART1 RX</a:t>
+            </a:r>
+            <a:endParaRPr lang="ko-KR" altLang="en-US" sz="1600" b="1" dirty="0"/>
+          </a:p>
+        </p:txBody>
+      </p:sp>
+      <p:sp>
+        <p:nvSpPr>
+          <p:cNvPr id="91" name="사각형: 둥근 모서리 90">
+            <a:extLst>
+              <a:ext uri="{FF2B5EF4-FFF2-40B4-BE49-F238E27FC236}">
+                <a16:creationId xmlns:a16="http://schemas.microsoft.com/office/drawing/2014/main" id="{70B9F442-B86B-6B2F-9AF4-08372D055A33}"/>
+              </a:ext>
+            </a:extLst>
+          </p:cNvPr>
+          <p:cNvSpPr/>
+          <p:nvPr/>
+        </p:nvSpPr>
+        <p:spPr>
+          <a:xfrm>
+            <a:off x="3796922" y="2043656"/>
+            <a:ext cx="1312837" cy="336855"/>
+          </a:xfrm>
+          <a:prstGeom prst="roundRect">
+            <a:avLst/>
+          </a:prstGeom>
+          <a:solidFill>
+            <a:srgbClr val="7030A0"/>
+          </a:solidFill>
+          <a:ln w="19050">
+            <a:solidFill>
+              <a:schemeClr val="tx1"/>
+            </a:solidFill>
+          </a:ln>
+        </p:spPr>
+        <p:style>
+          <a:lnRef idx="2">
+            <a:schemeClr val="accent1">
+              <a:shade val="50000"/>
+            </a:schemeClr>
+          </a:lnRef>
+          <a:fillRef idx="1">
+            <a:schemeClr val="accent1"/>
+          </a:fillRef>
+          <a:effectRef idx="0">
+            <a:schemeClr val="accent1"/>
+          </a:effectRef>
+          <a:fontRef idx="minor">
+            <a:schemeClr val="lt1"/>
+          </a:fontRef>
+        </p:style>
+        <p:txBody>
+          <a:bodyPr rtlCol="0" anchor="ctr"/>
+          <a:lstStyle/>
+          <a:p>
+            <a:pPr algn="ctr"/>
+            <a:r>
+              <a:rPr lang="en-US" altLang="ko-KR" sz="1600" b="1" dirty="0"/>
+              <a:t>UART1 CTS</a:t>
+            </a:r>
+            <a:endParaRPr lang="ko-KR" altLang="en-US" sz="1600" b="1" dirty="0"/>
+          </a:p>
+        </p:txBody>
+      </p:sp>
+      <p:sp>
+        <p:nvSpPr>
+          <p:cNvPr id="92" name="사각형: 둥근 모서리 91">
+            <a:extLst>
+              <a:ext uri="{FF2B5EF4-FFF2-40B4-BE49-F238E27FC236}">
+                <a16:creationId xmlns:a16="http://schemas.microsoft.com/office/drawing/2014/main" id="{9FAE48A8-B0E9-E24D-81B5-99DF7C9F2060}"/>
+              </a:ext>
+            </a:extLst>
+          </p:cNvPr>
+          <p:cNvSpPr/>
+          <p:nvPr/>
+        </p:nvSpPr>
+        <p:spPr>
+          <a:xfrm>
+            <a:off x="3796922" y="2376617"/>
+            <a:ext cx="1312837" cy="336855"/>
+          </a:xfrm>
+          <a:prstGeom prst="roundRect">
+            <a:avLst/>
+          </a:prstGeom>
+          <a:solidFill>
+            <a:srgbClr val="7030A0"/>
+          </a:solidFill>
+          <a:ln w="19050">
+            <a:solidFill>
+              <a:schemeClr val="tx1"/>
+            </a:solidFill>
+          </a:ln>
+        </p:spPr>
+        <p:style>
+          <a:lnRef idx="2">
+            <a:schemeClr val="accent1">
+              <a:shade val="50000"/>
+            </a:schemeClr>
+          </a:lnRef>
+          <a:fillRef idx="1">
+            <a:schemeClr val="accent1"/>
+          </a:fillRef>
+          <a:effectRef idx="0">
+            <a:schemeClr val="accent1"/>
+          </a:effectRef>
+          <a:fontRef idx="minor">
+            <a:schemeClr val="lt1"/>
+          </a:fontRef>
+        </p:style>
+        <p:txBody>
+          <a:bodyPr rtlCol="0" anchor="ctr"/>
+          <a:lstStyle/>
+          <a:p>
+            <a:pPr algn="ctr"/>
+            <a:r>
+              <a:rPr lang="en-US" altLang="ko-KR" sz="1600" b="1" dirty="0"/>
+              <a:t>UART1 TX</a:t>
+            </a:r>
+            <a:endParaRPr lang="ko-KR" altLang="en-US" sz="1600" b="1" dirty="0"/>
+          </a:p>
+        </p:txBody>
+      </p:sp>
+      <p:sp>
+        <p:nvSpPr>
+          <p:cNvPr id="93" name="사각형: 둥근 모서리 92">
+            <a:extLst>
+              <a:ext uri="{FF2B5EF4-FFF2-40B4-BE49-F238E27FC236}">
+                <a16:creationId xmlns:a16="http://schemas.microsoft.com/office/drawing/2014/main" id="{64E9A9A5-DD31-345C-CFD4-DFB21BD58FCC}"/>
+              </a:ext>
+            </a:extLst>
+          </p:cNvPr>
+          <p:cNvSpPr/>
+          <p:nvPr/>
+        </p:nvSpPr>
+        <p:spPr>
+          <a:xfrm>
+            <a:off x="3802130" y="2710991"/>
+            <a:ext cx="1312837" cy="336855"/>
+          </a:xfrm>
+          <a:prstGeom prst="roundRect">
+            <a:avLst/>
+          </a:prstGeom>
+          <a:solidFill>
+            <a:srgbClr val="7030A0"/>
+          </a:solidFill>
+          <a:ln w="19050">
+            <a:solidFill>
+              <a:schemeClr val="tx1"/>
+            </a:solidFill>
+          </a:ln>
+        </p:spPr>
+        <p:style>
+          <a:lnRef idx="2">
+            <a:schemeClr val="accent1">
+              <a:shade val="50000"/>
+            </a:schemeClr>
+          </a:lnRef>
+          <a:fillRef idx="1">
+            <a:schemeClr val="accent1"/>
+          </a:fillRef>
+          <a:effectRef idx="0">
+            <a:schemeClr val="accent1"/>
+          </a:effectRef>
+          <a:fontRef idx="minor">
+            <a:schemeClr val="lt1"/>
+          </a:fontRef>
+        </p:style>
+        <p:txBody>
+          <a:bodyPr rtlCol="0" anchor="ctr"/>
+          <a:lstStyle/>
+          <a:p>
+            <a:pPr algn="ctr"/>
+            <a:r>
+              <a:rPr lang="en-US" altLang="ko-KR" sz="1600" b="1" dirty="0"/>
+              <a:t>UART1 RTS</a:t>
+            </a:r>
+            <a:endParaRPr lang="ko-KR" altLang="en-US" sz="1600" b="1" dirty="0"/>
+          </a:p>
+        </p:txBody>
+      </p:sp>
+      <p:sp>
+        <p:nvSpPr>
+          <p:cNvPr id="94" name="사각형: 둥근 모서리 93">
+            <a:extLst>
+              <a:ext uri="{FF2B5EF4-FFF2-40B4-BE49-F238E27FC236}">
+                <a16:creationId xmlns:a16="http://schemas.microsoft.com/office/drawing/2014/main" id="{D8E8861B-93D3-A0B2-7E86-815A3B3D712A}"/>
+              </a:ext>
+            </a:extLst>
+          </p:cNvPr>
+          <p:cNvSpPr/>
+          <p:nvPr/>
+        </p:nvSpPr>
+        <p:spPr>
+          <a:xfrm>
+            <a:off x="3796921" y="3052692"/>
+            <a:ext cx="1312837" cy="336855"/>
           </a:xfrm>
           <a:prstGeom prst="roundRect">
             <a:avLst/>
@@ -7442,19 +9856,19 @@
           <a:p>
             <a:pPr algn="ctr"/>
             <a:r>
-              <a:rPr lang="en-US" altLang="ko-KR" sz="1200" b="1" dirty="0"/>
+              <a:rPr lang="en-US" altLang="ko-KR" sz="1600" b="1" dirty="0"/>
               <a:t>GND</a:t>
             </a:r>
-            <a:endParaRPr lang="ko-KR" altLang="en-US" sz="1200" b="1" dirty="0"/>
-          </a:p>
-        </p:txBody>
-      </p:sp>
-      <p:sp>
-        <p:nvSpPr>
-          <p:cNvPr id="69" name="사각형: 둥근 모서리 68">
-            <a:extLst>
-              <a:ext uri="{FF2B5EF4-FFF2-40B4-BE49-F238E27FC236}">
-                <a16:creationId xmlns:a16="http://schemas.microsoft.com/office/drawing/2014/main" id="{418B20DA-8C7A-B7B7-0EF2-90FB2E68779A}"/>
+            <a:endParaRPr lang="ko-KR" altLang="en-US" sz="1600" b="1" dirty="0"/>
+          </a:p>
+        </p:txBody>
+      </p:sp>
+      <p:sp>
+        <p:nvSpPr>
+          <p:cNvPr id="95" name="사각형: 둥근 모서리 94">
+            <a:extLst>
+              <a:ext uri="{FF2B5EF4-FFF2-40B4-BE49-F238E27FC236}">
+                <a16:creationId xmlns:a16="http://schemas.microsoft.com/office/drawing/2014/main" id="{58A39586-8B6F-B0D4-985D-FE2D447D737C}"/>
               </a:ext>
             </a:extLst>
           </p:cNvPr>
@@ -7463,66 +9877,8 @@
         </p:nvSpPr>
         <p:spPr>
           <a:xfrm>
-            <a:off x="133794" y="4225459"/>
-            <a:ext cx="1101977" cy="336855"/>
-          </a:xfrm>
-          <a:prstGeom prst="roundRect">
-            <a:avLst/>
-          </a:prstGeom>
-          <a:solidFill>
-            <a:schemeClr val="accent6"/>
-          </a:solidFill>
-          <a:ln w="19050">
-            <a:solidFill>
-              <a:schemeClr val="tx1"/>
-            </a:solidFill>
-          </a:ln>
-        </p:spPr>
-        <p:style>
-          <a:lnRef idx="2">
-            <a:schemeClr val="accent1">
-              <a:shade val="50000"/>
-            </a:schemeClr>
-          </a:lnRef>
-          <a:fillRef idx="1">
-            <a:schemeClr val="accent1"/>
-          </a:fillRef>
-          <a:effectRef idx="0">
-            <a:schemeClr val="accent1"/>
-          </a:effectRef>
-          <a:fontRef idx="minor">
-            <a:schemeClr val="lt1"/>
-          </a:fontRef>
-        </p:style>
-        <p:txBody>
-          <a:bodyPr rtlCol="0" anchor="ctr"/>
-          <a:lstStyle/>
-          <a:p>
-            <a:pPr algn="ctr"/>
-            <a:r>
-              <a:rPr lang="en-US" altLang="ko-KR" sz="1100" b="1" dirty="0"/>
-              <a:t>USB_DP</a:t>
-            </a:r>
-            <a:endParaRPr lang="ko-KR" altLang="en-US" sz="1100" b="1" dirty="0"/>
-          </a:p>
-        </p:txBody>
-      </p:sp>
-      <p:sp>
-        <p:nvSpPr>
-          <p:cNvPr id="51" name="사각형: 둥근 모서리 50">
-            <a:extLst>
-              <a:ext uri="{FF2B5EF4-FFF2-40B4-BE49-F238E27FC236}">
-                <a16:creationId xmlns:a16="http://schemas.microsoft.com/office/drawing/2014/main" id="{16EA0C85-95BC-68F1-B4B2-98282A895400}"/>
-              </a:ext>
-            </a:extLst>
-          </p:cNvPr>
-          <p:cNvSpPr/>
-          <p:nvPr/>
-        </p:nvSpPr>
-        <p:spPr>
-          <a:xfrm>
-            <a:off x="134386" y="3218823"/>
-            <a:ext cx="1100793" cy="336855"/>
+            <a:off x="3796920" y="3391912"/>
+            <a:ext cx="1312837" cy="336855"/>
           </a:xfrm>
           <a:prstGeom prst="roundRect">
             <a:avLst/>
@@ -7557,630 +9913,16 @@
           <a:lstStyle/>
           <a:p>
             <a:pPr algn="ctr"/>
-            <a:r>
-              <a:rPr lang="en-US" altLang="ko-KR" sz="1100" b="1" dirty="0"/>
-              <a:t>UART1_TX</a:t>
-            </a:r>
-            <a:endParaRPr lang="ko-KR" altLang="en-US" sz="1100" b="1" dirty="0"/>
-          </a:p>
-        </p:txBody>
-      </p:sp>
-      <p:sp useBgFill="1">
-        <p:nvSpPr>
-          <p:cNvPr id="136" name="사각형: 둥근 모서리 135">
-            <a:extLst>
-              <a:ext uri="{FF2B5EF4-FFF2-40B4-BE49-F238E27FC236}">
-                <a16:creationId xmlns:a16="http://schemas.microsoft.com/office/drawing/2014/main" id="{71AEBE02-6177-A80D-8E64-4EA84FE54F1B}"/>
-              </a:ext>
-            </a:extLst>
-          </p:cNvPr>
-          <p:cNvSpPr/>
-          <p:nvPr/>
-        </p:nvSpPr>
-        <p:spPr>
-          <a:xfrm>
-            <a:off x="5737860" y="5046784"/>
-            <a:ext cx="716280" cy="298939"/>
-          </a:xfrm>
-          <a:prstGeom prst="roundRect">
-            <a:avLst/>
-          </a:prstGeom>
-          <a:ln w="28575">
-            <a:solidFill>
-              <a:schemeClr val="tx1"/>
-            </a:solidFill>
-          </a:ln>
-        </p:spPr>
-        <p:style>
-          <a:lnRef idx="2">
-            <a:schemeClr val="accent1">
-              <a:shade val="50000"/>
-            </a:schemeClr>
-          </a:lnRef>
-          <a:fillRef idx="1">
-            <a:schemeClr val="accent1"/>
-          </a:fillRef>
-          <a:effectRef idx="0">
-            <a:schemeClr val="accent1"/>
-          </a:effectRef>
-          <a:fontRef idx="minor">
-            <a:schemeClr val="lt1"/>
-          </a:fontRef>
-        </p:style>
-        <p:txBody>
-          <a:bodyPr rtlCol="0" anchor="ctr"/>
-          <a:lstStyle/>
-          <a:p>
-            <a:pPr algn="ctr"/>
             <a:endParaRPr lang="ko-KR" altLang="en-US"/>
           </a:p>
         </p:txBody>
       </p:sp>
-      <p:sp useBgFill="1">
-        <p:nvSpPr>
-          <p:cNvPr id="137" name="사각형: 둥근 모서리 136">
-            <a:extLst>
-              <a:ext uri="{FF2B5EF4-FFF2-40B4-BE49-F238E27FC236}">
-                <a16:creationId xmlns:a16="http://schemas.microsoft.com/office/drawing/2014/main" id="{12D03429-FC86-2654-BA5B-EE0D81C4F3D2}"/>
-              </a:ext>
-            </a:extLst>
-          </p:cNvPr>
-          <p:cNvSpPr/>
-          <p:nvPr/>
-        </p:nvSpPr>
-        <p:spPr>
-          <a:xfrm>
-            <a:off x="5737860" y="5345723"/>
-            <a:ext cx="1981786" cy="369277"/>
-          </a:xfrm>
-          <a:prstGeom prst="roundRect">
-            <a:avLst/>
-          </a:prstGeom>
-          <a:ln w="28575">
-            <a:solidFill>
-              <a:schemeClr val="tx1"/>
-            </a:solidFill>
-          </a:ln>
-        </p:spPr>
-        <p:style>
-          <a:lnRef idx="2">
-            <a:schemeClr val="accent1">
-              <a:shade val="50000"/>
-            </a:schemeClr>
-          </a:lnRef>
-          <a:fillRef idx="1">
-            <a:schemeClr val="accent1"/>
-          </a:fillRef>
-          <a:effectRef idx="0">
-            <a:schemeClr val="accent1"/>
-          </a:effectRef>
-          <a:fontRef idx="minor">
-            <a:schemeClr val="lt1"/>
-          </a:fontRef>
-        </p:style>
-        <p:txBody>
-          <a:bodyPr rtlCol="0" anchor="ctr"/>
-          <a:lstStyle/>
-          <a:p>
-            <a:pPr algn="ctr"/>
-            <a:endParaRPr lang="ko-KR" altLang="en-US"/>
-          </a:p>
-        </p:txBody>
-      </p:sp>
-      <p:sp>
-        <p:nvSpPr>
-          <p:cNvPr id="138" name="사각형: 둥근 모서리 137">
-            <a:extLst>
-              <a:ext uri="{FF2B5EF4-FFF2-40B4-BE49-F238E27FC236}">
-                <a16:creationId xmlns:a16="http://schemas.microsoft.com/office/drawing/2014/main" id="{0F567F1D-7DD8-2C9C-FB31-C777F18B44ED}"/>
-              </a:ext>
-            </a:extLst>
-          </p:cNvPr>
-          <p:cNvSpPr/>
-          <p:nvPr/>
-        </p:nvSpPr>
-        <p:spPr>
-          <a:xfrm>
-            <a:off x="1286135" y="2551179"/>
-            <a:ext cx="1089051" cy="336855"/>
-          </a:xfrm>
-          <a:prstGeom prst="roundRect">
-            <a:avLst/>
-          </a:prstGeom>
-          <a:solidFill>
-            <a:srgbClr val="FF0000"/>
-          </a:solidFill>
-          <a:ln w="19050">
-            <a:solidFill>
-              <a:schemeClr val="tx1"/>
-            </a:solidFill>
-          </a:ln>
-        </p:spPr>
-        <p:style>
-          <a:lnRef idx="2">
-            <a:schemeClr val="accent1">
-              <a:shade val="50000"/>
-            </a:schemeClr>
-          </a:lnRef>
-          <a:fillRef idx="1">
-            <a:schemeClr val="accent1"/>
-          </a:fillRef>
-          <a:effectRef idx="0">
-            <a:schemeClr val="accent1"/>
-          </a:effectRef>
-          <a:fontRef idx="minor">
-            <a:schemeClr val="lt1"/>
-          </a:fontRef>
-        </p:style>
-        <p:txBody>
-          <a:bodyPr rtlCol="0" anchor="ctr"/>
-          <a:lstStyle/>
-          <a:p>
-            <a:pPr algn="ctr"/>
-            <a:r>
-              <a:rPr lang="en-US" altLang="ko-KR" sz="1200" b="1" dirty="0"/>
-              <a:t>3V3</a:t>
-            </a:r>
-            <a:endParaRPr lang="ko-KR" altLang="en-US" sz="1200" b="1" dirty="0"/>
-          </a:p>
-        </p:txBody>
-      </p:sp>
-      <p:sp>
-        <p:nvSpPr>
-          <p:cNvPr id="139" name="사각형: 둥근 모서리 138">
-            <a:extLst>
-              <a:ext uri="{FF2B5EF4-FFF2-40B4-BE49-F238E27FC236}">
-                <a16:creationId xmlns:a16="http://schemas.microsoft.com/office/drawing/2014/main" id="{A06DDF36-65E9-40FC-67FA-34380875BEC1}"/>
-              </a:ext>
-            </a:extLst>
-          </p:cNvPr>
-          <p:cNvSpPr/>
-          <p:nvPr/>
-        </p:nvSpPr>
-        <p:spPr>
-          <a:xfrm>
-            <a:off x="1280263" y="2887596"/>
-            <a:ext cx="1100794" cy="336855"/>
-          </a:xfrm>
-          <a:prstGeom prst="roundRect">
-            <a:avLst/>
-          </a:prstGeom>
-          <a:solidFill>
-            <a:srgbClr val="0070C0"/>
-          </a:solidFill>
-          <a:ln w="19050">
-            <a:solidFill>
-              <a:schemeClr val="tx1"/>
-            </a:solidFill>
-          </a:ln>
-        </p:spPr>
-        <p:style>
-          <a:lnRef idx="2">
-            <a:schemeClr val="accent1">
-              <a:shade val="50000"/>
-            </a:schemeClr>
-          </a:lnRef>
-          <a:fillRef idx="1">
-            <a:schemeClr val="accent1"/>
-          </a:fillRef>
-          <a:effectRef idx="0">
-            <a:schemeClr val="accent1"/>
-          </a:effectRef>
-          <a:fontRef idx="minor">
-            <a:schemeClr val="lt1"/>
-          </a:fontRef>
-        </p:style>
-        <p:txBody>
-          <a:bodyPr rtlCol="0" anchor="ctr"/>
-          <a:lstStyle/>
-          <a:p>
-            <a:pPr algn="ctr"/>
-            <a:r>
-              <a:rPr lang="en-US" altLang="ko-KR" sz="1200" b="1" dirty="0"/>
-              <a:t>FACT_RST</a:t>
-            </a:r>
-            <a:endParaRPr lang="ko-KR" altLang="en-US" sz="1200" b="1" dirty="0"/>
-          </a:p>
-        </p:txBody>
-      </p:sp>
-      <p:sp>
-        <p:nvSpPr>
-          <p:cNvPr id="141" name="사각형: 둥근 모서리 140">
-            <a:extLst>
-              <a:ext uri="{FF2B5EF4-FFF2-40B4-BE49-F238E27FC236}">
-                <a16:creationId xmlns:a16="http://schemas.microsoft.com/office/drawing/2014/main" id="{8A2893DC-7C27-96EE-3256-2856437EA659}"/>
-              </a:ext>
-            </a:extLst>
-          </p:cNvPr>
-          <p:cNvSpPr/>
-          <p:nvPr/>
-        </p:nvSpPr>
-        <p:spPr>
-          <a:xfrm>
-            <a:off x="1285904" y="2204216"/>
-            <a:ext cx="1089512" cy="336855"/>
-          </a:xfrm>
-          <a:prstGeom prst="roundRect">
-            <a:avLst/>
-          </a:prstGeom>
-          <a:solidFill>
-            <a:srgbClr val="FF0000"/>
-          </a:solidFill>
-          <a:ln w="19050">
-            <a:solidFill>
-              <a:schemeClr val="tx1"/>
-            </a:solidFill>
-          </a:ln>
-        </p:spPr>
-        <p:style>
-          <a:lnRef idx="2">
-            <a:schemeClr val="accent1">
-              <a:shade val="50000"/>
-            </a:schemeClr>
-          </a:lnRef>
-          <a:fillRef idx="1">
-            <a:schemeClr val="accent1"/>
-          </a:fillRef>
-          <a:effectRef idx="0">
-            <a:schemeClr val="accent1"/>
-          </a:effectRef>
-          <a:fontRef idx="minor">
-            <a:schemeClr val="lt1"/>
-          </a:fontRef>
-        </p:style>
-        <p:txBody>
-          <a:bodyPr rtlCol="0" anchor="ctr"/>
-          <a:lstStyle/>
-          <a:p>
-            <a:pPr algn="ctr"/>
-            <a:r>
-              <a:rPr lang="en-US" altLang="ko-KR" sz="1200" b="1" dirty="0"/>
-              <a:t>3V3</a:t>
-            </a:r>
-            <a:endParaRPr lang="ko-KR" altLang="en-US" sz="1200" b="1" dirty="0"/>
-          </a:p>
-        </p:txBody>
-      </p:sp>
-      <p:sp>
-        <p:nvSpPr>
-          <p:cNvPr id="142" name="사각형: 둥근 모서리 141">
-            <a:extLst>
-              <a:ext uri="{FF2B5EF4-FFF2-40B4-BE49-F238E27FC236}">
-                <a16:creationId xmlns:a16="http://schemas.microsoft.com/office/drawing/2014/main" id="{1DE02862-8864-A8C8-37C9-23F9F080236B}"/>
-              </a:ext>
-            </a:extLst>
-          </p:cNvPr>
-          <p:cNvSpPr/>
-          <p:nvPr/>
-        </p:nvSpPr>
-        <p:spPr>
-          <a:xfrm>
-            <a:off x="1280264" y="3548690"/>
-            <a:ext cx="1100793" cy="336855"/>
-          </a:xfrm>
-          <a:prstGeom prst="roundRect">
-            <a:avLst/>
-          </a:prstGeom>
-          <a:solidFill>
-            <a:srgbClr val="0070C0"/>
-          </a:solidFill>
-          <a:ln w="19050">
-            <a:solidFill>
-              <a:schemeClr val="tx1"/>
-            </a:solidFill>
-          </a:ln>
-        </p:spPr>
-        <p:style>
-          <a:lnRef idx="2">
-            <a:schemeClr val="accent1">
-              <a:shade val="50000"/>
-            </a:schemeClr>
-          </a:lnRef>
-          <a:fillRef idx="1">
-            <a:schemeClr val="accent1"/>
-          </a:fillRef>
-          <a:effectRef idx="0">
-            <a:schemeClr val="accent1"/>
-          </a:effectRef>
-          <a:fontRef idx="minor">
-            <a:schemeClr val="lt1"/>
-          </a:fontRef>
-        </p:style>
-        <p:txBody>
-          <a:bodyPr rtlCol="0" anchor="ctr"/>
-          <a:lstStyle/>
-          <a:p>
-            <a:pPr algn="ctr"/>
-            <a:r>
-              <a:rPr lang="en-US" altLang="ko-KR" sz="1200" b="1" dirty="0"/>
-              <a:t>BOOTSEL</a:t>
-            </a:r>
-            <a:endParaRPr lang="ko-KR" altLang="en-US" sz="1200" b="1" dirty="0"/>
-          </a:p>
-        </p:txBody>
-      </p:sp>
-      <p:sp>
-        <p:nvSpPr>
-          <p:cNvPr id="143" name="사각형: 둥근 모서리 142">
-            <a:extLst>
-              <a:ext uri="{FF2B5EF4-FFF2-40B4-BE49-F238E27FC236}">
-                <a16:creationId xmlns:a16="http://schemas.microsoft.com/office/drawing/2014/main" id="{96CEF87A-FE4E-B8CC-38AA-66F8D1815706}"/>
-              </a:ext>
-            </a:extLst>
-          </p:cNvPr>
-          <p:cNvSpPr/>
-          <p:nvPr/>
-        </p:nvSpPr>
-        <p:spPr>
-          <a:xfrm>
-            <a:off x="1279672" y="3890260"/>
-            <a:ext cx="1101977" cy="336855"/>
-          </a:xfrm>
-          <a:prstGeom prst="roundRect">
-            <a:avLst/>
-          </a:prstGeom>
-          <a:solidFill>
-            <a:schemeClr val="tx1"/>
-          </a:solidFill>
-          <a:ln w="19050">
-            <a:solidFill>
-              <a:schemeClr val="tx1"/>
-            </a:solidFill>
-          </a:ln>
-        </p:spPr>
-        <p:style>
-          <a:lnRef idx="2">
-            <a:schemeClr val="accent1">
-              <a:shade val="50000"/>
-            </a:schemeClr>
-          </a:lnRef>
-          <a:fillRef idx="1">
-            <a:schemeClr val="accent1"/>
-          </a:fillRef>
-          <a:effectRef idx="0">
-            <a:schemeClr val="accent1"/>
-          </a:effectRef>
-          <a:fontRef idx="minor">
-            <a:schemeClr val="lt1"/>
-          </a:fontRef>
-        </p:style>
-        <p:txBody>
-          <a:bodyPr rtlCol="0" anchor="ctr"/>
-          <a:lstStyle/>
-          <a:p>
-            <a:pPr algn="ctr"/>
-            <a:r>
-              <a:rPr lang="en-US" altLang="ko-KR" sz="1200" b="1" dirty="0"/>
-              <a:t>GND</a:t>
-            </a:r>
-            <a:endParaRPr lang="ko-KR" altLang="en-US" sz="1200" b="1" dirty="0"/>
-          </a:p>
-        </p:txBody>
-      </p:sp>
-      <p:sp>
-        <p:nvSpPr>
-          <p:cNvPr id="145" name="사각형: 둥근 모서리 144">
-            <a:extLst>
-              <a:ext uri="{FF2B5EF4-FFF2-40B4-BE49-F238E27FC236}">
-                <a16:creationId xmlns:a16="http://schemas.microsoft.com/office/drawing/2014/main" id="{E340FBD3-DE03-6A98-FDCB-39D1B4AC0D01}"/>
-              </a:ext>
-            </a:extLst>
-          </p:cNvPr>
-          <p:cNvSpPr/>
-          <p:nvPr/>
-        </p:nvSpPr>
-        <p:spPr>
-          <a:xfrm>
-            <a:off x="1279672" y="4223741"/>
-            <a:ext cx="1101977" cy="336855"/>
-          </a:xfrm>
-          <a:prstGeom prst="roundRect">
-            <a:avLst/>
-          </a:prstGeom>
-          <a:solidFill>
-            <a:schemeClr val="accent6"/>
-          </a:solidFill>
-          <a:ln w="19050">
-            <a:solidFill>
-              <a:schemeClr val="tx1"/>
-            </a:solidFill>
-          </a:ln>
-        </p:spPr>
-        <p:style>
-          <a:lnRef idx="2">
-            <a:schemeClr val="accent1">
-              <a:shade val="50000"/>
-            </a:schemeClr>
-          </a:lnRef>
-          <a:fillRef idx="1">
-            <a:schemeClr val="accent1"/>
-          </a:fillRef>
-          <a:effectRef idx="0">
-            <a:schemeClr val="accent1"/>
-          </a:effectRef>
-          <a:fontRef idx="minor">
-            <a:schemeClr val="lt1"/>
-          </a:fontRef>
-        </p:style>
-        <p:txBody>
-          <a:bodyPr rtlCol="0" anchor="ctr"/>
-          <a:lstStyle/>
-          <a:p>
-            <a:pPr algn="ctr"/>
-            <a:r>
-              <a:rPr lang="en-US" altLang="ko-KR" sz="1100" b="1" dirty="0"/>
-              <a:t>USB_DM</a:t>
-            </a:r>
-            <a:endParaRPr lang="ko-KR" altLang="en-US" sz="1100" b="1" dirty="0"/>
-          </a:p>
-        </p:txBody>
-      </p:sp>
-      <p:sp>
-        <p:nvSpPr>
-          <p:cNvPr id="146" name="사각형: 둥근 모서리 145">
-            <a:extLst>
-              <a:ext uri="{FF2B5EF4-FFF2-40B4-BE49-F238E27FC236}">
-                <a16:creationId xmlns:a16="http://schemas.microsoft.com/office/drawing/2014/main" id="{7B3D7025-822A-3E2A-726B-DAECA30F5631}"/>
-              </a:ext>
-            </a:extLst>
-          </p:cNvPr>
-          <p:cNvSpPr/>
-          <p:nvPr/>
-        </p:nvSpPr>
-        <p:spPr>
-          <a:xfrm>
-            <a:off x="1280264" y="3218010"/>
-            <a:ext cx="1100793" cy="336855"/>
-          </a:xfrm>
-          <a:prstGeom prst="roundRect">
-            <a:avLst/>
-          </a:prstGeom>
-          <a:solidFill>
-            <a:srgbClr val="0070C0"/>
-          </a:solidFill>
-          <a:ln w="19050">
-            <a:solidFill>
-              <a:schemeClr val="tx1"/>
-            </a:solidFill>
-          </a:ln>
-        </p:spPr>
-        <p:style>
-          <a:lnRef idx="2">
-            <a:schemeClr val="accent1">
-              <a:shade val="50000"/>
-            </a:schemeClr>
-          </a:lnRef>
-          <a:fillRef idx="1">
-            <a:schemeClr val="accent1"/>
-          </a:fillRef>
-          <a:effectRef idx="0">
-            <a:schemeClr val="accent1"/>
-          </a:effectRef>
-          <a:fontRef idx="minor">
-            <a:schemeClr val="lt1"/>
-          </a:fontRef>
-        </p:style>
-        <p:txBody>
-          <a:bodyPr rtlCol="0" anchor="ctr"/>
-          <a:lstStyle/>
-          <a:p>
-            <a:pPr algn="ctr"/>
-            <a:r>
-              <a:rPr lang="en-US" altLang="ko-KR" sz="1100" b="1" dirty="0"/>
-              <a:t>HW_TRIG</a:t>
-            </a:r>
-            <a:endParaRPr lang="ko-KR" altLang="en-US" sz="1100" b="1" dirty="0"/>
-          </a:p>
-        </p:txBody>
-      </p:sp>
-      <p:cxnSp>
-        <p:nvCxnSpPr>
-          <p:cNvPr id="148" name="직선 화살표 연결선 147">
-            <a:extLst>
-              <a:ext uri="{FF2B5EF4-FFF2-40B4-BE49-F238E27FC236}">
-                <a16:creationId xmlns:a16="http://schemas.microsoft.com/office/drawing/2014/main" id="{AAEB7056-3958-4AC2-D75E-E4587DA81646}"/>
-              </a:ext>
-            </a:extLst>
-          </p:cNvPr>
-          <p:cNvCxnSpPr>
-            <a:cxnSpLocks/>
-          </p:cNvCxnSpPr>
-          <p:nvPr/>
-        </p:nvCxnSpPr>
-        <p:spPr>
-          <a:xfrm>
-            <a:off x="2445906" y="3310295"/>
-            <a:ext cx="243954" cy="0"/>
-          </a:xfrm>
-          <a:prstGeom prst="straightConnector1">
-            <a:avLst/>
-          </a:prstGeom>
-          <a:ln w="28575">
-            <a:solidFill>
-              <a:schemeClr val="tx1"/>
-            </a:solidFill>
-            <a:tailEnd type="triangle"/>
-          </a:ln>
-        </p:spPr>
-        <p:style>
-          <a:lnRef idx="1">
-            <a:schemeClr val="accent1"/>
-          </a:lnRef>
-          <a:fillRef idx="0">
-            <a:schemeClr val="accent1"/>
-          </a:fillRef>
-          <a:effectRef idx="0">
-            <a:schemeClr val="accent1"/>
-          </a:effectRef>
-          <a:fontRef idx="minor">
-            <a:schemeClr val="tx1"/>
-          </a:fontRef>
-        </p:style>
-      </p:cxnSp>
-      <p:sp>
-        <p:nvSpPr>
-          <p:cNvPr id="157" name="사각형: 둥근 모서리 156">
-            <a:extLst>
-              <a:ext uri="{FF2B5EF4-FFF2-40B4-BE49-F238E27FC236}">
-                <a16:creationId xmlns:a16="http://schemas.microsoft.com/office/drawing/2014/main" id="{0CD571EE-C8B9-EFD8-4BAF-D4716ED4656A}"/>
-              </a:ext>
-            </a:extLst>
-          </p:cNvPr>
-          <p:cNvSpPr/>
-          <p:nvPr/>
-        </p:nvSpPr>
-        <p:spPr>
-          <a:xfrm>
-            <a:off x="7125903" y="3809614"/>
-            <a:ext cx="1584960" cy="1161133"/>
-          </a:xfrm>
-          <a:prstGeom prst="roundRect">
-            <a:avLst/>
-          </a:prstGeom>
-          <a:solidFill>
-            <a:schemeClr val="bg1">
-              <a:lumMod val="85000"/>
-              <a:alpha val="63000"/>
-            </a:schemeClr>
-          </a:solidFill>
-          <a:ln w="19050">
-            <a:solidFill>
-              <a:schemeClr val="tx1"/>
-            </a:solidFill>
-            <a:prstDash val="sysDash"/>
-          </a:ln>
-        </p:spPr>
-        <p:style>
-          <a:lnRef idx="2">
-            <a:schemeClr val="accent1">
-              <a:shade val="50000"/>
-            </a:schemeClr>
-          </a:lnRef>
-          <a:fillRef idx="1">
-            <a:schemeClr val="accent1"/>
-          </a:fillRef>
-          <a:effectRef idx="0">
-            <a:schemeClr val="accent1"/>
-          </a:effectRef>
-          <a:fontRef idx="minor">
-            <a:schemeClr val="lt1"/>
-          </a:fontRef>
-        </p:style>
-        <p:txBody>
-          <a:bodyPr rtlCol="0" anchor="ctr"/>
-          <a:lstStyle/>
-          <a:p>
-            <a:pPr algn="ctr"/>
-            <a:endParaRPr lang="ko-KR" altLang="en-US" dirty="0"/>
-          </a:p>
-        </p:txBody>
-      </p:sp>
-      <p:sp>
-        <p:nvSpPr>
-          <p:cNvPr id="158" name="TextBox 157">
-            <a:extLst>
-              <a:ext uri="{FF2B5EF4-FFF2-40B4-BE49-F238E27FC236}">
-                <a16:creationId xmlns:a16="http://schemas.microsoft.com/office/drawing/2014/main" id="{D0D72763-3A69-E353-D287-05D721F125E4}"/>
+      <p:sp>
+        <p:nvSpPr>
+          <p:cNvPr id="96" name="TextBox 95">
+            <a:extLst>
+              <a:ext uri="{FF2B5EF4-FFF2-40B4-BE49-F238E27FC236}">
+                <a16:creationId xmlns:a16="http://schemas.microsoft.com/office/drawing/2014/main" id="{46B87111-6C9B-A7B3-FF78-BC307E78420F}"/>
               </a:ext>
             </a:extLst>
           </p:cNvPr>
@@ -8189,1007 +9931,8 @@
         </p:nvSpPr>
         <p:spPr>
           <a:xfrm>
-            <a:off x="7733031" y="3804287"/>
-            <a:ext cx="419063" cy="369204"/>
-          </a:xfrm>
-          <a:prstGeom prst="rect">
-            <a:avLst/>
-          </a:prstGeom>
-          <a:noFill/>
-        </p:spPr>
-        <p:txBody>
-          <a:bodyPr wrap="square" rtlCol="0">
-            <a:spAutoFit/>
-          </a:bodyPr>
-          <a:lstStyle/>
-          <a:p>
-            <a:r>
-              <a:rPr lang="en-US" altLang="ko-KR" b="1" dirty="0"/>
-              <a:t>J3</a:t>
-            </a:r>
-          </a:p>
-        </p:txBody>
-      </p:sp>
-      <p:sp>
-        <p:nvSpPr>
-          <p:cNvPr id="159" name="사각형: 둥근 모서리 158">
-            <a:extLst>
-              <a:ext uri="{FF2B5EF4-FFF2-40B4-BE49-F238E27FC236}">
-                <a16:creationId xmlns:a16="http://schemas.microsoft.com/office/drawing/2014/main" id="{17222C05-175C-6635-AEC8-E0CCA2CE6F16}"/>
-              </a:ext>
-            </a:extLst>
-          </p:cNvPr>
-          <p:cNvSpPr/>
-          <p:nvPr/>
-        </p:nvSpPr>
-        <p:spPr>
-          <a:xfrm>
-            <a:off x="7254400" y="4474716"/>
-            <a:ext cx="1312837" cy="336855"/>
-          </a:xfrm>
-          <a:prstGeom prst="roundRect">
-            <a:avLst/>
-          </a:prstGeom>
-          <a:solidFill>
-            <a:schemeClr val="tx1"/>
-          </a:solidFill>
-          <a:ln w="19050">
-            <a:solidFill>
-              <a:schemeClr val="tx1"/>
-            </a:solidFill>
-          </a:ln>
-        </p:spPr>
-        <p:style>
-          <a:lnRef idx="2">
-            <a:schemeClr val="accent1">
-              <a:shade val="50000"/>
-            </a:schemeClr>
-          </a:lnRef>
-          <a:fillRef idx="1">
-            <a:schemeClr val="accent1"/>
-          </a:fillRef>
-          <a:effectRef idx="0">
-            <a:schemeClr val="accent1"/>
-          </a:effectRef>
-          <a:fontRef idx="minor">
-            <a:schemeClr val="lt1"/>
-          </a:fontRef>
-        </p:style>
-        <p:txBody>
-          <a:bodyPr rtlCol="0" anchor="ctr"/>
-          <a:lstStyle/>
-          <a:p>
-            <a:pPr algn="ctr"/>
-            <a:r>
-              <a:rPr lang="en-US" altLang="ko-KR" sz="1600" b="1" dirty="0"/>
-              <a:t>GND</a:t>
-            </a:r>
-            <a:endParaRPr lang="ko-KR" altLang="en-US" sz="1600" b="1" dirty="0"/>
-          </a:p>
-        </p:txBody>
-      </p:sp>
-      <p:sp>
-        <p:nvSpPr>
-          <p:cNvPr id="162" name="사각형: 둥근 모서리 161">
-            <a:extLst>
-              <a:ext uri="{FF2B5EF4-FFF2-40B4-BE49-F238E27FC236}">
-                <a16:creationId xmlns:a16="http://schemas.microsoft.com/office/drawing/2014/main" id="{8D432BBD-72B0-73EF-EBB3-341B40E0C0CB}"/>
-              </a:ext>
-            </a:extLst>
-          </p:cNvPr>
-          <p:cNvSpPr/>
-          <p:nvPr/>
-        </p:nvSpPr>
-        <p:spPr>
-          <a:xfrm>
-            <a:off x="7261968" y="4133973"/>
-            <a:ext cx="1312837" cy="336855"/>
-          </a:xfrm>
-          <a:prstGeom prst="roundRect">
-            <a:avLst/>
-          </a:prstGeom>
-          <a:solidFill>
-            <a:srgbClr val="0070C0"/>
-          </a:solidFill>
-          <a:ln w="19050">
-            <a:solidFill>
-              <a:schemeClr val="tx1"/>
-            </a:solidFill>
-          </a:ln>
-        </p:spPr>
-        <p:style>
-          <a:lnRef idx="2">
-            <a:schemeClr val="accent1">
-              <a:shade val="50000"/>
-            </a:schemeClr>
-          </a:lnRef>
-          <a:fillRef idx="1">
-            <a:schemeClr val="accent1"/>
-          </a:fillRef>
-          <a:effectRef idx="0">
-            <a:schemeClr val="accent1"/>
-          </a:effectRef>
-          <a:fontRef idx="minor">
-            <a:schemeClr val="lt1"/>
-          </a:fontRef>
-        </p:style>
-        <p:txBody>
-          <a:bodyPr rtlCol="0" anchor="ctr"/>
-          <a:lstStyle/>
-          <a:p>
-            <a:pPr algn="ctr"/>
-            <a:r>
-              <a:rPr lang="en-US" altLang="ko-KR" sz="1400" b="1" dirty="0"/>
-              <a:t>BOOTMODE</a:t>
-            </a:r>
-            <a:endParaRPr lang="ko-KR" altLang="en-US" b="1" dirty="0"/>
-          </a:p>
-        </p:txBody>
-      </p:sp>
-      <p:sp>
-        <p:nvSpPr>
-          <p:cNvPr id="164" name="타원 163">
-            <a:extLst>
-              <a:ext uri="{FF2B5EF4-FFF2-40B4-BE49-F238E27FC236}">
-                <a16:creationId xmlns:a16="http://schemas.microsoft.com/office/drawing/2014/main" id="{F52E7FB7-219B-2694-C2E3-9AF156C4DFC6}"/>
-              </a:ext>
-            </a:extLst>
-          </p:cNvPr>
-          <p:cNvSpPr/>
-          <p:nvPr/>
-        </p:nvSpPr>
-        <p:spPr>
-          <a:xfrm>
-            <a:off x="5892189" y="5170146"/>
-            <a:ext cx="139403" cy="136480"/>
-          </a:xfrm>
-          <a:prstGeom prst="ellipse">
-            <a:avLst/>
-          </a:prstGeom>
-          <a:solidFill>
-            <a:srgbClr val="0070C0"/>
-          </a:solidFill>
-          <a:ln>
-            <a:solidFill>
-              <a:srgbClr val="0070C0"/>
-            </a:solidFill>
-          </a:ln>
-        </p:spPr>
-        <p:style>
-          <a:lnRef idx="2">
-            <a:schemeClr val="accent1">
-              <a:shade val="50000"/>
-            </a:schemeClr>
-          </a:lnRef>
-          <a:fillRef idx="1">
-            <a:schemeClr val="accent1"/>
-          </a:fillRef>
-          <a:effectRef idx="0">
-            <a:schemeClr val="accent1"/>
-          </a:effectRef>
-          <a:fontRef idx="minor">
-            <a:schemeClr val="lt1"/>
-          </a:fontRef>
-        </p:style>
-        <p:txBody>
-          <a:bodyPr rtlCol="0" anchor="ctr"/>
-          <a:lstStyle/>
-          <a:p>
-            <a:pPr algn="ctr"/>
-            <a:endParaRPr lang="ko-KR" altLang="en-US"/>
-          </a:p>
-        </p:txBody>
-      </p:sp>
-      <p:sp>
-        <p:nvSpPr>
-          <p:cNvPr id="165" name="타원 164">
-            <a:extLst>
-              <a:ext uri="{FF2B5EF4-FFF2-40B4-BE49-F238E27FC236}">
-                <a16:creationId xmlns:a16="http://schemas.microsoft.com/office/drawing/2014/main" id="{EED810D7-C99C-EB36-98E8-5FF864C7E5F4}"/>
-              </a:ext>
-            </a:extLst>
-          </p:cNvPr>
-          <p:cNvSpPr/>
-          <p:nvPr/>
-        </p:nvSpPr>
-        <p:spPr>
-          <a:xfrm>
-            <a:off x="6196343" y="5170146"/>
-            <a:ext cx="139403" cy="136480"/>
-          </a:xfrm>
-          <a:prstGeom prst="ellipse">
-            <a:avLst/>
-          </a:prstGeom>
-          <a:solidFill>
-            <a:schemeClr val="tx1"/>
-          </a:solidFill>
-          <a:ln>
-            <a:solidFill>
-              <a:schemeClr val="tx1"/>
-            </a:solidFill>
-          </a:ln>
-        </p:spPr>
-        <p:style>
-          <a:lnRef idx="2">
-            <a:schemeClr val="accent1">
-              <a:shade val="50000"/>
-            </a:schemeClr>
-          </a:lnRef>
-          <a:fillRef idx="1">
-            <a:schemeClr val="accent1"/>
-          </a:fillRef>
-          <a:effectRef idx="0">
-            <a:schemeClr val="accent1"/>
-          </a:effectRef>
-          <a:fontRef idx="minor">
-            <a:schemeClr val="lt1"/>
-          </a:fontRef>
-        </p:style>
-        <p:txBody>
-          <a:bodyPr rtlCol="0" anchor="ctr"/>
-          <a:lstStyle/>
-          <a:p>
-            <a:pPr algn="ctr"/>
-            <a:endParaRPr lang="ko-KR" altLang="en-US"/>
-          </a:p>
-        </p:txBody>
-      </p:sp>
-      <p:sp>
-        <p:nvSpPr>
-          <p:cNvPr id="172" name="타원 171">
-            <a:extLst>
-              <a:ext uri="{FF2B5EF4-FFF2-40B4-BE49-F238E27FC236}">
-                <a16:creationId xmlns:a16="http://schemas.microsoft.com/office/drawing/2014/main" id="{F3ADFFB8-4127-E664-D2FA-8C8A29863EF5}"/>
-              </a:ext>
-            </a:extLst>
-          </p:cNvPr>
-          <p:cNvSpPr/>
-          <p:nvPr/>
-        </p:nvSpPr>
-        <p:spPr>
-          <a:xfrm>
-            <a:off x="5892189" y="5484146"/>
-            <a:ext cx="139403" cy="136480"/>
-          </a:xfrm>
-          <a:prstGeom prst="ellipse">
-            <a:avLst/>
-          </a:prstGeom>
-          <a:solidFill>
-            <a:srgbClr val="FF0000"/>
-          </a:solidFill>
-          <a:ln>
-            <a:noFill/>
-          </a:ln>
-        </p:spPr>
-        <p:style>
-          <a:lnRef idx="2">
-            <a:schemeClr val="accent1">
-              <a:shade val="50000"/>
-            </a:schemeClr>
-          </a:lnRef>
-          <a:fillRef idx="1">
-            <a:schemeClr val="accent1"/>
-          </a:fillRef>
-          <a:effectRef idx="0">
-            <a:schemeClr val="accent1"/>
-          </a:effectRef>
-          <a:fontRef idx="minor">
-            <a:schemeClr val="lt1"/>
-          </a:fontRef>
-        </p:style>
-        <p:txBody>
-          <a:bodyPr rtlCol="0" anchor="ctr"/>
-          <a:lstStyle/>
-          <a:p>
-            <a:pPr algn="ctr"/>
-            <a:endParaRPr lang="ko-KR" altLang="en-US"/>
-          </a:p>
-        </p:txBody>
-      </p:sp>
-      <p:sp>
-        <p:nvSpPr>
-          <p:cNvPr id="173" name="타원 172">
-            <a:extLst>
-              <a:ext uri="{FF2B5EF4-FFF2-40B4-BE49-F238E27FC236}">
-                <a16:creationId xmlns:a16="http://schemas.microsoft.com/office/drawing/2014/main" id="{98FCB7F2-026F-5573-804B-165414B8757B}"/>
-              </a:ext>
-            </a:extLst>
-          </p:cNvPr>
-          <p:cNvSpPr/>
-          <p:nvPr/>
-        </p:nvSpPr>
-        <p:spPr>
-          <a:xfrm>
-            <a:off x="6196343" y="5484146"/>
-            <a:ext cx="139403" cy="136480"/>
-          </a:xfrm>
-          <a:prstGeom prst="ellipse">
-            <a:avLst/>
-          </a:prstGeom>
-          <a:solidFill>
-            <a:srgbClr val="7030A0"/>
-          </a:solidFill>
-          <a:ln>
-            <a:noFill/>
-          </a:ln>
-        </p:spPr>
-        <p:style>
-          <a:lnRef idx="2">
-            <a:schemeClr val="accent1">
-              <a:shade val="50000"/>
-            </a:schemeClr>
-          </a:lnRef>
-          <a:fillRef idx="1">
-            <a:schemeClr val="accent1"/>
-          </a:fillRef>
-          <a:effectRef idx="0">
-            <a:schemeClr val="accent1"/>
-          </a:effectRef>
-          <a:fontRef idx="minor">
-            <a:schemeClr val="lt1"/>
-          </a:fontRef>
-        </p:style>
-        <p:txBody>
-          <a:bodyPr rtlCol="0" anchor="ctr"/>
-          <a:lstStyle/>
-          <a:p>
-            <a:pPr algn="ctr"/>
-            <a:endParaRPr lang="ko-KR" altLang="en-US"/>
-          </a:p>
-        </p:txBody>
-      </p:sp>
-      <p:sp>
-        <p:nvSpPr>
-          <p:cNvPr id="174" name="타원 173">
-            <a:extLst>
-              <a:ext uri="{FF2B5EF4-FFF2-40B4-BE49-F238E27FC236}">
-                <a16:creationId xmlns:a16="http://schemas.microsoft.com/office/drawing/2014/main" id="{9EE5588E-2B8C-3E3E-C758-3CF5A6CA3B9A}"/>
-              </a:ext>
-            </a:extLst>
-          </p:cNvPr>
-          <p:cNvSpPr/>
-          <p:nvPr/>
-        </p:nvSpPr>
-        <p:spPr>
-          <a:xfrm>
-            <a:off x="6501763" y="5484146"/>
-            <a:ext cx="139403" cy="136480"/>
-          </a:xfrm>
-          <a:prstGeom prst="ellipse">
-            <a:avLst/>
-          </a:prstGeom>
-          <a:solidFill>
-            <a:srgbClr val="7030A0"/>
-          </a:solidFill>
-          <a:ln>
-            <a:noFill/>
-          </a:ln>
-        </p:spPr>
-        <p:style>
-          <a:lnRef idx="2">
-            <a:schemeClr val="accent1">
-              <a:shade val="50000"/>
-            </a:schemeClr>
-          </a:lnRef>
-          <a:fillRef idx="1">
-            <a:schemeClr val="accent1"/>
-          </a:fillRef>
-          <a:effectRef idx="0">
-            <a:schemeClr val="accent1"/>
-          </a:effectRef>
-          <a:fontRef idx="minor">
-            <a:schemeClr val="lt1"/>
-          </a:fontRef>
-        </p:style>
-        <p:txBody>
-          <a:bodyPr rtlCol="0" anchor="ctr"/>
-          <a:lstStyle/>
-          <a:p>
-            <a:pPr algn="ctr"/>
-            <a:endParaRPr lang="ko-KR" altLang="en-US"/>
-          </a:p>
-        </p:txBody>
-      </p:sp>
-      <p:sp>
-        <p:nvSpPr>
-          <p:cNvPr id="175" name="타원 174">
-            <a:extLst>
-              <a:ext uri="{FF2B5EF4-FFF2-40B4-BE49-F238E27FC236}">
-                <a16:creationId xmlns:a16="http://schemas.microsoft.com/office/drawing/2014/main" id="{12108E43-6A75-D6A2-0B58-88F12CDBEF52}"/>
-              </a:ext>
-            </a:extLst>
-          </p:cNvPr>
-          <p:cNvSpPr/>
-          <p:nvPr/>
-        </p:nvSpPr>
-        <p:spPr>
-          <a:xfrm>
-            <a:off x="6805917" y="5484146"/>
-            <a:ext cx="139403" cy="136480"/>
-          </a:xfrm>
-          <a:prstGeom prst="ellipse">
-            <a:avLst/>
-          </a:prstGeom>
-          <a:solidFill>
-            <a:srgbClr val="7030A0"/>
-          </a:solidFill>
-          <a:ln>
-            <a:noFill/>
-          </a:ln>
-        </p:spPr>
-        <p:style>
-          <a:lnRef idx="2">
-            <a:schemeClr val="accent1">
-              <a:shade val="50000"/>
-            </a:schemeClr>
-          </a:lnRef>
-          <a:fillRef idx="1">
-            <a:schemeClr val="accent1"/>
-          </a:fillRef>
-          <a:effectRef idx="0">
-            <a:schemeClr val="accent1"/>
-          </a:effectRef>
-          <a:fontRef idx="minor">
-            <a:schemeClr val="lt1"/>
-          </a:fontRef>
-        </p:style>
-        <p:txBody>
-          <a:bodyPr rtlCol="0" anchor="ctr"/>
-          <a:lstStyle/>
-          <a:p>
-            <a:pPr algn="ctr"/>
-            <a:endParaRPr lang="ko-KR" altLang="en-US"/>
-          </a:p>
-        </p:txBody>
-      </p:sp>
-      <p:sp>
-        <p:nvSpPr>
-          <p:cNvPr id="176" name="타원 175">
-            <a:extLst>
-              <a:ext uri="{FF2B5EF4-FFF2-40B4-BE49-F238E27FC236}">
-                <a16:creationId xmlns:a16="http://schemas.microsoft.com/office/drawing/2014/main" id="{975DFC9B-2AF2-0D85-9631-88C25DF0387A}"/>
-              </a:ext>
-            </a:extLst>
-          </p:cNvPr>
-          <p:cNvSpPr/>
-          <p:nvPr/>
-        </p:nvSpPr>
-        <p:spPr>
-          <a:xfrm>
-            <a:off x="7099649" y="5484146"/>
-            <a:ext cx="139403" cy="136480"/>
-          </a:xfrm>
-          <a:prstGeom prst="ellipse">
-            <a:avLst/>
-          </a:prstGeom>
-          <a:solidFill>
-            <a:srgbClr val="7030A0"/>
-          </a:solidFill>
-          <a:ln>
-            <a:noFill/>
-          </a:ln>
-        </p:spPr>
-        <p:style>
-          <a:lnRef idx="2">
-            <a:schemeClr val="accent1">
-              <a:shade val="50000"/>
-            </a:schemeClr>
-          </a:lnRef>
-          <a:fillRef idx="1">
-            <a:schemeClr val="accent1"/>
-          </a:fillRef>
-          <a:effectRef idx="0">
-            <a:schemeClr val="accent1"/>
-          </a:effectRef>
-          <a:fontRef idx="minor">
-            <a:schemeClr val="lt1"/>
-          </a:fontRef>
-        </p:style>
-        <p:txBody>
-          <a:bodyPr rtlCol="0" anchor="ctr"/>
-          <a:lstStyle/>
-          <a:p>
-            <a:pPr algn="ctr"/>
-            <a:endParaRPr lang="ko-KR" altLang="en-US"/>
-          </a:p>
-        </p:txBody>
-      </p:sp>
-      <p:sp>
-        <p:nvSpPr>
-          <p:cNvPr id="177" name="타원 176">
-            <a:extLst>
-              <a:ext uri="{FF2B5EF4-FFF2-40B4-BE49-F238E27FC236}">
-                <a16:creationId xmlns:a16="http://schemas.microsoft.com/office/drawing/2014/main" id="{2BD102BB-5EB5-8D35-6D14-D79ECECC5D36}"/>
-              </a:ext>
-            </a:extLst>
-          </p:cNvPr>
-          <p:cNvSpPr/>
-          <p:nvPr/>
-        </p:nvSpPr>
-        <p:spPr>
-          <a:xfrm>
-            <a:off x="7403803" y="5484146"/>
-            <a:ext cx="139403" cy="136480"/>
-          </a:xfrm>
-          <a:prstGeom prst="ellipse">
-            <a:avLst/>
-          </a:prstGeom>
-          <a:solidFill>
-            <a:schemeClr val="tx1"/>
-          </a:solidFill>
-          <a:ln>
-            <a:noFill/>
-          </a:ln>
-        </p:spPr>
-        <p:style>
-          <a:lnRef idx="2">
-            <a:schemeClr val="accent1">
-              <a:shade val="50000"/>
-            </a:schemeClr>
-          </a:lnRef>
-          <a:fillRef idx="1">
-            <a:schemeClr val="accent1"/>
-          </a:fillRef>
-          <a:effectRef idx="0">
-            <a:schemeClr val="accent1"/>
-          </a:effectRef>
-          <a:fontRef idx="minor">
-            <a:schemeClr val="lt1"/>
-          </a:fontRef>
-        </p:style>
-        <p:txBody>
-          <a:bodyPr rtlCol="0" anchor="ctr"/>
-          <a:lstStyle/>
-          <a:p>
-            <a:pPr algn="ctr"/>
-            <a:endParaRPr lang="ko-KR" altLang="en-US"/>
-          </a:p>
-        </p:txBody>
-      </p:sp>
-      <p:cxnSp>
-        <p:nvCxnSpPr>
-          <p:cNvPr id="178" name="연결선: 꺾임 177">
-            <a:extLst>
-              <a:ext uri="{FF2B5EF4-FFF2-40B4-BE49-F238E27FC236}">
-                <a16:creationId xmlns:a16="http://schemas.microsoft.com/office/drawing/2014/main" id="{5E0C0CED-6C45-AA4E-A2BA-5FBFF3839BBD}"/>
-              </a:ext>
-            </a:extLst>
-          </p:cNvPr>
-          <p:cNvCxnSpPr>
-            <a:cxnSpLocks/>
-            <a:stCxn id="159" idx="1"/>
-            <a:endCxn id="165" idx="6"/>
-          </p:cNvCxnSpPr>
-          <p:nvPr/>
-        </p:nvCxnSpPr>
-        <p:spPr>
-          <a:xfrm rot="10800000" flipV="1">
-            <a:off x="6335746" y="4643144"/>
-            <a:ext cx="918654" cy="595242"/>
-          </a:xfrm>
-          <a:prstGeom prst="bentConnector3">
-            <a:avLst>
-              <a:gd name="adj1" fmla="val 107026"/>
-            </a:avLst>
-          </a:prstGeom>
-          <a:ln w="28575">
-            <a:solidFill>
-              <a:schemeClr val="tx1"/>
-            </a:solidFill>
-          </a:ln>
-        </p:spPr>
-        <p:style>
-          <a:lnRef idx="1">
-            <a:schemeClr val="accent1"/>
-          </a:lnRef>
-          <a:fillRef idx="0">
-            <a:schemeClr val="accent1"/>
-          </a:fillRef>
-          <a:effectRef idx="0">
-            <a:schemeClr val="accent1"/>
-          </a:effectRef>
-          <a:fontRef idx="minor">
-            <a:schemeClr val="tx1"/>
-          </a:fontRef>
-        </p:style>
-      </p:cxnSp>
-      <p:cxnSp>
-        <p:nvCxnSpPr>
-          <p:cNvPr id="179" name="연결선: 꺾임 178">
-            <a:extLst>
-              <a:ext uri="{FF2B5EF4-FFF2-40B4-BE49-F238E27FC236}">
-                <a16:creationId xmlns:a16="http://schemas.microsoft.com/office/drawing/2014/main" id="{DD32669A-9DDF-875C-B0D7-563E0E4FF52E}"/>
-              </a:ext>
-            </a:extLst>
-          </p:cNvPr>
-          <p:cNvCxnSpPr>
-            <a:cxnSpLocks/>
-            <a:stCxn id="162" idx="1"/>
-            <a:endCxn id="164" idx="0"/>
-          </p:cNvCxnSpPr>
-          <p:nvPr/>
-        </p:nvCxnSpPr>
-        <p:spPr>
-          <a:xfrm rot="10800000" flipV="1">
-            <a:off x="5961892" y="4302400"/>
-            <a:ext cx="1300077" cy="867745"/>
-          </a:xfrm>
-          <a:prstGeom prst="bentConnector2">
-            <a:avLst/>
-          </a:prstGeom>
-          <a:ln w="28575">
-            <a:solidFill>
-              <a:srgbClr val="0070C0"/>
-            </a:solidFill>
-          </a:ln>
-        </p:spPr>
-        <p:style>
-          <a:lnRef idx="1">
-            <a:schemeClr val="accent1"/>
-          </a:lnRef>
-          <a:fillRef idx="0">
-            <a:schemeClr val="accent1"/>
-          </a:fillRef>
-          <a:effectRef idx="0">
-            <a:schemeClr val="accent1"/>
-          </a:effectRef>
-          <a:fontRef idx="minor">
-            <a:schemeClr val="tx1"/>
-          </a:fontRef>
-        </p:style>
-      </p:cxnSp>
-      <p:sp>
-        <p:nvSpPr>
-          <p:cNvPr id="180" name="사각형: 둥근 모서리 179">
-            <a:extLst>
-              <a:ext uri="{FF2B5EF4-FFF2-40B4-BE49-F238E27FC236}">
-                <a16:creationId xmlns:a16="http://schemas.microsoft.com/office/drawing/2014/main" id="{002E8CF4-FE10-A27C-048F-5C03C4574DAA}"/>
-              </a:ext>
-            </a:extLst>
-          </p:cNvPr>
-          <p:cNvSpPr/>
-          <p:nvPr/>
-        </p:nvSpPr>
-        <p:spPr>
-          <a:xfrm>
-            <a:off x="3637239" y="4172821"/>
-            <a:ext cx="1575570" cy="2513567"/>
-          </a:xfrm>
-          <a:prstGeom prst="roundRect">
-            <a:avLst/>
-          </a:prstGeom>
-          <a:solidFill>
-            <a:schemeClr val="bg1">
-              <a:lumMod val="85000"/>
-              <a:alpha val="63000"/>
-            </a:schemeClr>
-          </a:solidFill>
-          <a:ln w="19050">
-            <a:solidFill>
-              <a:schemeClr val="tx1"/>
-            </a:solidFill>
-            <a:prstDash val="sysDash"/>
-          </a:ln>
-        </p:spPr>
-        <p:style>
-          <a:lnRef idx="2">
-            <a:schemeClr val="accent1">
-              <a:shade val="50000"/>
-            </a:schemeClr>
-          </a:lnRef>
-          <a:fillRef idx="1">
-            <a:schemeClr val="accent1"/>
-          </a:fillRef>
-          <a:effectRef idx="0">
-            <a:schemeClr val="accent1"/>
-          </a:effectRef>
-          <a:fontRef idx="minor">
-            <a:schemeClr val="lt1"/>
-          </a:fontRef>
-        </p:style>
-        <p:txBody>
-          <a:bodyPr rtlCol="0" anchor="ctr"/>
-          <a:lstStyle/>
-          <a:p>
-            <a:pPr algn="ctr"/>
-            <a:endParaRPr lang="ko-KR" altLang="en-US" dirty="0"/>
-          </a:p>
-        </p:txBody>
-      </p:sp>
-      <p:sp>
-        <p:nvSpPr>
-          <p:cNvPr id="187" name="사각형: 둥근 모서리 186">
-            <a:extLst>
-              <a:ext uri="{FF2B5EF4-FFF2-40B4-BE49-F238E27FC236}">
-                <a16:creationId xmlns:a16="http://schemas.microsoft.com/office/drawing/2014/main" id="{20C809F0-F79C-319B-D7C8-918032F1A77F}"/>
-              </a:ext>
-            </a:extLst>
-          </p:cNvPr>
-          <p:cNvSpPr/>
-          <p:nvPr/>
-        </p:nvSpPr>
-        <p:spPr>
-          <a:xfrm>
-            <a:off x="3767043" y="4876116"/>
-            <a:ext cx="1312837" cy="336855"/>
-          </a:xfrm>
-          <a:prstGeom prst="roundRect">
-            <a:avLst/>
-          </a:prstGeom>
-          <a:solidFill>
-            <a:srgbClr val="7030A0"/>
-          </a:solidFill>
-          <a:ln w="19050">
-            <a:solidFill>
-              <a:schemeClr val="tx1"/>
-            </a:solidFill>
-          </a:ln>
-        </p:spPr>
-        <p:style>
-          <a:lnRef idx="2">
-            <a:schemeClr val="accent1">
-              <a:shade val="50000"/>
-            </a:schemeClr>
-          </a:lnRef>
-          <a:fillRef idx="1">
-            <a:schemeClr val="accent1"/>
-          </a:fillRef>
-          <a:effectRef idx="0">
-            <a:schemeClr val="accent1"/>
-          </a:effectRef>
-          <a:fontRef idx="minor">
-            <a:schemeClr val="lt1"/>
-          </a:fontRef>
-        </p:style>
-        <p:txBody>
-          <a:bodyPr rtlCol="0" anchor="ctr"/>
-          <a:lstStyle/>
-          <a:p>
-            <a:pPr algn="ctr"/>
-            <a:r>
-              <a:rPr lang="en-US" altLang="ko-KR" sz="1600" b="1" dirty="0"/>
-              <a:t>UART0 TX</a:t>
-            </a:r>
-            <a:endParaRPr lang="ko-KR" altLang="en-US" sz="1600" b="1" dirty="0"/>
-          </a:p>
-        </p:txBody>
-      </p:sp>
-      <p:sp>
-        <p:nvSpPr>
-          <p:cNvPr id="188" name="사각형: 둥근 모서리 187">
-            <a:extLst>
-              <a:ext uri="{FF2B5EF4-FFF2-40B4-BE49-F238E27FC236}">
-                <a16:creationId xmlns:a16="http://schemas.microsoft.com/office/drawing/2014/main" id="{86398DAA-E5A9-C116-EBB5-3A4F79995818}"/>
-              </a:ext>
-            </a:extLst>
-          </p:cNvPr>
-          <p:cNvSpPr/>
-          <p:nvPr/>
-        </p:nvSpPr>
-        <p:spPr>
-          <a:xfrm>
-            <a:off x="3767043" y="5218558"/>
-            <a:ext cx="1312837" cy="336855"/>
-          </a:xfrm>
-          <a:prstGeom prst="roundRect">
-            <a:avLst/>
-          </a:prstGeom>
-          <a:solidFill>
-            <a:srgbClr val="7030A0"/>
-          </a:solidFill>
-          <a:ln w="19050">
-            <a:solidFill>
-              <a:schemeClr val="tx1"/>
-            </a:solidFill>
-          </a:ln>
-        </p:spPr>
-        <p:style>
-          <a:lnRef idx="2">
-            <a:schemeClr val="accent1">
-              <a:shade val="50000"/>
-            </a:schemeClr>
-          </a:lnRef>
-          <a:fillRef idx="1">
-            <a:schemeClr val="accent1"/>
-          </a:fillRef>
-          <a:effectRef idx="0">
-            <a:schemeClr val="accent1"/>
-          </a:effectRef>
-          <a:fontRef idx="minor">
-            <a:schemeClr val="lt1"/>
-          </a:fontRef>
-        </p:style>
-        <p:txBody>
-          <a:bodyPr rtlCol="0" anchor="ctr"/>
-          <a:lstStyle/>
-          <a:p>
-            <a:pPr algn="ctr"/>
-            <a:endParaRPr lang="ko-KR" altLang="en-US"/>
-          </a:p>
-        </p:txBody>
-      </p:sp>
-      <p:sp>
-        <p:nvSpPr>
-          <p:cNvPr id="189" name="사각형: 둥근 모서리 188">
-            <a:extLst>
-              <a:ext uri="{FF2B5EF4-FFF2-40B4-BE49-F238E27FC236}">
-                <a16:creationId xmlns:a16="http://schemas.microsoft.com/office/drawing/2014/main" id="{D4780102-0195-1BEB-B69A-2DF61B63A17C}"/>
-              </a:ext>
-            </a:extLst>
-          </p:cNvPr>
-          <p:cNvSpPr/>
-          <p:nvPr/>
-        </p:nvSpPr>
-        <p:spPr>
-          <a:xfrm>
-            <a:off x="3767043" y="5555414"/>
-            <a:ext cx="1312837" cy="336855"/>
-          </a:xfrm>
-          <a:prstGeom prst="roundRect">
-            <a:avLst/>
-          </a:prstGeom>
-          <a:solidFill>
-            <a:srgbClr val="7030A0"/>
-          </a:solidFill>
-          <a:ln w="19050">
-            <a:solidFill>
-              <a:schemeClr val="tx1"/>
-            </a:solidFill>
-          </a:ln>
-        </p:spPr>
-        <p:style>
-          <a:lnRef idx="2">
-            <a:schemeClr val="accent1">
-              <a:shade val="50000"/>
-            </a:schemeClr>
-          </a:lnRef>
-          <a:fillRef idx="1">
-            <a:schemeClr val="accent1"/>
-          </a:fillRef>
-          <a:effectRef idx="0">
-            <a:schemeClr val="accent1"/>
-          </a:effectRef>
-          <a:fontRef idx="minor">
-            <a:schemeClr val="lt1"/>
-          </a:fontRef>
-        </p:style>
-        <p:txBody>
-          <a:bodyPr rtlCol="0" anchor="ctr"/>
-          <a:lstStyle/>
-          <a:p>
-            <a:pPr algn="ctr"/>
-            <a:endParaRPr lang="ko-KR" altLang="en-US"/>
-          </a:p>
-        </p:txBody>
-      </p:sp>
-      <p:sp>
-        <p:nvSpPr>
-          <p:cNvPr id="190" name="사각형: 둥근 모서리 189">
-            <a:extLst>
-              <a:ext uri="{FF2B5EF4-FFF2-40B4-BE49-F238E27FC236}">
-                <a16:creationId xmlns:a16="http://schemas.microsoft.com/office/drawing/2014/main" id="{DE7350F2-C592-F32C-E2A1-C8271AA97067}"/>
-              </a:ext>
-            </a:extLst>
-          </p:cNvPr>
-          <p:cNvSpPr/>
-          <p:nvPr/>
-        </p:nvSpPr>
-        <p:spPr>
-          <a:xfrm>
-            <a:off x="3767043" y="5892269"/>
-            <a:ext cx="1312837" cy="336855"/>
-          </a:xfrm>
-          <a:prstGeom prst="roundRect">
-            <a:avLst/>
-          </a:prstGeom>
-          <a:solidFill>
-            <a:srgbClr val="7030A0"/>
-          </a:solidFill>
-          <a:ln w="19050">
-            <a:solidFill>
-              <a:schemeClr val="tx1"/>
-            </a:solidFill>
-          </a:ln>
-        </p:spPr>
-        <p:style>
-          <a:lnRef idx="2">
-            <a:schemeClr val="accent1">
-              <a:shade val="50000"/>
-            </a:schemeClr>
-          </a:lnRef>
-          <a:fillRef idx="1">
-            <a:schemeClr val="accent1"/>
-          </a:fillRef>
-          <a:effectRef idx="0">
-            <a:schemeClr val="accent1"/>
-          </a:effectRef>
-          <a:fontRef idx="minor">
-            <a:schemeClr val="lt1"/>
-          </a:fontRef>
-        </p:style>
-        <p:txBody>
-          <a:bodyPr rtlCol="0" anchor="ctr"/>
-          <a:lstStyle/>
-          <a:p>
-            <a:pPr algn="ctr"/>
-            <a:endParaRPr lang="ko-KR" altLang="en-US"/>
-          </a:p>
-        </p:txBody>
-      </p:sp>
-      <p:sp>
-        <p:nvSpPr>
-          <p:cNvPr id="191" name="사각형: 둥근 모서리 190">
-            <a:extLst>
-              <a:ext uri="{FF2B5EF4-FFF2-40B4-BE49-F238E27FC236}">
-                <a16:creationId xmlns:a16="http://schemas.microsoft.com/office/drawing/2014/main" id="{FDA7F3C1-1923-C993-7678-7ECBF12F174C}"/>
-              </a:ext>
-            </a:extLst>
-          </p:cNvPr>
-          <p:cNvSpPr/>
-          <p:nvPr/>
-        </p:nvSpPr>
-        <p:spPr>
-          <a:xfrm>
-            <a:off x="3767043" y="4534414"/>
-            <a:ext cx="1312837" cy="336855"/>
-          </a:xfrm>
-          <a:prstGeom prst="roundRect">
-            <a:avLst/>
-          </a:prstGeom>
-          <a:solidFill>
-            <a:srgbClr val="FF0000"/>
-          </a:solidFill>
-          <a:ln w="19050">
-            <a:solidFill>
-              <a:schemeClr val="tx1"/>
-            </a:solidFill>
-          </a:ln>
-        </p:spPr>
-        <p:style>
-          <a:lnRef idx="2">
-            <a:schemeClr val="accent1">
-              <a:shade val="50000"/>
-            </a:schemeClr>
-          </a:lnRef>
-          <a:fillRef idx="1">
-            <a:schemeClr val="accent1"/>
-          </a:fillRef>
-          <a:effectRef idx="0">
-            <a:schemeClr val="accent1"/>
-          </a:effectRef>
-          <a:fontRef idx="minor">
-            <a:schemeClr val="lt1"/>
-          </a:fontRef>
-        </p:style>
-        <p:txBody>
-          <a:bodyPr rtlCol="0" anchor="ctr"/>
-          <a:lstStyle/>
-          <a:p>
-            <a:pPr algn="ctr"/>
-            <a:r>
-              <a:rPr lang="en-US" altLang="ko-KR" sz="1600" b="1" dirty="0"/>
-              <a:t>3V3</a:t>
-            </a:r>
-            <a:endParaRPr lang="ko-KR" altLang="en-US" sz="1600" b="1" dirty="0"/>
-          </a:p>
-        </p:txBody>
-      </p:sp>
-      <p:sp>
-        <p:nvSpPr>
-          <p:cNvPr id="192" name="TextBox 191">
-            <a:extLst>
-              <a:ext uri="{FF2B5EF4-FFF2-40B4-BE49-F238E27FC236}">
-                <a16:creationId xmlns:a16="http://schemas.microsoft.com/office/drawing/2014/main" id="{BC5E0632-7E36-C366-43BC-BAD458DD5AB1}"/>
-              </a:ext>
-            </a:extLst>
-          </p:cNvPr>
-          <p:cNvSpPr txBox="1"/>
-          <p:nvPr/>
-        </p:nvSpPr>
-        <p:spPr>
-          <a:xfrm>
-            <a:off x="3837165" y="5227594"/>
-            <a:ext cx="1185261" cy="338554"/>
+            <a:off x="3983713" y="3382220"/>
+            <a:ext cx="949299" cy="338554"/>
           </a:xfrm>
           <a:prstGeom prst="rect">
             <a:avLst/>
@@ -9208,676 +9951,13 @@
                   <a:srgbClr val="FFFFFF"/>
                 </a:solidFill>
               </a:rPr>
-              <a:t>UART0 RX</a:t>
+              <a:t>USB_DP</a:t>
             </a:r>
             <a:endParaRPr lang="ko-KR" altLang="en-US" sz="1600" b="1" dirty="0">
               <a:solidFill>
                 <a:srgbClr val="FFFFFF"/>
               </a:solidFill>
             </a:endParaRPr>
-          </a:p>
-        </p:txBody>
-      </p:sp>
-      <p:sp>
-        <p:nvSpPr>
-          <p:cNvPr id="193" name="TextBox 192">
-            <a:extLst>
-              <a:ext uri="{FF2B5EF4-FFF2-40B4-BE49-F238E27FC236}">
-                <a16:creationId xmlns:a16="http://schemas.microsoft.com/office/drawing/2014/main" id="{1DC44E68-2190-3702-0496-6AE6071A1440}"/>
-              </a:ext>
-            </a:extLst>
-          </p:cNvPr>
-          <p:cNvSpPr txBox="1"/>
-          <p:nvPr/>
-        </p:nvSpPr>
-        <p:spPr>
-          <a:xfrm>
-            <a:off x="4227641" y="4148273"/>
-            <a:ext cx="419063" cy="369204"/>
-          </a:xfrm>
-          <a:prstGeom prst="rect">
-            <a:avLst/>
-          </a:prstGeom>
-          <a:noFill/>
-        </p:spPr>
-        <p:txBody>
-          <a:bodyPr wrap="square" rtlCol="0">
-            <a:spAutoFit/>
-          </a:bodyPr>
-          <a:lstStyle/>
-          <a:p>
-            <a:r>
-              <a:rPr lang="en-US" altLang="ko-KR" b="1" dirty="0"/>
-              <a:t>J1</a:t>
-            </a:r>
-          </a:p>
-        </p:txBody>
-      </p:sp>
-      <p:sp>
-        <p:nvSpPr>
-          <p:cNvPr id="194" name="사각형: 둥근 모서리 193">
-            <a:extLst>
-              <a:ext uri="{FF2B5EF4-FFF2-40B4-BE49-F238E27FC236}">
-                <a16:creationId xmlns:a16="http://schemas.microsoft.com/office/drawing/2014/main" id="{B1ED7252-5D13-D37B-899C-E6C6D29E69C8}"/>
-              </a:ext>
-            </a:extLst>
-          </p:cNvPr>
-          <p:cNvSpPr/>
-          <p:nvPr/>
-        </p:nvSpPr>
-        <p:spPr>
-          <a:xfrm>
-            <a:off x="3763071" y="6226539"/>
-            <a:ext cx="1312837" cy="336855"/>
-          </a:xfrm>
-          <a:prstGeom prst="roundRect">
-            <a:avLst/>
-          </a:prstGeom>
-          <a:solidFill>
-            <a:srgbClr val="000000"/>
-          </a:solidFill>
-          <a:ln w="19050">
-            <a:solidFill>
-              <a:schemeClr val="tx1"/>
-            </a:solidFill>
-          </a:ln>
-        </p:spPr>
-        <p:style>
-          <a:lnRef idx="2">
-            <a:schemeClr val="accent1">
-              <a:shade val="50000"/>
-            </a:schemeClr>
-          </a:lnRef>
-          <a:fillRef idx="1">
-            <a:schemeClr val="accent1"/>
-          </a:fillRef>
-          <a:effectRef idx="0">
-            <a:schemeClr val="accent1"/>
-          </a:effectRef>
-          <a:fontRef idx="minor">
-            <a:schemeClr val="lt1"/>
-          </a:fontRef>
-        </p:style>
-        <p:txBody>
-          <a:bodyPr rtlCol="0" anchor="ctr"/>
-          <a:lstStyle/>
-          <a:p>
-            <a:pPr algn="ctr"/>
-            <a:endParaRPr lang="ko-KR" altLang="en-US"/>
-          </a:p>
-        </p:txBody>
-      </p:sp>
-      <p:sp>
-        <p:nvSpPr>
-          <p:cNvPr id="195" name="TextBox 194">
-            <a:extLst>
-              <a:ext uri="{FF2B5EF4-FFF2-40B4-BE49-F238E27FC236}">
-                <a16:creationId xmlns:a16="http://schemas.microsoft.com/office/drawing/2014/main" id="{790685FA-FA42-B0E2-A474-C1D073940E3A}"/>
-              </a:ext>
-            </a:extLst>
-          </p:cNvPr>
-          <p:cNvSpPr txBox="1"/>
-          <p:nvPr/>
-        </p:nvSpPr>
-        <p:spPr>
-          <a:xfrm>
-            <a:off x="4120418" y="6239539"/>
-            <a:ext cx="647934" cy="338554"/>
-          </a:xfrm>
-          <a:prstGeom prst="rect">
-            <a:avLst/>
-          </a:prstGeom>
-          <a:noFill/>
-        </p:spPr>
-        <p:txBody>
-          <a:bodyPr wrap="none" rtlCol="0">
-            <a:spAutoFit/>
-          </a:bodyPr>
-          <a:lstStyle/>
-          <a:p>
-            <a:r>
-              <a:rPr lang="en-US" altLang="ko-KR" sz="1600" b="1" dirty="0">
-                <a:solidFill>
-                  <a:srgbClr val="FFFFFF"/>
-                </a:solidFill>
-              </a:rPr>
-              <a:t>GND</a:t>
-            </a:r>
-            <a:endParaRPr lang="ko-KR" altLang="en-US" sz="1600" b="1" dirty="0">
-              <a:solidFill>
-                <a:srgbClr val="FFFFFF"/>
-              </a:solidFill>
-            </a:endParaRPr>
-          </a:p>
-        </p:txBody>
-      </p:sp>
-      <p:sp>
-        <p:nvSpPr>
-          <p:cNvPr id="196" name="TextBox 195">
-            <a:extLst>
-              <a:ext uri="{FF2B5EF4-FFF2-40B4-BE49-F238E27FC236}">
-                <a16:creationId xmlns:a16="http://schemas.microsoft.com/office/drawing/2014/main" id="{A7E99E02-AB6D-8257-11DA-60DAD1BD5960}"/>
-              </a:ext>
-            </a:extLst>
-          </p:cNvPr>
-          <p:cNvSpPr txBox="1"/>
-          <p:nvPr/>
-        </p:nvSpPr>
-        <p:spPr>
-          <a:xfrm>
-            <a:off x="3990160" y="5557600"/>
-            <a:ext cx="877163" cy="338554"/>
-          </a:xfrm>
-          <a:prstGeom prst="rect">
-            <a:avLst/>
-          </a:prstGeom>
-          <a:noFill/>
-        </p:spPr>
-        <p:txBody>
-          <a:bodyPr wrap="none" rtlCol="0">
-            <a:spAutoFit/>
-          </a:bodyPr>
-          <a:lstStyle/>
-          <a:p>
-            <a:r>
-              <a:rPr lang="en-US" altLang="ko-KR" sz="1600" b="1" dirty="0">
-                <a:solidFill>
-                  <a:srgbClr val="FFFFFF"/>
-                </a:solidFill>
-              </a:rPr>
-              <a:t>SWCLK</a:t>
-            </a:r>
-            <a:endParaRPr lang="ko-KR" altLang="en-US" sz="1600" b="1" dirty="0">
-              <a:solidFill>
-                <a:srgbClr val="FFFFFF"/>
-              </a:solidFill>
-            </a:endParaRPr>
-          </a:p>
-        </p:txBody>
-      </p:sp>
-      <p:sp>
-        <p:nvSpPr>
-          <p:cNvPr id="197" name="TextBox 196">
-            <a:extLst>
-              <a:ext uri="{FF2B5EF4-FFF2-40B4-BE49-F238E27FC236}">
-                <a16:creationId xmlns:a16="http://schemas.microsoft.com/office/drawing/2014/main" id="{FCD33DAA-C633-017B-A9E9-D4DA3C28CEFE}"/>
-              </a:ext>
-            </a:extLst>
-          </p:cNvPr>
-          <p:cNvSpPr txBox="1"/>
-          <p:nvPr/>
-        </p:nvSpPr>
-        <p:spPr>
-          <a:xfrm>
-            <a:off x="3999431" y="5884091"/>
-            <a:ext cx="881973" cy="338554"/>
-          </a:xfrm>
-          <a:prstGeom prst="rect">
-            <a:avLst/>
-          </a:prstGeom>
-          <a:noFill/>
-        </p:spPr>
-        <p:txBody>
-          <a:bodyPr wrap="none" rtlCol="0">
-            <a:spAutoFit/>
-          </a:bodyPr>
-          <a:lstStyle/>
-          <a:p>
-            <a:r>
-              <a:rPr lang="en-US" altLang="ko-KR" sz="1600" b="1" dirty="0">
-                <a:solidFill>
-                  <a:srgbClr val="FFFFFF"/>
-                </a:solidFill>
-              </a:rPr>
-              <a:t>SWDIO</a:t>
-            </a:r>
-            <a:endParaRPr lang="ko-KR" altLang="en-US" sz="1600" b="1" dirty="0">
-              <a:solidFill>
-                <a:srgbClr val="FFFFFF"/>
-              </a:solidFill>
-            </a:endParaRPr>
-          </a:p>
-        </p:txBody>
-      </p:sp>
-      <p:cxnSp>
-        <p:nvCxnSpPr>
-          <p:cNvPr id="198" name="연결선: 꺾임 197">
-            <a:extLst>
-              <a:ext uri="{FF2B5EF4-FFF2-40B4-BE49-F238E27FC236}">
-                <a16:creationId xmlns:a16="http://schemas.microsoft.com/office/drawing/2014/main" id="{96BEBD0A-C1F0-BCA0-D108-DBFDD3B8F82D}"/>
-              </a:ext>
-            </a:extLst>
-          </p:cNvPr>
-          <p:cNvCxnSpPr>
-            <a:cxnSpLocks/>
-            <a:stCxn id="172" idx="2"/>
-            <a:endCxn id="191" idx="3"/>
-          </p:cNvCxnSpPr>
-          <p:nvPr/>
-        </p:nvCxnSpPr>
-        <p:spPr>
-          <a:xfrm rot="10800000">
-            <a:off x="5079881" y="4702842"/>
-            <a:ext cx="812309" cy="849544"/>
-          </a:xfrm>
-          <a:prstGeom prst="bentConnector3">
-            <a:avLst>
-              <a:gd name="adj1" fmla="val 50000"/>
-            </a:avLst>
-          </a:prstGeom>
-          <a:ln w="28575">
-            <a:solidFill>
-              <a:srgbClr val="FF0000"/>
-            </a:solidFill>
-          </a:ln>
-        </p:spPr>
-        <p:style>
-          <a:lnRef idx="1">
-            <a:schemeClr val="accent1"/>
-          </a:lnRef>
-          <a:fillRef idx="0">
-            <a:schemeClr val="accent1"/>
-          </a:fillRef>
-          <a:effectRef idx="0">
-            <a:schemeClr val="accent1"/>
-          </a:effectRef>
-          <a:fontRef idx="minor">
-            <a:schemeClr val="tx1"/>
-          </a:fontRef>
-        </p:style>
-      </p:cxnSp>
-      <p:cxnSp>
-        <p:nvCxnSpPr>
-          <p:cNvPr id="199" name="연결선: 꺾임 198">
-            <a:extLst>
-              <a:ext uri="{FF2B5EF4-FFF2-40B4-BE49-F238E27FC236}">
-                <a16:creationId xmlns:a16="http://schemas.microsoft.com/office/drawing/2014/main" id="{00FEC096-C3BC-3152-A14C-DFD25A0E6610}"/>
-              </a:ext>
-            </a:extLst>
-          </p:cNvPr>
-          <p:cNvCxnSpPr>
-            <a:cxnSpLocks/>
-            <a:endCxn id="187" idx="3"/>
-          </p:cNvCxnSpPr>
-          <p:nvPr/>
-        </p:nvCxnSpPr>
-        <p:spPr>
-          <a:xfrm rot="16200000" flipV="1">
-            <a:off x="4906364" y="5218061"/>
-            <a:ext cx="676271" cy="329237"/>
-          </a:xfrm>
-          <a:prstGeom prst="bentConnector2">
-            <a:avLst/>
-          </a:prstGeom>
-          <a:ln w="28575">
-            <a:solidFill>
-              <a:srgbClr val="7030A0"/>
-            </a:solidFill>
-          </a:ln>
-        </p:spPr>
-        <p:style>
-          <a:lnRef idx="1">
-            <a:schemeClr val="accent1"/>
-          </a:lnRef>
-          <a:fillRef idx="0">
-            <a:schemeClr val="accent1"/>
-          </a:fillRef>
-          <a:effectRef idx="0">
-            <a:schemeClr val="accent1"/>
-          </a:effectRef>
-          <a:fontRef idx="minor">
-            <a:schemeClr val="tx1"/>
-          </a:fontRef>
-        </p:style>
-      </p:cxnSp>
-      <p:cxnSp>
-        <p:nvCxnSpPr>
-          <p:cNvPr id="200" name="연결선: 꺾임 199">
-            <a:extLst>
-              <a:ext uri="{FF2B5EF4-FFF2-40B4-BE49-F238E27FC236}">
-                <a16:creationId xmlns:a16="http://schemas.microsoft.com/office/drawing/2014/main" id="{D7F1C60C-1D87-B0F6-4651-42886FB1E40D}"/>
-              </a:ext>
-            </a:extLst>
-          </p:cNvPr>
-          <p:cNvCxnSpPr>
-            <a:cxnSpLocks/>
-          </p:cNvCxnSpPr>
-          <p:nvPr/>
-        </p:nvCxnSpPr>
-        <p:spPr>
-          <a:xfrm rot="16200000" flipV="1">
-            <a:off x="5006004" y="5446232"/>
-            <a:ext cx="419042" cy="271287"/>
-          </a:xfrm>
-          <a:prstGeom prst="bentConnector3">
-            <a:avLst>
-              <a:gd name="adj1" fmla="val 98870"/>
-            </a:avLst>
-          </a:prstGeom>
-          <a:ln w="28575">
-            <a:solidFill>
-              <a:srgbClr val="7030A0"/>
-            </a:solidFill>
-          </a:ln>
-        </p:spPr>
-        <p:style>
-          <a:lnRef idx="1">
-            <a:schemeClr val="accent1"/>
-          </a:lnRef>
-          <a:fillRef idx="0">
-            <a:schemeClr val="accent1"/>
-          </a:fillRef>
-          <a:effectRef idx="0">
-            <a:schemeClr val="accent1"/>
-          </a:effectRef>
-          <a:fontRef idx="minor">
-            <a:schemeClr val="tx1"/>
-          </a:fontRef>
-        </p:style>
-      </p:cxnSp>
-      <p:cxnSp>
-        <p:nvCxnSpPr>
-          <p:cNvPr id="201" name="연결선: 꺾임 200">
-            <a:extLst>
-              <a:ext uri="{FF2B5EF4-FFF2-40B4-BE49-F238E27FC236}">
-                <a16:creationId xmlns:a16="http://schemas.microsoft.com/office/drawing/2014/main" id="{219D18EC-E953-F730-D89D-EE16BA9C4044}"/>
-              </a:ext>
-            </a:extLst>
-          </p:cNvPr>
-          <p:cNvCxnSpPr>
-            <a:cxnSpLocks/>
-          </p:cNvCxnSpPr>
-          <p:nvPr/>
-        </p:nvCxnSpPr>
-        <p:spPr>
-          <a:xfrm rot="10800000">
-            <a:off x="5079884" y="5711769"/>
-            <a:ext cx="202582" cy="182192"/>
-          </a:xfrm>
-          <a:prstGeom prst="bentConnector3">
-            <a:avLst>
-              <a:gd name="adj1" fmla="val -7597"/>
-            </a:avLst>
-          </a:prstGeom>
-          <a:ln w="28575">
-            <a:solidFill>
-              <a:srgbClr val="7030A0"/>
-            </a:solidFill>
-          </a:ln>
-        </p:spPr>
-        <p:style>
-          <a:lnRef idx="1">
-            <a:schemeClr val="accent1"/>
-          </a:lnRef>
-          <a:fillRef idx="0">
-            <a:schemeClr val="accent1"/>
-          </a:fillRef>
-          <a:effectRef idx="0">
-            <a:schemeClr val="accent1"/>
-          </a:effectRef>
-          <a:fontRef idx="minor">
-            <a:schemeClr val="tx1"/>
-          </a:fontRef>
-        </p:style>
-      </p:cxnSp>
-      <p:cxnSp>
-        <p:nvCxnSpPr>
-          <p:cNvPr id="202" name="연결선: 꺾임 201">
-            <a:extLst>
-              <a:ext uri="{FF2B5EF4-FFF2-40B4-BE49-F238E27FC236}">
-                <a16:creationId xmlns:a16="http://schemas.microsoft.com/office/drawing/2014/main" id="{6677C477-E353-C980-1D61-C3B977BA5702}"/>
-              </a:ext>
-            </a:extLst>
-          </p:cNvPr>
-          <p:cNvCxnSpPr>
-            <a:cxnSpLocks/>
-          </p:cNvCxnSpPr>
-          <p:nvPr/>
-        </p:nvCxnSpPr>
-        <p:spPr>
-          <a:xfrm rot="10800000" flipV="1">
-            <a:off x="5409976" y="5620627"/>
-            <a:ext cx="856069" cy="87565"/>
-          </a:xfrm>
-          <a:prstGeom prst="bentConnector3">
-            <a:avLst>
-              <a:gd name="adj1" fmla="val -903"/>
-            </a:avLst>
-          </a:prstGeom>
-          <a:ln w="28575">
-            <a:solidFill>
-              <a:srgbClr val="7030A0"/>
-            </a:solidFill>
-          </a:ln>
-        </p:spPr>
-        <p:style>
-          <a:lnRef idx="1">
-            <a:schemeClr val="accent1"/>
-          </a:lnRef>
-          <a:fillRef idx="0">
-            <a:schemeClr val="accent1"/>
-          </a:fillRef>
-          <a:effectRef idx="0">
-            <a:schemeClr val="accent1"/>
-          </a:effectRef>
-          <a:fontRef idx="minor">
-            <a:schemeClr val="tx1"/>
-          </a:fontRef>
-        </p:style>
-      </p:cxnSp>
-      <p:cxnSp>
-        <p:nvCxnSpPr>
-          <p:cNvPr id="204" name="연결선: 꺾임 203">
-            <a:extLst>
-              <a:ext uri="{FF2B5EF4-FFF2-40B4-BE49-F238E27FC236}">
-                <a16:creationId xmlns:a16="http://schemas.microsoft.com/office/drawing/2014/main" id="{66FC56F8-1A7F-C585-ECFC-F616918D80FA}"/>
-              </a:ext>
-            </a:extLst>
-          </p:cNvPr>
-          <p:cNvCxnSpPr>
-            <a:cxnSpLocks/>
-          </p:cNvCxnSpPr>
-          <p:nvPr/>
-        </p:nvCxnSpPr>
-        <p:spPr>
-          <a:xfrm rot="10800000" flipV="1">
-            <a:off x="5335177" y="5644661"/>
-            <a:ext cx="1243297" cy="140807"/>
-          </a:xfrm>
-          <a:prstGeom prst="bentConnector3">
-            <a:avLst>
-              <a:gd name="adj1" fmla="val 1416"/>
-            </a:avLst>
-          </a:prstGeom>
-          <a:ln w="28575">
-            <a:solidFill>
-              <a:srgbClr val="7030A0"/>
-            </a:solidFill>
-          </a:ln>
-        </p:spPr>
-        <p:style>
-          <a:lnRef idx="1">
-            <a:schemeClr val="accent1"/>
-          </a:lnRef>
-          <a:fillRef idx="0">
-            <a:schemeClr val="accent1"/>
-          </a:fillRef>
-          <a:effectRef idx="0">
-            <a:schemeClr val="accent1"/>
-          </a:effectRef>
-          <a:fontRef idx="minor">
-            <a:schemeClr val="tx1"/>
-          </a:fontRef>
-        </p:style>
-      </p:cxnSp>
-      <p:cxnSp>
-        <p:nvCxnSpPr>
-          <p:cNvPr id="208" name="연결선: 꺾임 207">
-            <a:extLst>
-              <a:ext uri="{FF2B5EF4-FFF2-40B4-BE49-F238E27FC236}">
-                <a16:creationId xmlns:a16="http://schemas.microsoft.com/office/drawing/2014/main" id="{2BF563CC-A3F5-F13F-68B5-001621F5EEAE}"/>
-              </a:ext>
-            </a:extLst>
-          </p:cNvPr>
-          <p:cNvCxnSpPr>
-            <a:cxnSpLocks/>
-          </p:cNvCxnSpPr>
-          <p:nvPr/>
-        </p:nvCxnSpPr>
-        <p:spPr>
-          <a:xfrm rot="10800000" flipV="1">
-            <a:off x="5284116" y="5634436"/>
-            <a:ext cx="1609654" cy="269947"/>
-          </a:xfrm>
-          <a:prstGeom prst="bentConnector3">
-            <a:avLst>
-              <a:gd name="adj1" fmla="val 688"/>
-            </a:avLst>
-          </a:prstGeom>
-          <a:ln w="28575">
-            <a:solidFill>
-              <a:srgbClr val="7030A0"/>
-            </a:solidFill>
-          </a:ln>
-        </p:spPr>
-        <p:style>
-          <a:lnRef idx="1">
-            <a:schemeClr val="accent1"/>
-          </a:lnRef>
-          <a:fillRef idx="0">
-            <a:schemeClr val="accent1"/>
-          </a:fillRef>
-          <a:effectRef idx="0">
-            <a:schemeClr val="accent1"/>
-          </a:effectRef>
-          <a:fontRef idx="minor">
-            <a:schemeClr val="tx1"/>
-          </a:fontRef>
-        </p:style>
-      </p:cxnSp>
-      <p:cxnSp>
-        <p:nvCxnSpPr>
-          <p:cNvPr id="215" name="연결선: 꺾임 214">
-            <a:extLst>
-              <a:ext uri="{FF2B5EF4-FFF2-40B4-BE49-F238E27FC236}">
-                <a16:creationId xmlns:a16="http://schemas.microsoft.com/office/drawing/2014/main" id="{4260D3B4-3EDC-796A-82E2-6210E8F7F92E}"/>
-              </a:ext>
-            </a:extLst>
-          </p:cNvPr>
-          <p:cNvCxnSpPr>
-            <a:cxnSpLocks/>
-          </p:cNvCxnSpPr>
-          <p:nvPr/>
-        </p:nvCxnSpPr>
-        <p:spPr>
-          <a:xfrm rot="10800000" flipV="1">
-            <a:off x="5078235" y="5626478"/>
-            <a:ext cx="2100441" cy="412228"/>
-          </a:xfrm>
-          <a:prstGeom prst="bentConnector3">
-            <a:avLst>
-              <a:gd name="adj1" fmla="val 722"/>
-            </a:avLst>
-          </a:prstGeom>
-          <a:ln w="28575">
-            <a:solidFill>
-              <a:srgbClr val="7030A0"/>
-            </a:solidFill>
-          </a:ln>
-        </p:spPr>
-        <p:style>
-          <a:lnRef idx="1">
-            <a:schemeClr val="accent1"/>
-          </a:lnRef>
-          <a:fillRef idx="0">
-            <a:schemeClr val="accent1"/>
-          </a:fillRef>
-          <a:effectRef idx="0">
-            <a:schemeClr val="accent1"/>
-          </a:effectRef>
-          <a:fontRef idx="minor">
-            <a:schemeClr val="tx1"/>
-          </a:fontRef>
-        </p:style>
-      </p:cxnSp>
-      <p:cxnSp>
-        <p:nvCxnSpPr>
-          <p:cNvPr id="219" name="연결선: 꺾임 218">
-            <a:extLst>
-              <a:ext uri="{FF2B5EF4-FFF2-40B4-BE49-F238E27FC236}">
-                <a16:creationId xmlns:a16="http://schemas.microsoft.com/office/drawing/2014/main" id="{07DDD165-002A-36CC-5BEF-4EA6989D246C}"/>
-              </a:ext>
-            </a:extLst>
-          </p:cNvPr>
-          <p:cNvCxnSpPr>
-            <a:cxnSpLocks/>
-          </p:cNvCxnSpPr>
-          <p:nvPr/>
-        </p:nvCxnSpPr>
-        <p:spPr>
-          <a:xfrm rot="10800000" flipV="1">
-            <a:off x="5078237" y="5637011"/>
-            <a:ext cx="2417939" cy="736944"/>
-          </a:xfrm>
-          <a:prstGeom prst="bentConnector3">
-            <a:avLst>
-              <a:gd name="adj1" fmla="val 758"/>
-            </a:avLst>
-          </a:prstGeom>
-          <a:ln w="28575">
-            <a:solidFill>
-              <a:schemeClr val="tx1"/>
-            </a:solidFill>
-          </a:ln>
-        </p:spPr>
-        <p:style>
-          <a:lnRef idx="1">
-            <a:schemeClr val="accent1"/>
-          </a:lnRef>
-          <a:fillRef idx="0">
-            <a:schemeClr val="accent1"/>
-          </a:fillRef>
-          <a:effectRef idx="0">
-            <a:schemeClr val="accent1"/>
-          </a:effectRef>
-          <a:fontRef idx="minor">
-            <a:schemeClr val="tx1"/>
-          </a:fontRef>
-        </p:style>
-      </p:cxnSp>
-      <p:sp>
-        <p:nvSpPr>
-          <p:cNvPr id="229" name="TextBox 228">
-            <a:extLst>
-              <a:ext uri="{FF2B5EF4-FFF2-40B4-BE49-F238E27FC236}">
-                <a16:creationId xmlns:a16="http://schemas.microsoft.com/office/drawing/2014/main" id="{7642944A-D47C-D4FF-123A-8A95A971517B}"/>
-              </a:ext>
-            </a:extLst>
-          </p:cNvPr>
-          <p:cNvSpPr txBox="1"/>
-          <p:nvPr/>
-        </p:nvSpPr>
-        <p:spPr>
-          <a:xfrm>
-            <a:off x="9023989" y="6858000"/>
-            <a:ext cx="2367956" cy="369332"/>
-          </a:xfrm>
-          <a:prstGeom prst="rect">
-            <a:avLst/>
-          </a:prstGeom>
-          <a:noFill/>
-        </p:spPr>
-        <p:txBody>
-          <a:bodyPr wrap="none" rtlCol="0">
-            <a:spAutoFit/>
-          </a:bodyPr>
-          <a:lstStyle/>
-          <a:p>
-            <a:r>
-              <a:rPr lang="en-US" altLang="ko-KR" dirty="0"/>
-              <a:t>WIZ505SR-RP Pinout</a:t>
-            </a:r>
-            <a:endParaRPr lang="ko-KR" altLang="en-US" dirty="0"/>
           </a:p>
         </p:txBody>
       </p:sp>
@@ -12935,10 +13015,10 @@
       </p:sp>
       <p:sp>
         <p:nvSpPr>
-          <p:cNvPr id="28" name="사각형: 둥근 모서리 27">
-            <a:extLst>
-              <a:ext uri="{FF2B5EF4-FFF2-40B4-BE49-F238E27FC236}">
-                <a16:creationId xmlns:a16="http://schemas.microsoft.com/office/drawing/2014/main" id="{1A4881F2-3DA7-3C2D-A75E-0197517F335F}"/>
+          <p:cNvPr id="45" name="사각형: 둥근 모서리 44">
+            <a:extLst>
+              <a:ext uri="{FF2B5EF4-FFF2-40B4-BE49-F238E27FC236}">
+                <a16:creationId xmlns:a16="http://schemas.microsoft.com/office/drawing/2014/main" id="{DCDC377F-DE15-C18E-991A-AF71C6914FED}"/>
               </a:ext>
             </a:extLst>
           </p:cNvPr>
@@ -12947,8 +13027,8 @@
         </p:nvSpPr>
         <p:spPr>
           <a:xfrm>
-            <a:off x="70338" y="1844677"/>
-            <a:ext cx="2380762" cy="2962273"/>
+            <a:off x="3750450" y="1743314"/>
+            <a:ext cx="2941235" cy="2962273"/>
           </a:xfrm>
           <a:prstGeom prst="roundRect">
             <a:avLst/>
@@ -12997,10 +13077,10 @@
       </p:sp>
       <p:sp>
         <p:nvSpPr>
-          <p:cNvPr id="29" name="TextBox 28">
-            <a:extLst>
-              <a:ext uri="{FF2B5EF4-FFF2-40B4-BE49-F238E27FC236}">
-                <a16:creationId xmlns:a16="http://schemas.microsoft.com/office/drawing/2014/main" id="{780A55BB-773E-751C-7D82-42A82D4E778A}"/>
+          <p:cNvPr id="46" name="TextBox 45">
+            <a:extLst>
+              <a:ext uri="{FF2B5EF4-FFF2-40B4-BE49-F238E27FC236}">
+                <a16:creationId xmlns:a16="http://schemas.microsoft.com/office/drawing/2014/main" id="{33560441-A0EF-200E-26CD-150BFED16AB3}"/>
               </a:ext>
             </a:extLst>
           </p:cNvPr>
@@ -13009,8 +13089,8 @@
         </p:nvSpPr>
         <p:spPr>
           <a:xfrm>
-            <a:off x="1114988" y="1863194"/>
-            <a:ext cx="531223" cy="338554"/>
+            <a:off x="5029570" y="1747870"/>
+            <a:ext cx="656282" cy="338554"/>
           </a:xfrm>
           <a:prstGeom prst="rect">
             <a:avLst/>
@@ -13033,10 +13113,10 @@
       </p:sp>
       <p:sp>
         <p:nvSpPr>
-          <p:cNvPr id="30" name="사각형: 둥근 모서리 29">
-            <a:extLst>
-              <a:ext uri="{FF2B5EF4-FFF2-40B4-BE49-F238E27FC236}">
-                <a16:creationId xmlns:a16="http://schemas.microsoft.com/office/drawing/2014/main" id="{5D17892D-25B5-5F4E-7AB8-43BAD8A77066}"/>
+          <p:cNvPr id="47" name="사각형: 둥근 모서리 46">
+            <a:extLst>
+              <a:ext uri="{FF2B5EF4-FFF2-40B4-BE49-F238E27FC236}">
+                <a16:creationId xmlns:a16="http://schemas.microsoft.com/office/drawing/2014/main" id="{6B16A4B0-FD14-6B5F-46B6-07F7D61F82B0}"/>
               </a:ext>
             </a:extLst>
           </p:cNvPr>
@@ -13045,8 +13125,356 @@
         </p:nvSpPr>
         <p:spPr>
           <a:xfrm>
-            <a:off x="140257" y="2551180"/>
-            <a:ext cx="1089051" cy="336855"/>
+            <a:off x="5254515" y="2157006"/>
+            <a:ext cx="1312837" cy="336855"/>
+          </a:xfrm>
+          <a:prstGeom prst="roundRect">
+            <a:avLst/>
+          </a:prstGeom>
+          <a:solidFill>
+            <a:srgbClr val="FF0000"/>
+          </a:solidFill>
+          <a:ln w="19050">
+            <a:solidFill>
+              <a:schemeClr val="tx1"/>
+            </a:solidFill>
+          </a:ln>
+        </p:spPr>
+        <p:style>
+          <a:lnRef idx="2">
+            <a:schemeClr val="accent1">
+              <a:shade val="50000"/>
+            </a:schemeClr>
+          </a:lnRef>
+          <a:fillRef idx="1">
+            <a:schemeClr val="accent1"/>
+          </a:fillRef>
+          <a:effectRef idx="0">
+            <a:schemeClr val="accent1"/>
+          </a:effectRef>
+          <a:fontRef idx="minor">
+            <a:schemeClr val="lt1"/>
+          </a:fontRef>
+        </p:style>
+        <p:txBody>
+          <a:bodyPr rtlCol="0" anchor="ctr"/>
+          <a:lstStyle/>
+          <a:p>
+            <a:pPr algn="ctr"/>
+            <a:r>
+              <a:rPr lang="en-US" altLang="ko-KR" sz="1600" b="1" dirty="0"/>
+              <a:t>3V3</a:t>
+            </a:r>
+            <a:endParaRPr lang="ko-KR" altLang="en-US" sz="1600" b="1" dirty="0"/>
+          </a:p>
+        </p:txBody>
+      </p:sp>
+      <p:sp>
+        <p:nvSpPr>
+          <p:cNvPr id="48" name="사각형: 둥근 모서리 47">
+            <a:extLst>
+              <a:ext uri="{FF2B5EF4-FFF2-40B4-BE49-F238E27FC236}">
+                <a16:creationId xmlns:a16="http://schemas.microsoft.com/office/drawing/2014/main" id="{12FC557F-6B8D-07D4-63A5-6241443467BE}"/>
+              </a:ext>
+            </a:extLst>
+          </p:cNvPr>
+          <p:cNvSpPr/>
+          <p:nvPr/>
+        </p:nvSpPr>
+        <p:spPr>
+          <a:xfrm>
+            <a:off x="5254515" y="2486896"/>
+            <a:ext cx="1312837" cy="336855"/>
+          </a:xfrm>
+          <a:prstGeom prst="roundRect">
+            <a:avLst/>
+          </a:prstGeom>
+          <a:solidFill>
+            <a:srgbClr val="FF0000"/>
+          </a:solidFill>
+          <a:ln w="19050">
+            <a:solidFill>
+              <a:schemeClr val="tx1"/>
+            </a:solidFill>
+          </a:ln>
+        </p:spPr>
+        <p:style>
+          <a:lnRef idx="2">
+            <a:schemeClr val="accent1">
+              <a:shade val="50000"/>
+            </a:schemeClr>
+          </a:lnRef>
+          <a:fillRef idx="1">
+            <a:schemeClr val="accent1"/>
+          </a:fillRef>
+          <a:effectRef idx="0">
+            <a:schemeClr val="accent1"/>
+          </a:effectRef>
+          <a:fontRef idx="minor">
+            <a:schemeClr val="lt1"/>
+          </a:fontRef>
+        </p:style>
+        <p:txBody>
+          <a:bodyPr rtlCol="0" anchor="ctr"/>
+          <a:lstStyle/>
+          <a:p>
+            <a:pPr algn="ctr"/>
+            <a:r>
+              <a:rPr lang="en-US" altLang="ko-KR" sz="1600" b="1" dirty="0"/>
+              <a:t>3V3</a:t>
+            </a:r>
+            <a:endParaRPr lang="ko-KR" altLang="en-US" sz="1600" b="1" dirty="0"/>
+          </a:p>
+        </p:txBody>
+      </p:sp>
+      <p:sp>
+        <p:nvSpPr>
+          <p:cNvPr id="49" name="사각형: 둥근 모서리 48">
+            <a:extLst>
+              <a:ext uri="{FF2B5EF4-FFF2-40B4-BE49-F238E27FC236}">
+                <a16:creationId xmlns:a16="http://schemas.microsoft.com/office/drawing/2014/main" id="{0221FB09-6E13-860B-15DC-A075295925EE}"/>
+              </a:ext>
+            </a:extLst>
+          </p:cNvPr>
+          <p:cNvSpPr/>
+          <p:nvPr/>
+        </p:nvSpPr>
+        <p:spPr>
+          <a:xfrm>
+            <a:off x="5254515" y="2828443"/>
+            <a:ext cx="1312837" cy="336855"/>
+          </a:xfrm>
+          <a:prstGeom prst="roundRect">
+            <a:avLst/>
+          </a:prstGeom>
+          <a:solidFill>
+            <a:srgbClr val="0070C0"/>
+          </a:solidFill>
+          <a:ln w="19050">
+            <a:solidFill>
+              <a:schemeClr val="tx1"/>
+            </a:solidFill>
+          </a:ln>
+        </p:spPr>
+        <p:style>
+          <a:lnRef idx="2">
+            <a:schemeClr val="accent1">
+              <a:shade val="50000"/>
+            </a:schemeClr>
+          </a:lnRef>
+          <a:fillRef idx="1">
+            <a:schemeClr val="accent1"/>
+          </a:fillRef>
+          <a:effectRef idx="0">
+            <a:schemeClr val="accent1"/>
+          </a:effectRef>
+          <a:fontRef idx="minor">
+            <a:schemeClr val="lt1"/>
+          </a:fontRef>
+        </p:style>
+        <p:txBody>
+          <a:bodyPr rtlCol="0" anchor="ctr"/>
+          <a:lstStyle/>
+          <a:p>
+            <a:pPr algn="ctr"/>
+            <a:r>
+              <a:rPr lang="en-US" altLang="ko-KR" sz="1600" b="1" dirty="0"/>
+              <a:t>FACT RST</a:t>
+            </a:r>
+            <a:endParaRPr lang="ko-KR" altLang="en-US" sz="1600" b="1" dirty="0"/>
+          </a:p>
+        </p:txBody>
+      </p:sp>
+      <p:sp>
+        <p:nvSpPr>
+          <p:cNvPr id="50" name="사각형: 둥근 모서리 49">
+            <a:extLst>
+              <a:ext uri="{FF2B5EF4-FFF2-40B4-BE49-F238E27FC236}">
+                <a16:creationId xmlns:a16="http://schemas.microsoft.com/office/drawing/2014/main" id="{4B4A96F2-8261-0238-7281-E59002D07ED0}"/>
+              </a:ext>
+            </a:extLst>
+          </p:cNvPr>
+          <p:cNvSpPr/>
+          <p:nvPr/>
+        </p:nvSpPr>
+        <p:spPr>
+          <a:xfrm>
+            <a:off x="5254515" y="3161404"/>
+            <a:ext cx="1312837" cy="336855"/>
+          </a:xfrm>
+          <a:prstGeom prst="roundRect">
+            <a:avLst/>
+          </a:prstGeom>
+          <a:solidFill>
+            <a:srgbClr val="0070C0"/>
+          </a:solidFill>
+          <a:ln w="19050">
+            <a:solidFill>
+              <a:schemeClr val="tx1"/>
+            </a:solidFill>
+          </a:ln>
+        </p:spPr>
+        <p:style>
+          <a:lnRef idx="2">
+            <a:schemeClr val="accent1">
+              <a:shade val="50000"/>
+            </a:schemeClr>
+          </a:lnRef>
+          <a:fillRef idx="1">
+            <a:schemeClr val="accent1"/>
+          </a:fillRef>
+          <a:effectRef idx="0">
+            <a:schemeClr val="accent1"/>
+          </a:effectRef>
+          <a:fontRef idx="minor">
+            <a:schemeClr val="lt1"/>
+          </a:fontRef>
+        </p:style>
+        <p:txBody>
+          <a:bodyPr rtlCol="0" anchor="ctr"/>
+          <a:lstStyle/>
+          <a:p>
+            <a:pPr algn="ctr"/>
+            <a:r>
+              <a:rPr lang="en-US" altLang="ko-KR" sz="1600" b="1" dirty="0"/>
+              <a:t>HW TRIG</a:t>
+            </a:r>
+            <a:endParaRPr lang="ko-KR" altLang="en-US" sz="1600" b="1" dirty="0"/>
+          </a:p>
+        </p:txBody>
+      </p:sp>
+      <p:sp>
+        <p:nvSpPr>
+          <p:cNvPr id="51" name="사각형: 둥근 모서리 50">
+            <a:extLst>
+              <a:ext uri="{FF2B5EF4-FFF2-40B4-BE49-F238E27FC236}">
+                <a16:creationId xmlns:a16="http://schemas.microsoft.com/office/drawing/2014/main" id="{543E563B-F2C8-87EF-17A5-667F55A738CE}"/>
+              </a:ext>
+            </a:extLst>
+          </p:cNvPr>
+          <p:cNvSpPr/>
+          <p:nvPr/>
+        </p:nvSpPr>
+        <p:spPr>
+          <a:xfrm>
+            <a:off x="5259723" y="3495778"/>
+            <a:ext cx="1312837" cy="336855"/>
+          </a:xfrm>
+          <a:prstGeom prst="roundRect">
+            <a:avLst/>
+          </a:prstGeom>
+          <a:solidFill>
+            <a:srgbClr val="0070C0"/>
+          </a:solidFill>
+          <a:ln w="19050">
+            <a:solidFill>
+              <a:schemeClr val="tx1"/>
+            </a:solidFill>
+          </a:ln>
+        </p:spPr>
+        <p:style>
+          <a:lnRef idx="2">
+            <a:schemeClr val="accent1">
+              <a:shade val="50000"/>
+            </a:schemeClr>
+          </a:lnRef>
+          <a:fillRef idx="1">
+            <a:schemeClr val="accent1"/>
+          </a:fillRef>
+          <a:effectRef idx="0">
+            <a:schemeClr val="accent1"/>
+          </a:effectRef>
+          <a:fontRef idx="minor">
+            <a:schemeClr val="lt1"/>
+          </a:fontRef>
+        </p:style>
+        <p:txBody>
+          <a:bodyPr rtlCol="0" anchor="ctr"/>
+          <a:lstStyle/>
+          <a:p>
+            <a:pPr algn="ctr"/>
+            <a:r>
+              <a:rPr lang="en-US" altLang="ko-KR" sz="1600" b="1" dirty="0"/>
+              <a:t>BOOTSEL</a:t>
+            </a:r>
+            <a:endParaRPr lang="ko-KR" altLang="en-US" sz="1600" b="1" dirty="0"/>
+          </a:p>
+        </p:txBody>
+      </p:sp>
+      <p:sp>
+        <p:nvSpPr>
+          <p:cNvPr id="52" name="사각형: 둥근 모서리 51">
+            <a:extLst>
+              <a:ext uri="{FF2B5EF4-FFF2-40B4-BE49-F238E27FC236}">
+                <a16:creationId xmlns:a16="http://schemas.microsoft.com/office/drawing/2014/main" id="{C3BF94EA-07E5-03CB-B38D-0327C233AA9E}"/>
+              </a:ext>
+            </a:extLst>
+          </p:cNvPr>
+          <p:cNvSpPr/>
+          <p:nvPr/>
+        </p:nvSpPr>
+        <p:spPr>
+          <a:xfrm>
+            <a:off x="5254514" y="3837479"/>
+            <a:ext cx="1312837" cy="336855"/>
+          </a:xfrm>
+          <a:prstGeom prst="roundRect">
+            <a:avLst/>
+          </a:prstGeom>
+          <a:solidFill>
+            <a:schemeClr val="tx1"/>
+          </a:solidFill>
+          <a:ln w="19050">
+            <a:solidFill>
+              <a:schemeClr val="tx1"/>
+            </a:solidFill>
+          </a:ln>
+        </p:spPr>
+        <p:style>
+          <a:lnRef idx="2">
+            <a:schemeClr val="accent1">
+              <a:shade val="50000"/>
+            </a:schemeClr>
+          </a:lnRef>
+          <a:fillRef idx="1">
+            <a:schemeClr val="accent1"/>
+          </a:fillRef>
+          <a:effectRef idx="0">
+            <a:schemeClr val="accent1"/>
+          </a:effectRef>
+          <a:fontRef idx="minor">
+            <a:schemeClr val="lt1"/>
+          </a:fontRef>
+        </p:style>
+        <p:txBody>
+          <a:bodyPr rtlCol="0" anchor="ctr"/>
+          <a:lstStyle/>
+          <a:p>
+            <a:pPr algn="ctr"/>
+            <a:r>
+              <a:rPr lang="en-US" altLang="ko-KR" sz="1600" b="1" dirty="0"/>
+              <a:t>GND</a:t>
+            </a:r>
+            <a:endParaRPr lang="ko-KR" altLang="en-US" sz="1600" b="1" dirty="0"/>
+          </a:p>
+        </p:txBody>
+      </p:sp>
+      <p:sp>
+        <p:nvSpPr>
+          <p:cNvPr id="53" name="사각형: 둥근 모서리 52">
+            <a:extLst>
+              <a:ext uri="{FF2B5EF4-FFF2-40B4-BE49-F238E27FC236}">
+                <a16:creationId xmlns:a16="http://schemas.microsoft.com/office/drawing/2014/main" id="{59607991-A65D-56BE-2762-1FC683E09CF4}"/>
+              </a:ext>
+            </a:extLst>
+          </p:cNvPr>
+          <p:cNvSpPr/>
+          <p:nvPr/>
+        </p:nvSpPr>
+        <p:spPr>
+          <a:xfrm>
+            <a:off x="5254513" y="4176699"/>
+            <a:ext cx="1312837" cy="336855"/>
           </a:xfrm>
           <a:prstGeom prst="roundRect">
             <a:avLst/>
@@ -13081,20 +13509,60 @@
           <a:lstStyle/>
           <a:p>
             <a:pPr algn="ctr"/>
-            <a:r>
-              <a:rPr lang="en-US" altLang="ko-KR" sz="1200" b="1" dirty="0"/>
-              <a:t>UART1_RX</a:t>
-            </a:r>
-            <a:endParaRPr lang="ko-KR" altLang="en-US" sz="1200" b="1" dirty="0"/>
-          </a:p>
-        </p:txBody>
-      </p:sp>
-      <p:sp>
-        <p:nvSpPr>
-          <p:cNvPr id="31" name="사각형: 둥근 모서리 30">
-            <a:extLst>
-              <a:ext uri="{FF2B5EF4-FFF2-40B4-BE49-F238E27FC236}">
-                <a16:creationId xmlns:a16="http://schemas.microsoft.com/office/drawing/2014/main" id="{DC712E52-FD8D-B714-8388-677355FEDEDF}"/>
+            <a:endParaRPr lang="ko-KR" altLang="en-US"/>
+          </a:p>
+        </p:txBody>
+      </p:sp>
+      <p:sp>
+        <p:nvSpPr>
+          <p:cNvPr id="54" name="TextBox 53">
+            <a:extLst>
+              <a:ext uri="{FF2B5EF4-FFF2-40B4-BE49-F238E27FC236}">
+                <a16:creationId xmlns:a16="http://schemas.microsoft.com/office/drawing/2014/main" id="{2F7DD810-3E67-76CF-22DC-7CD17C7C596B}"/>
+              </a:ext>
+            </a:extLst>
+          </p:cNvPr>
+          <p:cNvSpPr txBox="1"/>
+          <p:nvPr/>
+        </p:nvSpPr>
+        <p:spPr>
+          <a:xfrm>
+            <a:off x="5441306" y="4167007"/>
+            <a:ext cx="1019831" cy="338554"/>
+          </a:xfrm>
+          <a:prstGeom prst="rect">
+            <a:avLst/>
+          </a:prstGeom>
+          <a:noFill/>
+        </p:spPr>
+        <p:txBody>
+          <a:bodyPr wrap="none" rtlCol="0">
+            <a:spAutoFit/>
+          </a:bodyPr>
+          <a:lstStyle/>
+          <a:p>
+            <a:r>
+              <a:rPr lang="en-US" altLang="ko-KR" sz="1600" b="1" dirty="0">
+                <a:solidFill>
+                  <a:srgbClr val="FFFFFF"/>
+                </a:solidFill>
+              </a:rPr>
+              <a:t>USB_DM</a:t>
+            </a:r>
+            <a:endParaRPr lang="ko-KR" altLang="en-US" sz="1600" b="1" dirty="0">
+              <a:solidFill>
+                <a:srgbClr val="FFFFFF"/>
+              </a:solidFill>
+            </a:endParaRPr>
+          </a:p>
+        </p:txBody>
+      </p:sp>
+      <p:sp>
+        <p:nvSpPr>
+          <p:cNvPr id="55" name="사각형: 둥근 모서리 54">
+            <a:extLst>
+              <a:ext uri="{FF2B5EF4-FFF2-40B4-BE49-F238E27FC236}">
+                <a16:creationId xmlns:a16="http://schemas.microsoft.com/office/drawing/2014/main" id="{68E58DE5-EDAC-0D71-C031-3003CA4A53F2}"/>
               </a:ext>
             </a:extLst>
           </p:cNvPr>
@@ -13103,8 +13571,66 @@
         </p:nvSpPr>
         <p:spPr>
           <a:xfrm>
-            <a:off x="134385" y="2888034"/>
-            <a:ext cx="1100794" cy="336855"/>
+            <a:off x="3910134" y="2161917"/>
+            <a:ext cx="1312837" cy="336855"/>
+          </a:xfrm>
+          <a:prstGeom prst="roundRect">
+            <a:avLst/>
+          </a:prstGeom>
+          <a:solidFill>
+            <a:srgbClr val="0070C0"/>
+          </a:solidFill>
+          <a:ln w="19050">
+            <a:solidFill>
+              <a:schemeClr val="tx1"/>
+            </a:solidFill>
+          </a:ln>
+        </p:spPr>
+        <p:style>
+          <a:lnRef idx="2">
+            <a:schemeClr val="accent1">
+              <a:shade val="50000"/>
+            </a:schemeClr>
+          </a:lnRef>
+          <a:fillRef idx="1">
+            <a:schemeClr val="accent1"/>
+          </a:fillRef>
+          <a:effectRef idx="0">
+            <a:schemeClr val="accent1"/>
+          </a:effectRef>
+          <a:fontRef idx="minor">
+            <a:schemeClr val="lt1"/>
+          </a:fontRef>
+        </p:style>
+        <p:txBody>
+          <a:bodyPr rtlCol="0" anchor="ctr"/>
+          <a:lstStyle/>
+          <a:p>
+            <a:pPr algn="ctr"/>
+            <a:r>
+              <a:rPr lang="en-US" altLang="ko-KR" sz="1600" b="1" dirty="0"/>
+              <a:t>RUN</a:t>
+            </a:r>
+            <a:endParaRPr lang="ko-KR" altLang="en-US" sz="1600" b="1" dirty="0"/>
+          </a:p>
+        </p:txBody>
+      </p:sp>
+      <p:sp>
+        <p:nvSpPr>
+          <p:cNvPr id="56" name="사각형: 둥근 모서리 55">
+            <a:extLst>
+              <a:ext uri="{FF2B5EF4-FFF2-40B4-BE49-F238E27FC236}">
+                <a16:creationId xmlns:a16="http://schemas.microsoft.com/office/drawing/2014/main" id="{FC096335-4B6E-643C-6BF6-B7824AAD1173}"/>
+              </a:ext>
+            </a:extLst>
+          </p:cNvPr>
+          <p:cNvSpPr/>
+          <p:nvPr/>
+        </p:nvSpPr>
+        <p:spPr>
+          <a:xfrm>
+            <a:off x="3910134" y="2491807"/>
+            <a:ext cx="1312837" cy="336855"/>
           </a:xfrm>
           <a:prstGeom prst="roundRect">
             <a:avLst/>
@@ -13140,19 +13666,19 @@
           <a:p>
             <a:pPr algn="ctr"/>
             <a:r>
-              <a:rPr lang="en-US" altLang="ko-KR" sz="1200" b="1" dirty="0"/>
-              <a:t>UART1_CTS</a:t>
-            </a:r>
-            <a:endParaRPr lang="ko-KR" altLang="en-US" sz="1200" b="1" dirty="0"/>
-          </a:p>
-        </p:txBody>
-      </p:sp>
-      <p:sp>
-        <p:nvSpPr>
-          <p:cNvPr id="32" name="사각형: 둥근 모서리 31">
-            <a:extLst>
-              <a:ext uri="{FF2B5EF4-FFF2-40B4-BE49-F238E27FC236}">
-                <a16:creationId xmlns:a16="http://schemas.microsoft.com/office/drawing/2014/main" id="{C18FAA56-659C-06B0-1AAB-E80558DC5F4B}"/>
+              <a:rPr lang="en-US" altLang="ko-KR" sz="1600" b="1" dirty="0"/>
+              <a:t>UART1 RX</a:t>
+            </a:r>
+            <a:endParaRPr lang="ko-KR" altLang="en-US" sz="1600" b="1" dirty="0"/>
+          </a:p>
+        </p:txBody>
+      </p:sp>
+      <p:sp>
+        <p:nvSpPr>
+          <p:cNvPr id="57" name="사각형: 둥근 모서리 56">
+            <a:extLst>
+              <a:ext uri="{FF2B5EF4-FFF2-40B4-BE49-F238E27FC236}">
+                <a16:creationId xmlns:a16="http://schemas.microsoft.com/office/drawing/2014/main" id="{94F2FC97-4594-EFD3-E93C-5790B96D573E}"/>
               </a:ext>
             </a:extLst>
           </p:cNvPr>
@@ -13161,66 +13687,8 @@
         </p:nvSpPr>
         <p:spPr>
           <a:xfrm>
-            <a:off x="140026" y="2209388"/>
-            <a:ext cx="1089512" cy="336855"/>
-          </a:xfrm>
-          <a:prstGeom prst="roundRect">
-            <a:avLst/>
-          </a:prstGeom>
-          <a:solidFill>
-            <a:srgbClr val="0070C0"/>
-          </a:solidFill>
-          <a:ln w="19050">
-            <a:solidFill>
-              <a:schemeClr val="tx1"/>
-            </a:solidFill>
-          </a:ln>
-        </p:spPr>
-        <p:style>
-          <a:lnRef idx="2">
-            <a:schemeClr val="accent1">
-              <a:shade val="50000"/>
-            </a:schemeClr>
-          </a:lnRef>
-          <a:fillRef idx="1">
-            <a:schemeClr val="accent1"/>
-          </a:fillRef>
-          <a:effectRef idx="0">
-            <a:schemeClr val="accent1"/>
-          </a:effectRef>
-          <a:fontRef idx="minor">
-            <a:schemeClr val="lt1"/>
-          </a:fontRef>
-        </p:style>
-        <p:txBody>
-          <a:bodyPr rtlCol="0" anchor="ctr"/>
-          <a:lstStyle/>
-          <a:p>
-            <a:pPr algn="ctr"/>
-            <a:r>
-              <a:rPr lang="en-US" altLang="ko-KR" sz="1200" b="1" dirty="0"/>
-              <a:t>RUN</a:t>
-            </a:r>
-            <a:endParaRPr lang="ko-KR" altLang="en-US" sz="1200" b="1" dirty="0"/>
-          </a:p>
-        </p:txBody>
-      </p:sp>
-      <p:sp>
-        <p:nvSpPr>
-          <p:cNvPr id="33" name="사각형: 둥근 모서리 32">
-            <a:extLst>
-              <a:ext uri="{FF2B5EF4-FFF2-40B4-BE49-F238E27FC236}">
-                <a16:creationId xmlns:a16="http://schemas.microsoft.com/office/drawing/2014/main" id="{4907F317-CFD6-BD76-B177-4D6D1DC6343E}"/>
-              </a:ext>
-            </a:extLst>
-          </p:cNvPr>
-          <p:cNvSpPr/>
-          <p:nvPr/>
-        </p:nvSpPr>
-        <p:spPr>
-          <a:xfrm>
-            <a:off x="134386" y="3554640"/>
-            <a:ext cx="1100793" cy="336855"/>
+            <a:off x="3910134" y="2833354"/>
+            <a:ext cx="1312837" cy="336855"/>
           </a:xfrm>
           <a:prstGeom prst="roundRect">
             <a:avLst/>
@@ -13256,19 +13724,19 @@
           <a:p>
             <a:pPr algn="ctr"/>
             <a:r>
-              <a:rPr lang="en-US" altLang="ko-KR" sz="1200" b="1" dirty="0"/>
-              <a:t>UART1_RTS</a:t>
-            </a:r>
-            <a:endParaRPr lang="ko-KR" altLang="en-US" sz="1200" b="1" dirty="0"/>
-          </a:p>
-        </p:txBody>
-      </p:sp>
-      <p:sp>
-        <p:nvSpPr>
-          <p:cNvPr id="34" name="사각형: 둥근 모서리 33">
-            <a:extLst>
-              <a:ext uri="{FF2B5EF4-FFF2-40B4-BE49-F238E27FC236}">
-                <a16:creationId xmlns:a16="http://schemas.microsoft.com/office/drawing/2014/main" id="{BE30E1AD-317E-8FFE-9D1E-C23B3D72848E}"/>
+              <a:rPr lang="en-US" altLang="ko-KR" sz="1600" b="1" dirty="0"/>
+              <a:t>UART1 CTS</a:t>
+            </a:r>
+            <a:endParaRPr lang="ko-KR" altLang="en-US" sz="1600" b="1" dirty="0"/>
+          </a:p>
+        </p:txBody>
+      </p:sp>
+      <p:sp>
+        <p:nvSpPr>
+          <p:cNvPr id="58" name="사각형: 둥근 모서리 57">
+            <a:extLst>
+              <a:ext uri="{FF2B5EF4-FFF2-40B4-BE49-F238E27FC236}">
+                <a16:creationId xmlns:a16="http://schemas.microsoft.com/office/drawing/2014/main" id="{2B15DF1C-4DD3-E75E-DBE4-7B871DC7E9DE}"/>
               </a:ext>
             </a:extLst>
           </p:cNvPr>
@@ -13277,8 +13745,124 @@
         </p:nvSpPr>
         <p:spPr>
           <a:xfrm>
-            <a:off x="133794" y="3889907"/>
-            <a:ext cx="1101977" cy="336855"/>
+            <a:off x="3910134" y="3166315"/>
+            <a:ext cx="1312837" cy="336855"/>
+          </a:xfrm>
+          <a:prstGeom prst="roundRect">
+            <a:avLst/>
+          </a:prstGeom>
+          <a:solidFill>
+            <a:srgbClr val="7030A0"/>
+          </a:solidFill>
+          <a:ln w="19050">
+            <a:solidFill>
+              <a:schemeClr val="tx1"/>
+            </a:solidFill>
+          </a:ln>
+        </p:spPr>
+        <p:style>
+          <a:lnRef idx="2">
+            <a:schemeClr val="accent1">
+              <a:shade val="50000"/>
+            </a:schemeClr>
+          </a:lnRef>
+          <a:fillRef idx="1">
+            <a:schemeClr val="accent1"/>
+          </a:fillRef>
+          <a:effectRef idx="0">
+            <a:schemeClr val="accent1"/>
+          </a:effectRef>
+          <a:fontRef idx="minor">
+            <a:schemeClr val="lt1"/>
+          </a:fontRef>
+        </p:style>
+        <p:txBody>
+          <a:bodyPr rtlCol="0" anchor="ctr"/>
+          <a:lstStyle/>
+          <a:p>
+            <a:pPr algn="ctr"/>
+            <a:r>
+              <a:rPr lang="en-US" altLang="ko-KR" sz="1600" b="1" dirty="0"/>
+              <a:t>UART1 TX</a:t>
+            </a:r>
+            <a:endParaRPr lang="ko-KR" altLang="en-US" sz="1600" b="1" dirty="0"/>
+          </a:p>
+        </p:txBody>
+      </p:sp>
+      <p:sp>
+        <p:nvSpPr>
+          <p:cNvPr id="59" name="사각형: 둥근 모서리 58">
+            <a:extLst>
+              <a:ext uri="{FF2B5EF4-FFF2-40B4-BE49-F238E27FC236}">
+                <a16:creationId xmlns:a16="http://schemas.microsoft.com/office/drawing/2014/main" id="{07983C20-032C-5C76-1F6B-000CFEEDCA0A}"/>
+              </a:ext>
+            </a:extLst>
+          </p:cNvPr>
+          <p:cNvSpPr/>
+          <p:nvPr/>
+        </p:nvSpPr>
+        <p:spPr>
+          <a:xfrm>
+            <a:off x="3915342" y="3500689"/>
+            <a:ext cx="1312837" cy="336855"/>
+          </a:xfrm>
+          <a:prstGeom prst="roundRect">
+            <a:avLst/>
+          </a:prstGeom>
+          <a:solidFill>
+            <a:srgbClr val="7030A0"/>
+          </a:solidFill>
+          <a:ln w="19050">
+            <a:solidFill>
+              <a:schemeClr val="tx1"/>
+            </a:solidFill>
+          </a:ln>
+        </p:spPr>
+        <p:style>
+          <a:lnRef idx="2">
+            <a:schemeClr val="accent1">
+              <a:shade val="50000"/>
+            </a:schemeClr>
+          </a:lnRef>
+          <a:fillRef idx="1">
+            <a:schemeClr val="accent1"/>
+          </a:fillRef>
+          <a:effectRef idx="0">
+            <a:schemeClr val="accent1"/>
+          </a:effectRef>
+          <a:fontRef idx="minor">
+            <a:schemeClr val="lt1"/>
+          </a:fontRef>
+        </p:style>
+        <p:txBody>
+          <a:bodyPr rtlCol="0" anchor="ctr"/>
+          <a:lstStyle/>
+          <a:p>
+            <a:pPr algn="ctr"/>
+            <a:r>
+              <a:rPr lang="en-US" altLang="ko-KR" sz="1600" b="1" dirty="0"/>
+              <a:t>UART1 RTS</a:t>
+            </a:r>
+            <a:endParaRPr lang="ko-KR" altLang="en-US" sz="1600" b="1" dirty="0"/>
+          </a:p>
+        </p:txBody>
+      </p:sp>
+      <p:sp>
+        <p:nvSpPr>
+          <p:cNvPr id="60" name="사각형: 둥근 모서리 59">
+            <a:extLst>
+              <a:ext uri="{FF2B5EF4-FFF2-40B4-BE49-F238E27FC236}">
+                <a16:creationId xmlns:a16="http://schemas.microsoft.com/office/drawing/2014/main" id="{F8FFD160-107B-B71E-B361-A1DD6DAB1B2A}"/>
+              </a:ext>
+            </a:extLst>
+          </p:cNvPr>
+          <p:cNvSpPr/>
+          <p:nvPr/>
+        </p:nvSpPr>
+        <p:spPr>
+          <a:xfrm>
+            <a:off x="3910133" y="3842390"/>
+            <a:ext cx="1312837" cy="336855"/>
           </a:xfrm>
           <a:prstGeom prst="roundRect">
             <a:avLst/>
@@ -13314,19 +13898,19 @@
           <a:p>
             <a:pPr algn="ctr"/>
             <a:r>
-              <a:rPr lang="en-US" altLang="ko-KR" sz="1200" b="1" dirty="0"/>
+              <a:rPr lang="en-US" altLang="ko-KR" sz="1600" b="1" dirty="0"/>
               <a:t>GND</a:t>
             </a:r>
-            <a:endParaRPr lang="ko-KR" altLang="en-US" sz="1200" b="1" dirty="0"/>
-          </a:p>
-        </p:txBody>
-      </p:sp>
-      <p:sp>
-        <p:nvSpPr>
-          <p:cNvPr id="35" name="사각형: 둥근 모서리 34">
-            <a:extLst>
-              <a:ext uri="{FF2B5EF4-FFF2-40B4-BE49-F238E27FC236}">
-                <a16:creationId xmlns:a16="http://schemas.microsoft.com/office/drawing/2014/main" id="{12F7D5AC-9AD9-CD56-B499-962AFFBC81FE}"/>
+            <a:endParaRPr lang="ko-KR" altLang="en-US" sz="1600" b="1" dirty="0"/>
+          </a:p>
+        </p:txBody>
+      </p:sp>
+      <p:sp>
+        <p:nvSpPr>
+          <p:cNvPr id="61" name="사각형: 둥근 모서리 60">
+            <a:extLst>
+              <a:ext uri="{FF2B5EF4-FFF2-40B4-BE49-F238E27FC236}">
+                <a16:creationId xmlns:a16="http://schemas.microsoft.com/office/drawing/2014/main" id="{DC134FBE-288B-F2A4-4197-4877990FA5B2}"/>
               </a:ext>
             </a:extLst>
           </p:cNvPr>
@@ -13335,66 +13919,8 @@
         </p:nvSpPr>
         <p:spPr>
           <a:xfrm>
-            <a:off x="133794" y="4225459"/>
-            <a:ext cx="1101977" cy="336855"/>
-          </a:xfrm>
-          <a:prstGeom prst="roundRect">
-            <a:avLst/>
-          </a:prstGeom>
-          <a:solidFill>
-            <a:schemeClr val="accent6"/>
-          </a:solidFill>
-          <a:ln w="19050">
-            <a:solidFill>
-              <a:schemeClr val="tx1"/>
-            </a:solidFill>
-          </a:ln>
-        </p:spPr>
-        <p:style>
-          <a:lnRef idx="2">
-            <a:schemeClr val="accent1">
-              <a:shade val="50000"/>
-            </a:schemeClr>
-          </a:lnRef>
-          <a:fillRef idx="1">
-            <a:schemeClr val="accent1"/>
-          </a:fillRef>
-          <a:effectRef idx="0">
-            <a:schemeClr val="accent1"/>
-          </a:effectRef>
-          <a:fontRef idx="minor">
-            <a:schemeClr val="lt1"/>
-          </a:fontRef>
-        </p:style>
-        <p:txBody>
-          <a:bodyPr rtlCol="0" anchor="ctr"/>
-          <a:lstStyle/>
-          <a:p>
-            <a:pPr algn="ctr"/>
-            <a:r>
-              <a:rPr lang="en-US" altLang="ko-KR" sz="1100" b="1" dirty="0"/>
-              <a:t>USB_DP</a:t>
-            </a:r>
-            <a:endParaRPr lang="ko-KR" altLang="en-US" sz="1100" b="1" dirty="0"/>
-          </a:p>
-        </p:txBody>
-      </p:sp>
-      <p:sp>
-        <p:nvSpPr>
-          <p:cNvPr id="36" name="사각형: 둥근 모서리 35">
-            <a:extLst>
-              <a:ext uri="{FF2B5EF4-FFF2-40B4-BE49-F238E27FC236}">
-                <a16:creationId xmlns:a16="http://schemas.microsoft.com/office/drawing/2014/main" id="{B52C99C3-BAE1-7D58-3EE8-9DC448AB38C2}"/>
-              </a:ext>
-            </a:extLst>
-          </p:cNvPr>
-          <p:cNvSpPr/>
-          <p:nvPr/>
-        </p:nvSpPr>
-        <p:spPr>
-          <a:xfrm>
-            <a:off x="134386" y="3218823"/>
-            <a:ext cx="1100793" cy="336855"/>
+            <a:off x="3910132" y="4181610"/>
+            <a:ext cx="1312837" cy="336855"/>
           </a:xfrm>
           <a:prstGeom prst="roundRect">
             <a:avLst/>
@@ -13429,426 +13955,60 @@
           <a:lstStyle/>
           <a:p>
             <a:pPr algn="ctr"/>
-            <a:r>
-              <a:rPr lang="en-US" altLang="ko-KR" sz="1100" b="1" dirty="0"/>
-              <a:t>UART1_TX</a:t>
-            </a:r>
-            <a:endParaRPr lang="ko-KR" altLang="en-US" sz="1100" b="1" dirty="0"/>
-          </a:p>
-        </p:txBody>
-      </p:sp>
-      <p:sp>
-        <p:nvSpPr>
-          <p:cNvPr id="37" name="사각형: 둥근 모서리 36">
-            <a:extLst>
-              <a:ext uri="{FF2B5EF4-FFF2-40B4-BE49-F238E27FC236}">
-                <a16:creationId xmlns:a16="http://schemas.microsoft.com/office/drawing/2014/main" id="{ACB09F21-C6B7-DE12-C7E8-200935EDFB7C}"/>
-              </a:ext>
-            </a:extLst>
-          </p:cNvPr>
-          <p:cNvSpPr/>
-          <p:nvPr/>
-        </p:nvSpPr>
-        <p:spPr>
-          <a:xfrm>
-            <a:off x="1286135" y="2551179"/>
-            <a:ext cx="1089051" cy="336855"/>
-          </a:xfrm>
-          <a:prstGeom prst="roundRect">
-            <a:avLst/>
-          </a:prstGeom>
-          <a:solidFill>
-            <a:srgbClr val="FF0000"/>
-          </a:solidFill>
-          <a:ln w="19050">
-            <a:solidFill>
-              <a:schemeClr val="tx1"/>
-            </a:solidFill>
-          </a:ln>
-        </p:spPr>
-        <p:style>
-          <a:lnRef idx="2">
-            <a:schemeClr val="accent1">
-              <a:shade val="50000"/>
-            </a:schemeClr>
-          </a:lnRef>
-          <a:fillRef idx="1">
-            <a:schemeClr val="accent1"/>
-          </a:fillRef>
-          <a:effectRef idx="0">
-            <a:schemeClr val="accent1"/>
-          </a:effectRef>
-          <a:fontRef idx="minor">
-            <a:schemeClr val="lt1"/>
-          </a:fontRef>
-        </p:style>
-        <p:txBody>
-          <a:bodyPr rtlCol="0" anchor="ctr"/>
-          <a:lstStyle/>
-          <a:p>
-            <a:pPr algn="ctr"/>
-            <a:r>
-              <a:rPr lang="en-US" altLang="ko-KR" sz="1200" b="1" dirty="0"/>
-              <a:t>3V3</a:t>
-            </a:r>
-            <a:endParaRPr lang="ko-KR" altLang="en-US" sz="1200" b="1" dirty="0"/>
-          </a:p>
-        </p:txBody>
-      </p:sp>
-      <p:sp>
-        <p:nvSpPr>
-          <p:cNvPr id="38" name="사각형: 둥근 모서리 37">
-            <a:extLst>
-              <a:ext uri="{FF2B5EF4-FFF2-40B4-BE49-F238E27FC236}">
-                <a16:creationId xmlns:a16="http://schemas.microsoft.com/office/drawing/2014/main" id="{4BE7C9D2-183B-3DA6-1590-6896742AA91F}"/>
-              </a:ext>
-            </a:extLst>
-          </p:cNvPr>
-          <p:cNvSpPr/>
-          <p:nvPr/>
-        </p:nvSpPr>
-        <p:spPr>
-          <a:xfrm>
-            <a:off x="1280263" y="2887596"/>
-            <a:ext cx="1100794" cy="336855"/>
-          </a:xfrm>
-          <a:prstGeom prst="roundRect">
-            <a:avLst/>
-          </a:prstGeom>
-          <a:solidFill>
-            <a:srgbClr val="0070C0"/>
-          </a:solidFill>
-          <a:ln w="19050">
-            <a:solidFill>
-              <a:schemeClr val="tx1"/>
-            </a:solidFill>
-          </a:ln>
-        </p:spPr>
-        <p:style>
-          <a:lnRef idx="2">
-            <a:schemeClr val="accent1">
-              <a:shade val="50000"/>
-            </a:schemeClr>
-          </a:lnRef>
-          <a:fillRef idx="1">
-            <a:schemeClr val="accent1"/>
-          </a:fillRef>
-          <a:effectRef idx="0">
-            <a:schemeClr val="accent1"/>
-          </a:effectRef>
-          <a:fontRef idx="minor">
-            <a:schemeClr val="lt1"/>
-          </a:fontRef>
-        </p:style>
-        <p:txBody>
-          <a:bodyPr rtlCol="0" anchor="ctr"/>
-          <a:lstStyle/>
-          <a:p>
-            <a:pPr algn="ctr"/>
-            <a:r>
-              <a:rPr lang="en-US" altLang="ko-KR" sz="1200" b="1" dirty="0"/>
-              <a:t>FACT_RST</a:t>
-            </a:r>
-            <a:endParaRPr lang="ko-KR" altLang="en-US" sz="1200" b="1" dirty="0"/>
-          </a:p>
-        </p:txBody>
-      </p:sp>
-      <p:sp>
-        <p:nvSpPr>
-          <p:cNvPr id="39" name="사각형: 둥근 모서리 38">
-            <a:extLst>
-              <a:ext uri="{FF2B5EF4-FFF2-40B4-BE49-F238E27FC236}">
-                <a16:creationId xmlns:a16="http://schemas.microsoft.com/office/drawing/2014/main" id="{4C4017F8-809D-3EDB-C856-9FA3324C6668}"/>
-              </a:ext>
-            </a:extLst>
-          </p:cNvPr>
-          <p:cNvSpPr/>
-          <p:nvPr/>
-        </p:nvSpPr>
-        <p:spPr>
-          <a:xfrm>
-            <a:off x="1285904" y="2204216"/>
-            <a:ext cx="1089512" cy="336855"/>
-          </a:xfrm>
-          <a:prstGeom prst="roundRect">
-            <a:avLst/>
-          </a:prstGeom>
-          <a:solidFill>
-            <a:srgbClr val="FF0000"/>
-          </a:solidFill>
-          <a:ln w="19050">
-            <a:solidFill>
-              <a:schemeClr val="tx1"/>
-            </a:solidFill>
-          </a:ln>
-        </p:spPr>
-        <p:style>
-          <a:lnRef idx="2">
-            <a:schemeClr val="accent1">
-              <a:shade val="50000"/>
-            </a:schemeClr>
-          </a:lnRef>
-          <a:fillRef idx="1">
-            <a:schemeClr val="accent1"/>
-          </a:fillRef>
-          <a:effectRef idx="0">
-            <a:schemeClr val="accent1"/>
-          </a:effectRef>
-          <a:fontRef idx="minor">
-            <a:schemeClr val="lt1"/>
-          </a:fontRef>
-        </p:style>
-        <p:txBody>
-          <a:bodyPr rtlCol="0" anchor="ctr"/>
-          <a:lstStyle/>
-          <a:p>
-            <a:pPr algn="ctr"/>
-            <a:r>
-              <a:rPr lang="en-US" altLang="ko-KR" sz="1200" b="1" dirty="0"/>
-              <a:t>3V3</a:t>
-            </a:r>
-            <a:endParaRPr lang="ko-KR" altLang="en-US" sz="1200" b="1" dirty="0"/>
-          </a:p>
-        </p:txBody>
-      </p:sp>
-      <p:sp>
-        <p:nvSpPr>
-          <p:cNvPr id="40" name="사각형: 둥근 모서리 39">
-            <a:extLst>
-              <a:ext uri="{FF2B5EF4-FFF2-40B4-BE49-F238E27FC236}">
-                <a16:creationId xmlns:a16="http://schemas.microsoft.com/office/drawing/2014/main" id="{11D8E713-16E5-8C93-8CA3-26BA6CB3A751}"/>
-              </a:ext>
-            </a:extLst>
-          </p:cNvPr>
-          <p:cNvSpPr/>
-          <p:nvPr/>
-        </p:nvSpPr>
-        <p:spPr>
-          <a:xfrm>
-            <a:off x="1280264" y="3548690"/>
-            <a:ext cx="1100793" cy="336855"/>
-          </a:xfrm>
-          <a:prstGeom prst="roundRect">
-            <a:avLst/>
-          </a:prstGeom>
-          <a:solidFill>
-            <a:srgbClr val="0070C0"/>
-          </a:solidFill>
-          <a:ln w="19050">
-            <a:solidFill>
-              <a:schemeClr val="tx1"/>
-            </a:solidFill>
-          </a:ln>
-        </p:spPr>
-        <p:style>
-          <a:lnRef idx="2">
-            <a:schemeClr val="accent1">
-              <a:shade val="50000"/>
-            </a:schemeClr>
-          </a:lnRef>
-          <a:fillRef idx="1">
-            <a:schemeClr val="accent1"/>
-          </a:fillRef>
-          <a:effectRef idx="0">
-            <a:schemeClr val="accent1"/>
-          </a:effectRef>
-          <a:fontRef idx="minor">
-            <a:schemeClr val="lt1"/>
-          </a:fontRef>
-        </p:style>
-        <p:txBody>
-          <a:bodyPr rtlCol="0" anchor="ctr"/>
-          <a:lstStyle/>
-          <a:p>
-            <a:pPr algn="ctr"/>
-            <a:r>
-              <a:rPr lang="en-US" altLang="ko-KR" sz="1200" b="1" dirty="0"/>
-              <a:t>BOOTSEL</a:t>
-            </a:r>
-            <a:endParaRPr lang="ko-KR" altLang="en-US" sz="1200" b="1" dirty="0"/>
-          </a:p>
-        </p:txBody>
-      </p:sp>
-      <p:sp>
-        <p:nvSpPr>
-          <p:cNvPr id="41" name="사각형: 둥근 모서리 40">
-            <a:extLst>
-              <a:ext uri="{FF2B5EF4-FFF2-40B4-BE49-F238E27FC236}">
-                <a16:creationId xmlns:a16="http://schemas.microsoft.com/office/drawing/2014/main" id="{CBDF57C3-26D2-6642-BAED-35B073AD0546}"/>
-              </a:ext>
-            </a:extLst>
-          </p:cNvPr>
-          <p:cNvSpPr/>
-          <p:nvPr/>
-        </p:nvSpPr>
-        <p:spPr>
-          <a:xfrm>
-            <a:off x="1279672" y="3890260"/>
-            <a:ext cx="1101977" cy="336855"/>
-          </a:xfrm>
-          <a:prstGeom prst="roundRect">
-            <a:avLst/>
-          </a:prstGeom>
-          <a:solidFill>
-            <a:schemeClr val="tx1"/>
-          </a:solidFill>
-          <a:ln w="19050">
-            <a:solidFill>
-              <a:schemeClr val="tx1"/>
-            </a:solidFill>
-          </a:ln>
-        </p:spPr>
-        <p:style>
-          <a:lnRef idx="2">
-            <a:schemeClr val="accent1">
-              <a:shade val="50000"/>
-            </a:schemeClr>
-          </a:lnRef>
-          <a:fillRef idx="1">
-            <a:schemeClr val="accent1"/>
-          </a:fillRef>
-          <a:effectRef idx="0">
-            <a:schemeClr val="accent1"/>
-          </a:effectRef>
-          <a:fontRef idx="minor">
-            <a:schemeClr val="lt1"/>
-          </a:fontRef>
-        </p:style>
-        <p:txBody>
-          <a:bodyPr rtlCol="0" anchor="ctr"/>
-          <a:lstStyle/>
-          <a:p>
-            <a:pPr algn="ctr"/>
-            <a:r>
-              <a:rPr lang="en-US" altLang="ko-KR" sz="1200" b="1" dirty="0"/>
-              <a:t>GND</a:t>
-            </a:r>
-            <a:endParaRPr lang="ko-KR" altLang="en-US" sz="1200" b="1" dirty="0"/>
-          </a:p>
-        </p:txBody>
-      </p:sp>
-      <p:sp>
-        <p:nvSpPr>
-          <p:cNvPr id="42" name="사각형: 둥근 모서리 41">
-            <a:extLst>
-              <a:ext uri="{FF2B5EF4-FFF2-40B4-BE49-F238E27FC236}">
-                <a16:creationId xmlns:a16="http://schemas.microsoft.com/office/drawing/2014/main" id="{EF95B7E9-47EE-AE94-C1DD-AADA0799B207}"/>
-              </a:ext>
-            </a:extLst>
-          </p:cNvPr>
-          <p:cNvSpPr/>
-          <p:nvPr/>
-        </p:nvSpPr>
-        <p:spPr>
-          <a:xfrm>
-            <a:off x="1279672" y="4223741"/>
-            <a:ext cx="1101977" cy="336855"/>
-          </a:xfrm>
-          <a:prstGeom prst="roundRect">
-            <a:avLst/>
-          </a:prstGeom>
-          <a:solidFill>
-            <a:schemeClr val="accent6"/>
-          </a:solidFill>
-          <a:ln w="19050">
-            <a:solidFill>
-              <a:schemeClr val="tx1"/>
-            </a:solidFill>
-          </a:ln>
-        </p:spPr>
-        <p:style>
-          <a:lnRef idx="2">
-            <a:schemeClr val="accent1">
-              <a:shade val="50000"/>
-            </a:schemeClr>
-          </a:lnRef>
-          <a:fillRef idx="1">
-            <a:schemeClr val="accent1"/>
-          </a:fillRef>
-          <a:effectRef idx="0">
-            <a:schemeClr val="accent1"/>
-          </a:effectRef>
-          <a:fontRef idx="minor">
-            <a:schemeClr val="lt1"/>
-          </a:fontRef>
-        </p:style>
-        <p:txBody>
-          <a:bodyPr rtlCol="0" anchor="ctr"/>
-          <a:lstStyle/>
-          <a:p>
-            <a:pPr algn="ctr"/>
-            <a:r>
-              <a:rPr lang="en-US" altLang="ko-KR" sz="1100" b="1" dirty="0"/>
-              <a:t>USB_DM</a:t>
-            </a:r>
-            <a:endParaRPr lang="ko-KR" altLang="en-US" sz="1100" b="1" dirty="0"/>
-          </a:p>
-        </p:txBody>
-      </p:sp>
-      <p:sp>
-        <p:nvSpPr>
-          <p:cNvPr id="43" name="사각형: 둥근 모서리 42">
-            <a:extLst>
-              <a:ext uri="{FF2B5EF4-FFF2-40B4-BE49-F238E27FC236}">
-                <a16:creationId xmlns:a16="http://schemas.microsoft.com/office/drawing/2014/main" id="{3B374A42-4979-90E8-8537-C2777BBEF306}"/>
-              </a:ext>
-            </a:extLst>
-          </p:cNvPr>
-          <p:cNvSpPr/>
-          <p:nvPr/>
-        </p:nvSpPr>
-        <p:spPr>
-          <a:xfrm>
-            <a:off x="1280264" y="3218010"/>
-            <a:ext cx="1100793" cy="336855"/>
-          </a:xfrm>
-          <a:prstGeom prst="roundRect">
-            <a:avLst/>
-          </a:prstGeom>
-          <a:solidFill>
-            <a:srgbClr val="0070C0"/>
-          </a:solidFill>
-          <a:ln w="19050">
-            <a:solidFill>
-              <a:schemeClr val="tx1"/>
-            </a:solidFill>
-          </a:ln>
-        </p:spPr>
-        <p:style>
-          <a:lnRef idx="2">
-            <a:schemeClr val="accent1">
-              <a:shade val="50000"/>
-            </a:schemeClr>
-          </a:lnRef>
-          <a:fillRef idx="1">
-            <a:schemeClr val="accent1"/>
-          </a:fillRef>
-          <a:effectRef idx="0">
-            <a:schemeClr val="accent1"/>
-          </a:effectRef>
-          <a:fontRef idx="minor">
-            <a:schemeClr val="lt1"/>
-          </a:fontRef>
-        </p:style>
-        <p:txBody>
-          <a:bodyPr rtlCol="0" anchor="ctr"/>
-          <a:lstStyle/>
-          <a:p>
-            <a:pPr algn="ctr"/>
-            <a:r>
-              <a:rPr lang="en-US" altLang="ko-KR" sz="1100" b="1" dirty="0"/>
-              <a:t>HW_TRIG</a:t>
-            </a:r>
-            <a:endParaRPr lang="ko-KR" altLang="en-US" sz="1100" b="1" dirty="0"/>
+            <a:endParaRPr lang="ko-KR" altLang="en-US"/>
+          </a:p>
+        </p:txBody>
+      </p:sp>
+      <p:sp>
+        <p:nvSpPr>
+          <p:cNvPr id="62" name="TextBox 61">
+            <a:extLst>
+              <a:ext uri="{FF2B5EF4-FFF2-40B4-BE49-F238E27FC236}">
+                <a16:creationId xmlns:a16="http://schemas.microsoft.com/office/drawing/2014/main" id="{B0F5CF50-E6A3-A2D6-4D32-1268D7298662}"/>
+              </a:ext>
+            </a:extLst>
+          </p:cNvPr>
+          <p:cNvSpPr txBox="1"/>
+          <p:nvPr/>
+        </p:nvSpPr>
+        <p:spPr>
+          <a:xfrm>
+            <a:off x="4096925" y="4171918"/>
+            <a:ext cx="949299" cy="338554"/>
+          </a:xfrm>
+          <a:prstGeom prst="rect">
+            <a:avLst/>
+          </a:prstGeom>
+          <a:noFill/>
+        </p:spPr>
+        <p:txBody>
+          <a:bodyPr wrap="none" rtlCol="0">
+            <a:spAutoFit/>
+          </a:bodyPr>
+          <a:lstStyle/>
+          <a:p>
+            <a:r>
+              <a:rPr lang="en-US" altLang="ko-KR" sz="1600" b="1" dirty="0">
+                <a:solidFill>
+                  <a:srgbClr val="FFFFFF"/>
+                </a:solidFill>
+              </a:rPr>
+              <a:t>USB_DP</a:t>
+            </a:r>
+            <a:endParaRPr lang="ko-KR" altLang="en-US" sz="1600" b="1" dirty="0">
+              <a:solidFill>
+                <a:srgbClr val="FFFFFF"/>
+              </a:solidFill>
+            </a:endParaRPr>
           </a:p>
         </p:txBody>
       </p:sp>
       <p:cxnSp>
         <p:nvCxnSpPr>
-          <p:cNvPr id="44" name="직선 화살표 연결선 43">
-            <a:extLst>
-              <a:ext uri="{FF2B5EF4-FFF2-40B4-BE49-F238E27FC236}">
-                <a16:creationId xmlns:a16="http://schemas.microsoft.com/office/drawing/2014/main" id="{9D86AF3F-3E63-4F7C-99D6-FE2C5B486FE1}"/>
+          <p:cNvPr id="63" name="직선 화살표 연결선 62">
+            <a:extLst>
+              <a:ext uri="{FF2B5EF4-FFF2-40B4-BE49-F238E27FC236}">
+                <a16:creationId xmlns:a16="http://schemas.microsoft.com/office/drawing/2014/main" id="{DC130D6B-D466-E277-3458-159DFD7B7DE6}"/>
               </a:ext>
             </a:extLst>
           </p:cNvPr>
@@ -13858,9 +14018,9 @@
           <p:nvPr/>
         </p:nvCxnSpPr>
         <p:spPr>
-          <a:xfrm>
-            <a:off x="2445906" y="3310295"/>
-            <a:ext cx="243954" cy="0"/>
+          <a:xfrm flipH="1">
+            <a:off x="3429000" y="3293881"/>
+            <a:ext cx="321450" cy="0"/>
           </a:xfrm>
           <a:prstGeom prst="straightConnector1">
             <a:avLst/>
